--- a/docs/Praesentation_Prototyp/Prototyp_Präsentation.pptx
+++ b/docs/Praesentation_Prototyp/Prototyp_Präsentation.pptx
@@ -5,11 +5,11 @@
     <p:sldMasterId id="2147483660" r:id="rId1"/>
   </p:sldMasterIdLst>
   <p:notesMasterIdLst>
-    <p:notesMasterId r:id="rId19"/>
+    <p:notesMasterId r:id="rId20"/>
   </p:notesMasterIdLst>
   <p:sldIdLst>
-    <p:sldId id="256" r:id="rId2"/>
-    <p:sldId id="258" r:id="rId3"/>
+    <p:sldId id="298" r:id="rId2"/>
+    <p:sldId id="299" r:id="rId3"/>
     <p:sldId id="261" r:id="rId4"/>
     <p:sldId id="259" r:id="rId5"/>
     <p:sldId id="290" r:id="rId6"/>
@@ -19,29 +19,30 @@
     <p:sldId id="286" r:id="rId10"/>
     <p:sldId id="292" r:id="rId11"/>
     <p:sldId id="293" r:id="rId12"/>
-    <p:sldId id="295" r:id="rId13"/>
-    <p:sldId id="262" r:id="rId14"/>
-    <p:sldId id="294" r:id="rId15"/>
-    <p:sldId id="288" r:id="rId16"/>
-    <p:sldId id="289" r:id="rId17"/>
-    <p:sldId id="282" r:id="rId18"/>
+    <p:sldId id="300" r:id="rId13"/>
+    <p:sldId id="301" r:id="rId14"/>
+    <p:sldId id="302" r:id="rId15"/>
+    <p:sldId id="303" r:id="rId16"/>
+    <p:sldId id="288" r:id="rId17"/>
+    <p:sldId id="289" r:id="rId18"/>
+    <p:sldId id="282" r:id="rId19"/>
   </p:sldIdLst>
   <p:sldSz cx="9144000" cy="5143500" type="screen16x9"/>
   <p:notesSz cx="6858000" cy="9144000"/>
   <p:embeddedFontLst>
     <p:embeddedFont>
-      <p:font typeface="Poppins" pitchFamily="2" charset="77"/>
-      <p:regular r:id="rId20"/>
-      <p:bold r:id="rId21"/>
-      <p:italic r:id="rId22"/>
-      <p:boldItalic r:id="rId23"/>
+      <p:font typeface="Poppins" panose="020B0604020202020204" charset="0"/>
+      <p:regular r:id="rId21"/>
+      <p:bold r:id="rId22"/>
+      <p:italic r:id="rId23"/>
+      <p:boldItalic r:id="rId24"/>
     </p:embeddedFont>
     <p:embeddedFont>
-      <p:font typeface="Poppins Light" pitchFamily="2" charset="77"/>
-      <p:regular r:id="rId24"/>
-      <p:bold r:id="rId25"/>
-      <p:italic r:id="rId26"/>
-      <p:boldItalic r:id="rId27"/>
+      <p:font typeface="Poppins Light" panose="020B0604020202020204" charset="0"/>
+      <p:regular r:id="rId25"/>
+      <p:bold r:id="rId26"/>
+      <p:italic r:id="rId27"/>
+      <p:boldItalic r:id="rId28"/>
     </p:embeddedFont>
   </p:embeddedFontLst>
   <p:defaultTextStyle>
@@ -1024,47 +1025,24 @@
           </a:bodyPr>
           <a:lstStyle/>
           <a:p>
-            <a:pPr marL="228600" lvl="0" indent="-228600" algn="l" rtl="0">
-              <a:spcBef>
-                <a:spcPts val="0"/>
-              </a:spcBef>
-              <a:spcAft>
-                <a:spcPts val="0"/>
-              </a:spcAft>
-              <a:buAutoNum type="arabicPeriod"/>
+            <a:pPr marL="139700" indent="0">
+              <a:buNone/>
             </a:pPr>
             <a:r>
-              <a:rPr lang="en-US" dirty="0" err="1"/>
-              <a:t>Entscheidung</a:t>
-            </a:r>
-            <a:r>
-              <a:rPr lang="en-US" dirty="0"/>
-              <a:t>: </a:t>
-            </a:r>
-            <a:r>
-              <a:rPr lang="en-US" dirty="0" err="1"/>
-              <a:t>Adminbereich</a:t>
-            </a:r>
-            <a:r>
-              <a:rPr lang="en-US" dirty="0"/>
-              <a:t> -&gt; phpMyAdmin</a:t>
-            </a:r>
-          </a:p>
-          <a:p>
-            <a:pPr marL="228600" lvl="0" indent="-228600" algn="l" rtl="0">
-              <a:spcBef>
-                <a:spcPts val="0"/>
-              </a:spcBef>
-              <a:spcAft>
-                <a:spcPts val="0"/>
-              </a:spcAft>
-              <a:buAutoNum type="arabicPeriod"/>
-            </a:pPr>
-            <a:r>
-              <a:rPr lang="en-US" dirty="0"/>
-              <a:t>Next page</a:t>
-            </a:r>
-            <a:endParaRPr dirty="0"/>
+              <a:rPr lang="en-US" spc="-1" dirty="0" err="1"/>
+              <a:t>Machbarkeitsanalyse</a:t>
+            </a:r>
+            <a:r>
+              <a:rPr lang="en-US" spc="-1" dirty="0"/>
+              <a:t> und </a:t>
+            </a:r>
+            <a:r>
+              <a:rPr lang="en-US" spc="-1" dirty="0" err="1"/>
+              <a:t>Konzeption</a:t>
+            </a:r>
+            <a:endParaRPr lang="en-US" spc="-1" dirty="0">
+              <a:latin typeface="Arial"/>
+            </a:endParaRPr>
           </a:p>
         </p:txBody>
       </p:sp>
@@ -1175,29 +1153,16 @@
             </a:pPr>
             <a:r>
               <a:rPr lang="en-US" dirty="0"/>
-              <a:t>Was </a:t>
+              <a:t>Was war </a:t>
             </a:r>
             <a:r>
               <a:rPr lang="en-US" dirty="0" err="1"/>
-              <a:t>ermöglicht</a:t>
+              <a:t>gefordert</a:t>
             </a:r>
             <a:r>
               <a:rPr lang="en-US" dirty="0"/>
-              <a:t> </a:t>
-            </a:r>
-            <a:r>
-              <a:rPr lang="en-US" dirty="0" err="1"/>
-              <a:t>diese</a:t>
-            </a:r>
-            <a:r>
-              <a:rPr lang="en-US" dirty="0"/>
-              <a:t> </a:t>
-            </a:r>
-            <a:r>
-              <a:rPr lang="en-US" dirty="0" err="1"/>
-              <a:t>Technisk</a:t>
-            </a:r>
-            <a:endParaRPr lang="en-US" dirty="0"/>
+              <a:t>?</a:t>
+            </a:r>
           </a:p>
           <a:p>
             <a:pPr marL="0" lvl="0" indent="0" algn="l" rtl="0">
@@ -1211,79 +1176,7 @@
             </a:pPr>
             <a:r>
               <a:rPr lang="en-US" dirty="0"/>
-              <a:t>Was </a:t>
-            </a:r>
-            <a:r>
-              <a:rPr lang="en-US" dirty="0" err="1"/>
-              <a:t>haben</a:t>
-            </a:r>
-            <a:r>
-              <a:rPr lang="en-US" dirty="0"/>
-              <a:t> </a:t>
-            </a:r>
-            <a:r>
-              <a:rPr lang="en-US" dirty="0" err="1"/>
-              <a:t>wir</a:t>
-            </a:r>
-            <a:r>
-              <a:rPr lang="en-US" dirty="0"/>
-              <a:t> </a:t>
-            </a:r>
-            <a:r>
-              <a:rPr lang="en-US" dirty="0" err="1"/>
-              <a:t>gemeinsam</a:t>
-            </a:r>
-            <a:r>
-              <a:rPr lang="en-US" dirty="0"/>
-              <a:t> </a:t>
-            </a:r>
-            <a:r>
-              <a:rPr lang="en-US" dirty="0" err="1"/>
-              <a:t>erarbeitet</a:t>
-            </a:r>
-            <a:r>
-              <a:rPr lang="en-US" dirty="0"/>
-              <a:t>, was </a:t>
-            </a:r>
-            <a:r>
-              <a:rPr lang="en-US" dirty="0" err="1"/>
-              <a:t>wir</a:t>
-            </a:r>
-            <a:r>
-              <a:rPr lang="en-US" dirty="0"/>
-              <a:t> </a:t>
-            </a:r>
-            <a:r>
-              <a:rPr lang="en-US" dirty="0" err="1"/>
-              <a:t>als</a:t>
-            </a:r>
-            <a:r>
-              <a:rPr lang="en-US" dirty="0"/>
-              <a:t> </a:t>
-            </a:r>
-            <a:r>
-              <a:rPr lang="en-US" dirty="0" err="1"/>
-              <a:t>unser</a:t>
-            </a:r>
-            <a:r>
-              <a:rPr lang="en-US" dirty="0"/>
-              <a:t> Team (</a:t>
-            </a:r>
-            <a:r>
-              <a:rPr lang="en-US" dirty="0" err="1"/>
-              <a:t>z.B</a:t>
-            </a:r>
-            <a:r>
-              <a:rPr lang="en-US" dirty="0"/>
-              <a:t>. </a:t>
-            </a:r>
-            <a:r>
-              <a:rPr lang="en-US" dirty="0" err="1"/>
-              <a:t>wir</a:t>
-            </a:r>
-            <a:r>
-              <a:rPr lang="en-US" dirty="0"/>
-              <a:t> plus electron)</a:t>
+              <a:t>Web, Mobile, (Desktop)</a:t>
             </a:r>
           </a:p>
           <a:p>
@@ -1310,15 +1203,15 @@
             </a:pPr>
             <a:r>
               <a:rPr lang="en-US" dirty="0"/>
-              <a:t>Technik: Angular (GUI), Ionic (</a:t>
+              <a:t>Aber </a:t>
             </a:r>
             <a:r>
               <a:rPr lang="en-US" dirty="0" err="1"/>
-              <a:t>cordova</a:t>
+              <a:t>wie</a:t>
             </a:r>
             <a:r>
               <a:rPr lang="en-US" dirty="0"/>
-              <a:t>, Mobile App Builder), Electron (Desktop)</a:t>
+              <a:t>?</a:t>
             </a:r>
           </a:p>
           <a:p>
@@ -1331,97 +1224,25 @@
               </a:spcAft>
               <a:buNone/>
             </a:pPr>
-            <a:endParaRPr lang="en-US" dirty="0"/>
-          </a:p>
-          <a:p>
-            <a:pPr marL="0" lvl="0" indent="0" algn="l" rtl="0">
-              <a:spcBef>
-                <a:spcPts val="0"/>
-              </a:spcBef>
-              <a:spcAft>
-                <a:spcPts val="0"/>
-              </a:spcAft>
-              <a:buNone/>
-            </a:pPr>
-            <a:r>
-              <a:rPr lang="en-US" dirty="0" err="1"/>
-              <a:t>Ggf</a:t>
-            </a:r>
             <a:r>
               <a:rPr lang="en-US" dirty="0"/>
-              <a:t>. Falls Zeit </a:t>
-            </a:r>
-            <a:r>
-              <a:rPr lang="en-US" dirty="0" err="1"/>
-              <a:t>für</a:t>
-            </a:r>
-            <a:r>
-              <a:rPr lang="en-US" dirty="0"/>
-              <a:t> </a:t>
-            </a:r>
-            <a:r>
-              <a:rPr lang="en-US" dirty="0" err="1"/>
-              <a:t>grobes</a:t>
-            </a:r>
-            <a:r>
-              <a:rPr lang="en-US" dirty="0"/>
-              <a:t> </a:t>
-            </a:r>
-            <a:r>
-              <a:rPr lang="en-US" dirty="0" err="1"/>
-              <a:t>technisches</a:t>
-            </a:r>
-            <a:r>
-              <a:rPr lang="en-US" dirty="0"/>
-              <a:t> </a:t>
-            </a:r>
-            <a:r>
-              <a:rPr lang="en-US" dirty="0" err="1"/>
-              <a:t>Verständnis</a:t>
-            </a:r>
-            <a:r>
-              <a:rPr lang="en-US" dirty="0"/>
-              <a:t> und </a:t>
-            </a:r>
-            <a:r>
-              <a:rPr lang="en-US" dirty="0" err="1"/>
-              <a:t>für</a:t>
-            </a:r>
-            <a:r>
-              <a:rPr lang="en-US" dirty="0"/>
-              <a:t> den </a:t>
-            </a:r>
-            <a:r>
-              <a:rPr lang="en-US" dirty="0" err="1"/>
-              <a:t>Unterschied</a:t>
-            </a:r>
-            <a:r>
-              <a:rPr lang="en-US" dirty="0"/>
-              <a:t> </a:t>
-            </a:r>
-            <a:r>
-              <a:rPr lang="en-US" dirty="0" err="1"/>
-              <a:t>architektur</a:t>
-            </a:r>
-            <a:r>
-              <a:rPr lang="en-US" dirty="0"/>
-              <a:t> </a:t>
-            </a:r>
-            <a:r>
-              <a:rPr lang="en-US" dirty="0" err="1"/>
-              <a:t>Bilder</a:t>
-            </a:r>
-            <a:r>
-              <a:rPr lang="en-US" dirty="0"/>
-              <a:t> </a:t>
-            </a:r>
-            <a:r>
-              <a:rPr lang="en-US" dirty="0" err="1"/>
-              <a:t>aus</a:t>
-            </a:r>
-            <a:r>
-              <a:rPr lang="en-US" dirty="0"/>
-              <a:t> der README</a:t>
+              <a:t>Basis Problem in </a:t>
+            </a:r>
+            <a:r>
+              <a:rPr lang="de-DE" sz="1100" dirty="0" err="1"/>
+              <a:t>Koorperation</a:t>
+            </a:r>
+            <a:r>
+              <a:rPr lang="de-DE" sz="1100" dirty="0"/>
+              <a:t> Team 03: "</a:t>
+            </a:r>
+            <a:r>
+              <a:rPr lang="de-DE" sz="1100" dirty="0" err="1"/>
+              <a:t>LogistGo</a:t>
+            </a:r>
+            <a:r>
+              <a:rPr lang="de-DE" sz="1100" dirty="0"/>
+              <a:t>"</a:t>
             </a:r>
           </a:p>
         </p:txBody>
@@ -1453,7 +1274,7 @@
       </p:grpSpPr>
       <p:sp>
         <p:nvSpPr>
-          <p:cNvPr id="2" name="Folienbildplatzhalter 1"/>
+          <p:cNvPr id="2" name="Slide Image Placeholder 1"/>
           <p:cNvSpPr>
             <a:spLocks noGrp="1" noRot="1" noChangeAspect="1"/>
           </p:cNvSpPr>
@@ -1470,7 +1291,7 @@
       </p:sp>
       <p:sp>
         <p:nvSpPr>
-          <p:cNvPr id="3" name="Notizenplatzhalter 2"/>
+          <p:cNvPr id="3" name="Notes Placeholder 2"/>
           <p:cNvSpPr>
             <a:spLocks noGrp="1"/>
           </p:cNvSpPr>
@@ -1483,14 +1304,104 @@
           <a:bodyPr/>
           <a:lstStyle/>
           <a:p>
-            <a:endParaRPr lang="de-DE" dirty="0"/>
+            <a:pPr marL="139700" indent="0">
+              <a:buNone/>
+            </a:pPr>
+            <a:r>
+              <a:rPr lang="en-US" dirty="0"/>
+              <a:t>Problem </a:t>
+            </a:r>
+            <a:r>
+              <a:rPr lang="en-US" dirty="0" err="1"/>
+              <a:t>kurz</a:t>
+            </a:r>
+            <a:r>
+              <a:rPr lang="en-US" dirty="0"/>
+              <a:t> </a:t>
+            </a:r>
+            <a:r>
+              <a:rPr lang="en-US" dirty="0" err="1"/>
+              <a:t>näher</a:t>
+            </a:r>
+            <a:r>
+              <a:rPr lang="en-US" dirty="0"/>
+              <a:t> </a:t>
+            </a:r>
+            <a:r>
+              <a:rPr lang="en-US" dirty="0" err="1"/>
+              <a:t>bringen</a:t>
+            </a:r>
+            <a:endParaRPr lang="en-US" dirty="0"/>
+          </a:p>
+          <a:p>
+            <a:pPr marL="139700" indent="0">
+              <a:buNone/>
+            </a:pPr>
+            <a:r>
+              <a:rPr lang="en-US" dirty="0"/>
+              <a:t>Mobile, Web </a:t>
+            </a:r>
+            <a:r>
+              <a:rPr lang="en-US" dirty="0" err="1"/>
+              <a:t>arbeiten</a:t>
+            </a:r>
+            <a:r>
+              <a:rPr lang="en-US" dirty="0"/>
+              <a:t> </a:t>
+            </a:r>
+            <a:r>
+              <a:rPr lang="en-US" dirty="0" err="1"/>
+              <a:t>anders</a:t>
+            </a:r>
+            <a:r>
+              <a:rPr lang="en-US" dirty="0"/>
+              <a:t>, </a:t>
+            </a:r>
+            <a:r>
+              <a:rPr lang="en-US" dirty="0" err="1"/>
+              <a:t>anders</a:t>
+            </a:r>
+            <a:r>
+              <a:rPr lang="en-US" dirty="0"/>
+              <a:t> </a:t>
+            </a:r>
+            <a:r>
+              <a:rPr lang="en-US" dirty="0" err="1"/>
+              <a:t>Prinzip</a:t>
+            </a:r>
+            <a:endParaRPr lang="en-US" dirty="0"/>
+          </a:p>
+          <a:p>
+            <a:pPr marL="139700" indent="0">
+              <a:buNone/>
+            </a:pPr>
+            <a:endParaRPr lang="en-US" dirty="0"/>
+          </a:p>
+          <a:p>
+            <a:pPr marL="368300" indent="-228600">
+              <a:buAutoNum type="arabicPeriod"/>
+            </a:pPr>
+            <a:r>
+              <a:rPr lang="en-US" dirty="0"/>
+              <a:t>Mobile</a:t>
+            </a:r>
+          </a:p>
+          <a:p>
+            <a:pPr marL="368300" indent="-228600">
+              <a:buAutoNum type="arabicPeriod"/>
+            </a:pPr>
+            <a:r>
+              <a:rPr lang="en-US" dirty="0"/>
+              <a:t>Web Browser</a:t>
+            </a:r>
+            <a:endParaRPr lang="en-DE" dirty="0"/>
           </a:p>
         </p:txBody>
       </p:sp>
     </p:spTree>
     <p:extLst>
       <p:ext uri="{BB962C8B-B14F-4D97-AF65-F5344CB8AC3E}">
-        <p14:creationId xmlns:p14="http://schemas.microsoft.com/office/powerpoint/2010/main" val="789993407"/>
+        <p14:creationId xmlns:p14="http://schemas.microsoft.com/office/powerpoint/2010/main" val="3353167397"/>
       </p:ext>
     </p:extLst>
   </p:cSld>
@@ -1501,6 +1412,519 @@
 </file>
 
 <file path=ppt/notesSlides/notesSlide14.xml><?xml version="1.0" encoding="utf-8"?>
+<p:notes xmlns:a="http://schemas.openxmlformats.org/drawingml/2006/main" xmlns:r="http://schemas.openxmlformats.org/officeDocument/2006/relationships" xmlns:p="http://schemas.openxmlformats.org/presentationml/2006/main">
+  <p:cSld>
+    <p:spTree>
+      <p:nvGrpSpPr>
+        <p:cNvPr id="1" name=""/>
+        <p:cNvGrpSpPr/>
+        <p:nvPr/>
+      </p:nvGrpSpPr>
+      <p:grpSpPr>
+        <a:xfrm>
+          <a:off x="0" y="0"/>
+          <a:ext cx="0" cy="0"/>
+          <a:chOff x="0" y="0"/>
+          <a:chExt cx="0" cy="0"/>
+        </a:xfrm>
+      </p:grpSpPr>
+      <p:sp>
+        <p:nvSpPr>
+          <p:cNvPr id="2" name="Slide Image Placeholder 1"/>
+          <p:cNvSpPr>
+            <a:spLocks noGrp="1" noRot="1" noChangeAspect="1"/>
+          </p:cNvSpPr>
+          <p:nvPr>
+            <p:ph type="sldImg"/>
+          </p:nvPr>
+        </p:nvSpPr>
+        <p:spPr>
+          <a:xfrm>
+            <a:off x="381000" y="685800"/>
+            <a:ext cx="6096000" cy="3429000"/>
+          </a:xfrm>
+        </p:spPr>
+      </p:sp>
+      <p:sp>
+        <p:nvSpPr>
+          <p:cNvPr id="3" name="Notes Placeholder 2"/>
+          <p:cNvSpPr>
+            <a:spLocks noGrp="1"/>
+          </p:cNvSpPr>
+          <p:nvPr>
+            <p:ph type="body" idx="1"/>
+          </p:nvPr>
+        </p:nvSpPr>
+        <p:spPr/>
+        <p:txBody>
+          <a:bodyPr/>
+          <a:lstStyle/>
+          <a:p>
+            <a:pPr marL="139700" indent="0">
+              <a:buNone/>
+            </a:pPr>
+            <a:r>
+              <a:rPr lang="en-US" dirty="0" err="1"/>
+              <a:t>Etwas</a:t>
+            </a:r>
+            <a:r>
+              <a:rPr lang="en-US" dirty="0"/>
+              <a:t> </a:t>
+            </a:r>
+            <a:r>
+              <a:rPr lang="en-US" dirty="0" err="1"/>
+              <a:t>langweilige</a:t>
+            </a:r>
+            <a:r>
+              <a:rPr lang="en-US" dirty="0"/>
+              <a:t> Part (</a:t>
+            </a:r>
+            <a:r>
+              <a:rPr lang="en-US" dirty="0" err="1"/>
+              <a:t>für</a:t>
+            </a:r>
+            <a:r>
+              <a:rPr lang="en-US" dirty="0"/>
+              <a:t> manche)</a:t>
+            </a:r>
+          </a:p>
+          <a:p>
+            <a:pPr marL="139700" indent="0">
+              <a:buNone/>
+            </a:pPr>
+            <a:endParaRPr lang="en-US" dirty="0"/>
+          </a:p>
+          <a:p>
+            <a:pPr marL="139700" indent="0">
+              <a:buNone/>
+            </a:pPr>
+            <a:r>
+              <a:rPr lang="en-US" dirty="0" err="1"/>
+              <a:t>Freie</a:t>
+            </a:r>
+            <a:r>
+              <a:rPr lang="en-US" dirty="0"/>
+              <a:t> Software/Frameworks </a:t>
+            </a:r>
+            <a:r>
+              <a:rPr lang="en-US" dirty="0" err="1"/>
+              <a:t>erwünscht</a:t>
+            </a:r>
+            <a:endParaRPr lang="en-US" dirty="0"/>
+          </a:p>
+          <a:p>
+            <a:pPr marL="139700" indent="0">
+              <a:buNone/>
+            </a:pPr>
+            <a:endParaRPr lang="en-US" dirty="0"/>
+          </a:p>
+          <a:p>
+            <a:pPr marL="139700" indent="0">
+              <a:buNone/>
+            </a:pPr>
+            <a:r>
+              <a:rPr lang="en-US" dirty="0" err="1"/>
+              <a:t>Gute</a:t>
+            </a:r>
+            <a:r>
+              <a:rPr lang="en-US" dirty="0"/>
+              <a:t>, </a:t>
+            </a:r>
+            <a:r>
+              <a:rPr lang="en-US" dirty="0" err="1"/>
+              <a:t>renovierte</a:t>
+            </a:r>
+            <a:r>
+              <a:rPr lang="en-US" dirty="0"/>
+              <a:t>/</a:t>
+            </a:r>
+            <a:r>
+              <a:rPr lang="en-US" dirty="0" err="1"/>
+              <a:t>bewerte</a:t>
+            </a:r>
+            <a:r>
+              <a:rPr lang="en-US" dirty="0"/>
+              <a:t> Software/Framework:</a:t>
+            </a:r>
+          </a:p>
+          <a:p>
+            <a:pPr marL="139700" indent="0">
+              <a:buNone/>
+            </a:pPr>
+            <a:r>
+              <a:rPr lang="en-US" dirty="0"/>
+              <a:t>  -&gt; </a:t>
+            </a:r>
+            <a:r>
+              <a:rPr lang="en-US" dirty="0" err="1"/>
+              <a:t>zeitlich</a:t>
+            </a:r>
+            <a:r>
+              <a:rPr lang="en-US" dirty="0"/>
+              <a:t> </a:t>
+            </a:r>
+            <a:r>
+              <a:rPr lang="en-US" dirty="0" err="1"/>
+              <a:t>realistisch</a:t>
+            </a:r>
+            <a:r>
+              <a:rPr lang="en-US" dirty="0"/>
+              <a:t>, da </a:t>
+            </a:r>
+            <a:r>
+              <a:rPr lang="en-US" dirty="0" err="1"/>
+              <a:t>nur</a:t>
+            </a:r>
+            <a:r>
+              <a:rPr lang="en-US" dirty="0"/>
+              <a:t> 1 Platform</a:t>
+            </a:r>
+          </a:p>
+          <a:p>
+            <a:pPr marL="139700" indent="0">
+              <a:buNone/>
+            </a:pPr>
+            <a:r>
+              <a:rPr lang="en-US" dirty="0"/>
+              <a:t>  -&gt; </a:t>
+            </a:r>
+            <a:r>
+              <a:rPr lang="en-US" dirty="0" err="1"/>
+              <a:t>leichter</a:t>
+            </a:r>
+            <a:r>
+              <a:rPr lang="en-US" dirty="0"/>
+              <a:t> </a:t>
+            </a:r>
+            <a:r>
+              <a:rPr lang="en-US" dirty="0" err="1"/>
+              <a:t>erweiterbar</a:t>
+            </a:r>
+            <a:r>
+              <a:rPr lang="en-US" dirty="0"/>
+              <a:t>, </a:t>
+            </a:r>
+            <a:r>
+              <a:rPr lang="en-US" dirty="0" err="1"/>
+              <a:t>wartbar</a:t>
+            </a:r>
+            <a:endParaRPr lang="en-US" dirty="0"/>
+          </a:p>
+          <a:p>
+            <a:pPr marL="457200" indent="-317500">
+              <a:buFont typeface="Symbol" panose="05050102010706020507" pitchFamily="18" charset="2"/>
+              <a:buChar char="Þ"/>
+            </a:pPr>
+            <a:r>
+              <a:rPr lang="en-US" dirty="0" err="1"/>
+              <a:t>später</a:t>
+            </a:r>
+            <a:r>
+              <a:rPr lang="en-US" dirty="0"/>
+              <a:t> </a:t>
+            </a:r>
+            <a:r>
+              <a:rPr lang="en-US" dirty="0" err="1"/>
+              <a:t>viel</a:t>
+            </a:r>
+            <a:r>
+              <a:rPr lang="en-US" dirty="0"/>
+              <a:t> Geld </a:t>
+            </a:r>
+            <a:r>
+              <a:rPr lang="en-US" dirty="0" err="1"/>
+              <a:t>einsparen</a:t>
+            </a:r>
+            <a:endParaRPr lang="en-US" dirty="0"/>
+          </a:p>
+          <a:p>
+            <a:pPr marL="457200" indent="-317500">
+              <a:buFont typeface="Symbol" panose="05050102010706020507" pitchFamily="18" charset="2"/>
+              <a:buChar char="Þ"/>
+            </a:pPr>
+            <a:endParaRPr lang="en-US" dirty="0"/>
+          </a:p>
+          <a:p>
+            <a:pPr marL="139700" indent="0">
+              <a:buFont typeface="Symbol" panose="05050102010706020507" pitchFamily="18" charset="2"/>
+              <a:buNone/>
+            </a:pPr>
+            <a:endParaRPr lang="en-US" dirty="0"/>
+          </a:p>
+          <a:p>
+            <a:pPr marL="139700" indent="0">
+              <a:buNone/>
+            </a:pPr>
+            <a:r>
+              <a:rPr lang="en-US" dirty="0" err="1"/>
+              <a:t>Durch</a:t>
+            </a:r>
+            <a:r>
+              <a:rPr lang="en-US" dirty="0"/>
+              <a:t> </a:t>
+            </a:r>
+            <a:r>
+              <a:rPr lang="en-US" dirty="0" err="1"/>
+              <a:t>diese</a:t>
+            </a:r>
+            <a:r>
+              <a:rPr lang="en-US" dirty="0"/>
+              <a:t> </a:t>
+            </a:r>
+            <a:r>
+              <a:rPr lang="en-US" dirty="0" err="1"/>
+              <a:t>Entscheidungen</a:t>
+            </a:r>
+            <a:r>
+              <a:rPr lang="en-US" dirty="0"/>
+              <a:t>, </a:t>
+            </a:r>
+            <a:r>
+              <a:rPr lang="en-US" dirty="0" err="1"/>
+              <a:t>wurde</a:t>
+            </a:r>
+            <a:r>
+              <a:rPr lang="en-US" dirty="0"/>
+              <a:t> das </a:t>
+            </a:r>
+            <a:r>
+              <a:rPr lang="en-US" dirty="0" err="1"/>
+              <a:t>Projekt</a:t>
+            </a:r>
+            <a:r>
+              <a:rPr lang="en-US" dirty="0"/>
+              <a:t> </a:t>
+            </a:r>
+            <a:r>
+              <a:rPr lang="en-US" dirty="0" err="1"/>
+              <a:t>erst</a:t>
+            </a:r>
+            <a:r>
+              <a:rPr lang="en-US" dirty="0"/>
+              <a:t> </a:t>
+            </a:r>
+            <a:r>
+              <a:rPr lang="en-US" dirty="0" err="1"/>
+              <a:t>zu</a:t>
+            </a:r>
+            <a:r>
+              <a:rPr lang="en-US" dirty="0"/>
+              <a:t> </a:t>
+            </a:r>
+            <a:r>
+              <a:rPr lang="en-US" dirty="0" err="1"/>
+              <a:t>einem</a:t>
+            </a:r>
+            <a:r>
+              <a:rPr lang="en-US" dirty="0"/>
+              <a:t> </a:t>
+            </a:r>
+            <a:r>
+              <a:rPr lang="en-US" dirty="0" err="1"/>
+              <a:t>zeitlich</a:t>
+            </a:r>
+            <a:r>
+              <a:rPr lang="en-US" dirty="0"/>
+              <a:t> </a:t>
+            </a:r>
+            <a:r>
+              <a:rPr lang="en-US" dirty="0" err="1"/>
+              <a:t>realistischen</a:t>
+            </a:r>
+            <a:r>
+              <a:rPr lang="en-US" dirty="0"/>
+              <a:t> </a:t>
+            </a:r>
+            <a:r>
+              <a:rPr lang="en-US" dirty="0" err="1"/>
+              <a:t>Projekt</a:t>
+            </a:r>
+            <a:r>
+              <a:rPr lang="en-US" dirty="0"/>
+              <a:t>, da </a:t>
+            </a:r>
+            <a:r>
+              <a:rPr lang="en-US" dirty="0" err="1"/>
+              <a:t>wir</a:t>
+            </a:r>
+            <a:r>
+              <a:rPr lang="en-US" dirty="0"/>
+              <a:t> </a:t>
+            </a:r>
+            <a:r>
+              <a:rPr lang="en-US" dirty="0" err="1"/>
+              <a:t>nicht</a:t>
+            </a:r>
+            <a:r>
+              <a:rPr lang="en-US" dirty="0"/>
+              <a:t> </a:t>
+            </a:r>
+            <a:r>
+              <a:rPr lang="en-US" dirty="0" err="1"/>
+              <a:t>viele</a:t>
+            </a:r>
+            <a:r>
+              <a:rPr lang="en-US" dirty="0"/>
+              <a:t> </a:t>
+            </a:r>
+            <a:r>
+              <a:rPr lang="en-US" dirty="0" err="1"/>
+              <a:t>Anwendungen</a:t>
+            </a:r>
+            <a:r>
+              <a:rPr lang="en-US" dirty="0"/>
+              <a:t> auf </a:t>
+            </a:r>
+            <a:r>
+              <a:rPr lang="en-US" dirty="0" err="1"/>
+              <a:t>verschiedenen</a:t>
+            </a:r>
+            <a:r>
+              <a:rPr lang="en-US" dirty="0"/>
+              <a:t> </a:t>
+            </a:r>
+            <a:r>
+              <a:rPr lang="en-US" dirty="0" err="1"/>
+              <a:t>Platformen</a:t>
+            </a:r>
+            <a:r>
+              <a:rPr lang="en-US" dirty="0"/>
+              <a:t> </a:t>
+            </a:r>
+            <a:r>
+              <a:rPr lang="en-US" dirty="0" err="1"/>
+              <a:t>entwickeln</a:t>
+            </a:r>
+            <a:r>
+              <a:rPr lang="en-US" dirty="0"/>
+              <a:t> </a:t>
+            </a:r>
+            <a:r>
+              <a:rPr lang="en-US" dirty="0" err="1"/>
+              <a:t>mussten</a:t>
+            </a:r>
+            <a:r>
+              <a:rPr lang="en-US" dirty="0"/>
+              <a:t>.</a:t>
+            </a:r>
+          </a:p>
+          <a:p>
+            <a:pPr marL="139700" indent="0">
+              <a:buNone/>
+            </a:pPr>
+            <a:r>
+              <a:rPr lang="en-US" dirty="0" err="1"/>
+              <a:t>Zusätzlich</a:t>
+            </a:r>
+            <a:r>
+              <a:rPr lang="en-US" dirty="0"/>
+              <a:t> muss man </a:t>
+            </a:r>
+            <a:r>
+              <a:rPr lang="en-US" dirty="0" err="1"/>
+              <a:t>nur</a:t>
+            </a:r>
+            <a:r>
+              <a:rPr lang="en-US" dirty="0"/>
+              <a:t> </a:t>
+            </a:r>
+            <a:r>
+              <a:rPr lang="en-US" dirty="0" err="1"/>
+              <a:t>eine</a:t>
+            </a:r>
+            <a:r>
+              <a:rPr lang="en-US" dirty="0"/>
+              <a:t> </a:t>
+            </a:r>
+            <a:r>
+              <a:rPr lang="en-US" dirty="0" err="1"/>
+              <a:t>Applikation</a:t>
+            </a:r>
+            <a:r>
+              <a:rPr lang="en-US" dirty="0"/>
+              <a:t> </a:t>
+            </a:r>
+            <a:r>
+              <a:rPr lang="en-US" dirty="0" err="1"/>
+              <a:t>warten</a:t>
+            </a:r>
+            <a:r>
+              <a:rPr lang="en-US" dirty="0"/>
+              <a:t> und </a:t>
+            </a:r>
+            <a:r>
+              <a:rPr lang="en-US" dirty="0" err="1"/>
+              <a:t>pflegen</a:t>
+            </a:r>
+            <a:r>
+              <a:rPr lang="en-US" dirty="0"/>
+              <a:t>, </a:t>
+            </a:r>
+            <a:r>
+              <a:rPr lang="en-US" dirty="0" err="1"/>
+              <a:t>wodurch</a:t>
+            </a:r>
+            <a:r>
+              <a:rPr lang="en-US" dirty="0"/>
+              <a:t> </a:t>
+            </a:r>
+            <a:r>
+              <a:rPr lang="en-US" dirty="0" err="1"/>
+              <a:t>später</a:t>
+            </a:r>
+            <a:r>
+              <a:rPr lang="en-US" dirty="0"/>
+              <a:t> </a:t>
+            </a:r>
+            <a:r>
+              <a:rPr lang="en-US" dirty="0" err="1"/>
+              <a:t>viel</a:t>
+            </a:r>
+            <a:r>
+              <a:rPr lang="en-US" dirty="0"/>
+              <a:t> Geld </a:t>
+            </a:r>
+            <a:r>
+              <a:rPr lang="en-US" dirty="0" err="1"/>
+              <a:t>eingespart</a:t>
+            </a:r>
+            <a:r>
+              <a:rPr lang="en-US" dirty="0"/>
+              <a:t> </a:t>
+            </a:r>
+            <a:r>
+              <a:rPr lang="en-US" dirty="0" err="1"/>
+              <a:t>werden</a:t>
+            </a:r>
+            <a:r>
+              <a:rPr lang="en-US" dirty="0"/>
+              <a:t> </a:t>
+            </a:r>
+            <a:r>
+              <a:rPr lang="en-US" dirty="0" err="1"/>
+              <a:t>kann</a:t>
+            </a:r>
+            <a:r>
+              <a:rPr lang="en-US" dirty="0"/>
+              <a:t>.</a:t>
+            </a:r>
+          </a:p>
+        </p:txBody>
+      </p:sp>
+    </p:spTree>
+    <p:extLst>
+      <p:ext uri="{BB962C8B-B14F-4D97-AF65-F5344CB8AC3E}">
+        <p14:creationId xmlns:p14="http://schemas.microsoft.com/office/powerpoint/2010/main" val="2518470936"/>
+      </p:ext>
+    </p:extLst>
+  </p:cSld>
+  <p:clrMapOvr>
+    <a:masterClrMapping/>
+  </p:clrMapOvr>
+</p:notes>
+</file>
+
+<file path=ppt/notesSlides/notesSlide15.xml><?xml version="1.0" encoding="utf-8"?>
 <p:notes xmlns:a="http://schemas.openxmlformats.org/drawingml/2006/main" xmlns:r="http://schemas.openxmlformats.org/officeDocument/2006/relationships" xmlns:p="http://schemas.openxmlformats.org/presentationml/2006/main" showMasterSp="0" showMasterPhAnim="0">
   <p:cSld>
     <p:spTree>
@@ -1641,7 +2065,7 @@
 </p:notes>
 </file>
 
-<file path=ppt/notesSlides/notesSlide15.xml><?xml version="1.0" encoding="utf-8"?>
+<file path=ppt/notesSlides/notesSlide16.xml><?xml version="1.0" encoding="utf-8"?>
 <p:notes xmlns:a="http://schemas.openxmlformats.org/drawingml/2006/main" xmlns:r="http://schemas.openxmlformats.org/officeDocument/2006/relationships" xmlns:p="http://schemas.openxmlformats.org/presentationml/2006/main">
   <p:cSld>
     <p:spTree>
@@ -1831,7 +2255,7 @@
 </p:notes>
 </file>
 
-<file path=ppt/notesSlides/notesSlide16.xml><?xml version="1.0" encoding="utf-8"?>
+<file path=ppt/notesSlides/notesSlide17.xml><?xml version="1.0" encoding="utf-8"?>
 <p:notes xmlns:a="http://schemas.openxmlformats.org/drawingml/2006/main" xmlns:r="http://schemas.openxmlformats.org/officeDocument/2006/relationships" xmlns:p="http://schemas.openxmlformats.org/presentationml/2006/main" showMasterSp="0" showMasterPhAnim="0">
   <p:cSld>
     <p:spTree>
@@ -2038,28 +2462,166 @@
           </a:bodyPr>
           <a:lstStyle/>
           <a:p>
-            <a:pPr marL="0" lvl="0" indent="0" algn="l" rtl="0">
+            <a:pPr marL="0" marR="0" lvl="0" indent="0" algn="l" defTabSz="914400" rtl="0" eaLnBrk="1" fontAlgn="auto" latinLnBrk="0" hangingPunct="1">
+              <a:lnSpc>
+                <a:spcPct val="100000"/>
+              </a:lnSpc>
               <a:spcBef>
                 <a:spcPts val="0"/>
               </a:spcBef>
               <a:spcAft>
                 <a:spcPts val="0"/>
               </a:spcAft>
+              <a:buClr>
+                <a:srgbClr val="000000"/>
+              </a:buClr>
+              <a:buSzPts val="1400"/>
+              <a:buFont typeface="Arial"/>
               <a:buNone/>
+              <a:tabLst/>
+              <a:defRPr/>
             </a:pPr>
             <a:r>
-              <a:rPr lang="en-US" dirty="0" err="1"/>
-              <a:t>Aufhänger</a:t>
-            </a:r>
-            <a:r>
-              <a:rPr lang="en-US" dirty="0"/>
-              <a:t>, Interesse </a:t>
-            </a:r>
-            <a:r>
-              <a:rPr lang="en-US" dirty="0" err="1"/>
-              <a:t>wecken</a:t>
-            </a:r>
-            <a:endParaRPr lang="en-US" dirty="0"/>
+              <a:rPr lang="de-DE" sz="1100" b="0" i="0" u="none" strike="noStrike" cap="none" baseline="0" dirty="0">
+                <a:solidFill>
+                  <a:schemeClr val="bg1"/>
+                </a:solidFill>
+                <a:latin typeface="Arial"/>
+                <a:ea typeface="Arial"/>
+                <a:cs typeface="Arial"/>
+                <a:sym typeface="Arial"/>
+              </a:rPr>
+              <a:t>Matthias Eberlein</a:t>
+            </a:r>
+          </a:p>
+          <a:p>
+            <a:pPr marL="0" marR="0" lvl="0" indent="0" algn="l" defTabSz="914400" rtl="0" eaLnBrk="1" fontAlgn="auto" latinLnBrk="0" hangingPunct="1">
+              <a:lnSpc>
+                <a:spcPct val="100000"/>
+              </a:lnSpc>
+              <a:spcBef>
+                <a:spcPts val="0"/>
+              </a:spcBef>
+              <a:spcAft>
+                <a:spcPts val="0"/>
+              </a:spcAft>
+              <a:buClr>
+                <a:srgbClr val="000000"/>
+              </a:buClr>
+              <a:buSzPts val="1400"/>
+              <a:buFont typeface="Arial"/>
+              <a:buNone/>
+              <a:tabLst/>
+              <a:defRPr/>
+            </a:pPr>
+            <a:r>
+              <a:rPr lang="de-DE" sz="1100" b="0" i="0" u="none" strike="noStrike" cap="none" baseline="0" dirty="0">
+                <a:solidFill>
+                  <a:schemeClr val="bg1"/>
+                </a:solidFill>
+                <a:latin typeface="Arial"/>
+                <a:ea typeface="Arial"/>
+                <a:cs typeface="Arial"/>
+                <a:sym typeface="Arial"/>
+              </a:rPr>
+              <a:t>Fahri Kus</a:t>
+            </a:r>
+          </a:p>
+          <a:p>
+            <a:pPr marL="0" marR="0" lvl="0" indent="0" algn="l" defTabSz="914400" rtl="0" eaLnBrk="1" fontAlgn="auto" latinLnBrk="0" hangingPunct="1">
+              <a:lnSpc>
+                <a:spcPct val="100000"/>
+              </a:lnSpc>
+              <a:spcBef>
+                <a:spcPts val="0"/>
+              </a:spcBef>
+              <a:spcAft>
+                <a:spcPts val="0"/>
+              </a:spcAft>
+              <a:buClr>
+                <a:srgbClr val="000000"/>
+              </a:buClr>
+              <a:buSzPts val="1400"/>
+              <a:buFont typeface="Arial"/>
+              <a:buNone/>
+              <a:tabLst/>
+              <a:defRPr/>
+            </a:pPr>
+            <a:r>
+              <a:rPr lang="de-DE" sz="1100" b="0" i="0" u="none" strike="noStrike" cap="none" baseline="0" dirty="0">
+                <a:solidFill>
+                  <a:schemeClr val="bg1"/>
+                </a:solidFill>
+                <a:latin typeface="Arial"/>
+                <a:ea typeface="Arial"/>
+                <a:cs typeface="Arial"/>
+                <a:sym typeface="Arial"/>
+              </a:rPr>
+              <a:t>Simon </a:t>
+            </a:r>
+            <a:r>
+              <a:rPr lang="de-DE" sz="1100" b="0" i="0" u="none" strike="noStrike" cap="none" baseline="0" dirty="0" err="1">
+                <a:solidFill>
+                  <a:schemeClr val="bg1"/>
+                </a:solidFill>
+                <a:latin typeface="Arial"/>
+                <a:ea typeface="Arial"/>
+                <a:cs typeface="Arial"/>
+                <a:sym typeface="Arial"/>
+              </a:rPr>
+              <a:t>Kreuziger</a:t>
+            </a:r>
+            <a:endParaRPr lang="de-DE" sz="1100" b="0" i="0" u="none" strike="noStrike" cap="none" baseline="0" dirty="0">
+              <a:solidFill>
+                <a:schemeClr val="bg1"/>
+              </a:solidFill>
+              <a:latin typeface="Arial"/>
+              <a:ea typeface="Arial"/>
+              <a:cs typeface="Arial"/>
+              <a:sym typeface="Arial"/>
+            </a:endParaRPr>
+          </a:p>
+          <a:p>
+            <a:pPr marL="0" marR="0" lvl="0" indent="0" algn="l" defTabSz="914400" rtl="0" eaLnBrk="1" fontAlgn="auto" latinLnBrk="0" hangingPunct="1">
+              <a:lnSpc>
+                <a:spcPct val="100000"/>
+              </a:lnSpc>
+              <a:spcBef>
+                <a:spcPts val="0"/>
+              </a:spcBef>
+              <a:spcAft>
+                <a:spcPts val="0"/>
+              </a:spcAft>
+              <a:buClr>
+                <a:srgbClr val="000000"/>
+              </a:buClr>
+              <a:buSzPts val="1400"/>
+              <a:buFont typeface="Arial"/>
+              <a:buNone/>
+              <a:tabLst/>
+              <a:defRPr/>
+            </a:pPr>
+            <a:r>
+              <a:rPr lang="de-DE" sz="1100" b="0" i="0" u="none" strike="noStrike" cap="none" baseline="0" dirty="0">
+                <a:solidFill>
+                  <a:schemeClr val="bg1"/>
+                </a:solidFill>
+                <a:latin typeface="Arial"/>
+                <a:ea typeface="Arial"/>
+                <a:cs typeface="Arial"/>
+                <a:sym typeface="Arial"/>
+              </a:rPr>
+              <a:t>Florian Heinrich</a:t>
+            </a:r>
+            <a:endParaRPr lang="en-DE" sz="1100" b="0" i="0" u="none" strike="noStrike" cap="none" baseline="0" dirty="0">
+              <a:solidFill>
+                <a:schemeClr val="bg1"/>
+              </a:solidFill>
+              <a:latin typeface="Arial"/>
+              <a:ea typeface="Arial"/>
+              <a:cs typeface="Arial"/>
+              <a:sym typeface="Arial"/>
+            </a:endParaRPr>
           </a:p>
           <a:p>
             <a:pPr marL="0" lvl="0" indent="0" algn="l" rtl="0">
@@ -2085,11 +2647,27 @@
             </a:pPr>
             <a:r>
               <a:rPr lang="en-US" dirty="0" err="1"/>
-              <a:t>Marktlücke</a:t>
+              <a:t>Wann</a:t>
             </a:r>
             <a:r>
               <a:rPr lang="en-US" dirty="0"/>
-              <a:t>??</a:t>
+              <a:t> </a:t>
+            </a:r>
+            <a:r>
+              <a:rPr lang="en-US" dirty="0" err="1"/>
+              <a:t>Fragen</a:t>
+            </a:r>
+            <a:r>
+              <a:rPr lang="en-US" dirty="0"/>
+              <a:t> </a:t>
+            </a:r>
+            <a:r>
+              <a:rPr lang="en-US" dirty="0" err="1"/>
+              <a:t>stellen</a:t>
+            </a:r>
+            <a:r>
+              <a:rPr lang="en-US" dirty="0"/>
+              <a:t>?</a:t>
             </a:r>
           </a:p>
           <a:p>
@@ -2102,21 +2680,21 @@
               </a:spcAft>
               <a:buNone/>
             </a:pPr>
-            <a:endParaRPr lang="en-US" dirty="0"/>
-          </a:p>
-          <a:p>
-            <a:pPr marL="0" lvl="0" indent="0" algn="l" rtl="0">
-              <a:spcBef>
-                <a:spcPts val="0"/>
-              </a:spcBef>
-              <a:spcAft>
-                <a:spcPts val="0"/>
-              </a:spcAft>
-              <a:buNone/>
-            </a:pPr>
+            <a:r>
+              <a:rPr lang="en-US" dirty="0"/>
+              <a:t>-&gt; Am Ende, </a:t>
+            </a:r>
             <a:r>
               <a:rPr lang="en-US" dirty="0" err="1"/>
-              <a:t>Kurze</a:t>
+              <a:t>wenn</a:t>
+            </a:r>
+            <a:r>
+              <a:rPr lang="en-US" dirty="0"/>
+              <a:t> Zeit und </a:t>
+            </a:r>
+            <a:r>
+              <a:rPr lang="en-US" dirty="0" err="1"/>
+              <a:t>bei</a:t>
             </a:r>
             <a:r>
               <a:rPr lang="en-US" dirty="0"/>
@@ -2124,31 +2702,7 @@
             </a:r>
             <a:r>
               <a:rPr lang="en-US" dirty="0" err="1"/>
-              <a:t>Vorstellung</a:t>
-            </a:r>
-            <a:r>
-              <a:rPr lang="en-US" dirty="0"/>
-              <a:t> der </a:t>
-            </a:r>
-            <a:r>
-              <a:rPr lang="en-US" dirty="0" err="1"/>
-              <a:t>Personen</a:t>
-            </a:r>
-            <a:endParaRPr lang="en-US" dirty="0"/>
-          </a:p>
-          <a:p>
-            <a:pPr marL="0" lvl="0" indent="0" algn="l" rtl="0">
-              <a:spcBef>
-                <a:spcPts val="0"/>
-              </a:spcBef>
-              <a:spcAft>
-                <a:spcPts val="0"/>
-              </a:spcAft>
-              <a:buNone/>
-            </a:pPr>
-            <a:r>
-              <a:rPr lang="en-US" dirty="0" err="1"/>
-              <a:t>Wann</a:t>
+              <a:t>Verständis</a:t>
             </a:r>
             <a:r>
               <a:rPr lang="en-US" dirty="0"/>
@@ -2156,51 +2710,7 @@
             </a:r>
             <a:r>
               <a:rPr lang="en-US" dirty="0" err="1"/>
-              <a:t>Fragen</a:t>
-            </a:r>
-            <a:r>
-              <a:rPr lang="en-US" dirty="0"/>
-              <a:t> </a:t>
-            </a:r>
-            <a:r>
-              <a:rPr lang="en-US" dirty="0" err="1"/>
-              <a:t>stellen</a:t>
-            </a:r>
-            <a:r>
-              <a:rPr lang="en-US" dirty="0"/>
-              <a:t>? (-&gt; Am Ende, </a:t>
-            </a:r>
-            <a:r>
-              <a:rPr lang="en-US" dirty="0" err="1"/>
-              <a:t>wenn</a:t>
-            </a:r>
-            <a:r>
-              <a:rPr lang="en-US" dirty="0"/>
-              <a:t> Zeit und </a:t>
-            </a:r>
-            <a:r>
-              <a:rPr lang="en-US" dirty="0" err="1"/>
-              <a:t>bei</a:t>
-            </a:r>
-            <a:r>
-              <a:rPr lang="en-US" dirty="0"/>
-              <a:t> </a:t>
-            </a:r>
-            <a:r>
-              <a:rPr lang="en-US" dirty="0" err="1"/>
-              <a:t>Verständis</a:t>
-            </a:r>
-            <a:r>
-              <a:rPr lang="en-US" dirty="0"/>
-              <a:t> </a:t>
-            </a:r>
-            <a:r>
-              <a:rPr lang="en-US" dirty="0" err="1"/>
               <a:t>direkt</a:t>
-            </a:r>
-            <a:r>
-              <a:rPr lang="en-US" dirty="0"/>
-              <a:t>)</a:t>
             </a:r>
             <a:endParaRPr dirty="0"/>
           </a:p>
@@ -4056,7 +4566,7 @@
             </a:pPr>
             <a:fld id="{00000000-1234-1234-1234-123412341234}" type="slidenum">
               <a:rPr lang="de-DE" smtClean="0"/>
-              <a:t>‹Nr.›</a:t>
+              <a:t>‹#›</a:t>
             </a:fld>
             <a:endParaRPr lang="de-DE"/>
           </a:p>
@@ -5893,7 +6403,7 @@
             </a:pPr>
             <a:fld id="{00000000-1234-1234-1234-123412341234}" type="slidenum">
               <a:rPr lang="en"/>
-              <a:t>‹Nr.›</a:t>
+              <a:t>‹#›</a:t>
             </a:fld>
             <a:endParaRPr/>
           </a:p>
@@ -6526,7 +7036,7 @@
             </a:pPr>
             <a:fld id="{00000000-1234-1234-1234-123412341234}" type="slidenum">
               <a:rPr lang="en"/>
-              <a:t>‹Nr.›</a:t>
+              <a:t>‹#›</a:t>
             </a:fld>
             <a:endParaRPr/>
           </a:p>
@@ -6888,7 +7398,7 @@
             </a:pPr>
             <a:fld id="{00000000-1234-1234-1234-123412341234}" type="slidenum">
               <a:rPr lang="en"/>
-              <a:t>‹Nr.›</a:t>
+              <a:t>‹#›</a:t>
             </a:fld>
             <a:endParaRPr/>
           </a:p>
@@ -7396,7 +7906,7 @@
             </a:pPr>
             <a:fld id="{00000000-1234-1234-1234-123412341234}" type="slidenum">
               <a:rPr lang="en"/>
-              <a:t>‹Nr.›</a:t>
+              <a:t>‹#›</a:t>
             </a:fld>
             <a:endParaRPr/>
           </a:p>
@@ -7952,7 +8462,7 @@
             </a:pPr>
             <a:fld id="{00000000-1234-1234-1234-123412341234}" type="slidenum">
               <a:rPr lang="en"/>
-              <a:t>‹Nr.›</a:t>
+              <a:t>‹#›</a:t>
             </a:fld>
             <a:endParaRPr dirty="0"/>
           </a:p>
@@ -10292,7 +10802,7 @@
     </p:spTree>
     <p:extLst>
       <p:ext uri="{BB962C8B-B14F-4D97-AF65-F5344CB8AC3E}">
-        <p14:creationId xmlns:p14="http://schemas.microsoft.com/office/powerpoint/2010/main" val="388768623"/>
+        <p14:creationId xmlns:p14="http://schemas.microsoft.com/office/powerpoint/2010/main" val="2317824043"/>
       </p:ext>
     </p:extLst>
   </p:cSld>
@@ -11945,7 +12455,7 @@
           <p:cNvPr id="2" name="Slide Number Placeholder 1">
             <a:extLst>
               <a:ext uri="{FF2B5EF4-FFF2-40B4-BE49-F238E27FC236}">
-                <a16:creationId xmlns:a16="http://schemas.microsoft.com/office/drawing/2014/main" id="{C0F4C8B9-5D6E-475E-BB24-44D0CF261143}"/>
+                <a16:creationId xmlns:a16="http://schemas.microsoft.com/office/drawing/2014/main" id="{EF45FBD7-CC5B-457A-8F47-C2256CA3993A}"/>
               </a:ext>
             </a:extLst>
           </p:cNvPr>
@@ -11978,480 +12488,690 @@
           </a:p>
         </p:txBody>
       </p:sp>
-      <p:pic>
-        <p:nvPicPr>
-          <p:cNvPr id="4" name="Picture 3">
+      <p:grpSp>
+        <p:nvGrpSpPr>
+          <p:cNvPr id="19" name="Group 18">
             <a:extLst>
               <a:ext uri="{FF2B5EF4-FFF2-40B4-BE49-F238E27FC236}">
-                <a16:creationId xmlns:a16="http://schemas.microsoft.com/office/drawing/2014/main" id="{0F9154CD-D602-489F-A690-E8715AC178C0}"/>
+                <a16:creationId xmlns:a16="http://schemas.microsoft.com/office/drawing/2014/main" id="{D85F353E-729D-41CA-B0BD-7BDBF765A482}"/>
               </a:ext>
             </a:extLst>
           </p:cNvPr>
-          <p:cNvPicPr>
-            <a:picLocks noChangeAspect="1"/>
-          </p:cNvPicPr>
+          <p:cNvGrpSpPr/>
           <p:nvPr/>
-        </p:nvPicPr>
-        <p:blipFill>
-          <a:blip r:embed="rId3"/>
-          <a:stretch>
-            <a:fillRect/>
-          </a:stretch>
-        </p:blipFill>
-        <p:spPr>
+        </p:nvGrpSpPr>
+        <p:grpSpPr>
           <a:xfrm>
-            <a:off x="2132625" y="2214512"/>
-            <a:ext cx="715341" cy="715341"/>
+            <a:off x="2606039" y="95177"/>
+            <a:ext cx="3931922" cy="4887116"/>
+            <a:chOff x="2606039" y="95177"/>
+            <a:chExt cx="3931922" cy="4887116"/>
           </a:xfrm>
-          <a:prstGeom prst="rect">
-            <a:avLst/>
-          </a:prstGeom>
-        </p:spPr>
-      </p:pic>
-      <p:pic>
-        <p:nvPicPr>
-          <p:cNvPr id="6" name="Picture 5">
+        </p:grpSpPr>
+        <p:pic>
+          <p:nvPicPr>
+            <p:cNvPr id="20" name="Picture 19">
+              <a:extLst>
+                <a:ext uri="{FF2B5EF4-FFF2-40B4-BE49-F238E27FC236}">
+                  <a16:creationId xmlns:a16="http://schemas.microsoft.com/office/drawing/2014/main" id="{3FFAC714-E4BD-4437-89F9-DE21CD2ED443}"/>
+                </a:ext>
+              </a:extLst>
+            </p:cNvPr>
+            <p:cNvPicPr>
+              <a:picLocks noChangeAspect="1"/>
+            </p:cNvPicPr>
+            <p:nvPr/>
+          </p:nvPicPr>
+          <p:blipFill rotWithShape="1">
+            <a:blip r:embed="rId3"/>
+            <a:srcRect l="3425" t="2701" r="3425" b="2939"/>
+            <a:stretch/>
+          </p:blipFill>
+          <p:spPr>
+            <a:xfrm>
+              <a:off x="2606039" y="156754"/>
+              <a:ext cx="3931922" cy="4825539"/>
+            </a:xfrm>
+            <a:prstGeom prst="rect">
+              <a:avLst/>
+            </a:prstGeom>
+          </p:spPr>
+        </p:pic>
+        <p:grpSp>
+          <p:nvGrpSpPr>
+            <p:cNvPr id="21" name="Group 20">
+              <a:extLst>
+                <a:ext uri="{FF2B5EF4-FFF2-40B4-BE49-F238E27FC236}">
+                  <a16:creationId xmlns:a16="http://schemas.microsoft.com/office/drawing/2014/main" id="{4B8E393C-D742-462B-8BA0-9B9B373F5B67}"/>
+                </a:ext>
+              </a:extLst>
+            </p:cNvPr>
+            <p:cNvGrpSpPr/>
+            <p:nvPr/>
+          </p:nvGrpSpPr>
+          <p:grpSpPr>
+            <a:xfrm>
+              <a:off x="5363156" y="95177"/>
+              <a:ext cx="1150949" cy="1569660"/>
+              <a:chOff x="7098928" y="79275"/>
+              <a:chExt cx="1150949" cy="1569660"/>
+            </a:xfrm>
+          </p:grpSpPr>
+          <p:grpSp>
+            <p:nvGrpSpPr>
+              <p:cNvPr id="22" name="Group 21">
+                <a:extLst>
+                  <a:ext uri="{FF2B5EF4-FFF2-40B4-BE49-F238E27FC236}">
+                    <a16:creationId xmlns:a16="http://schemas.microsoft.com/office/drawing/2014/main" id="{073C9B73-FEAB-4024-A612-B13E9743CF98}"/>
+                  </a:ext>
+                </a:extLst>
+              </p:cNvPr>
+              <p:cNvGrpSpPr/>
+              <p:nvPr/>
+            </p:nvGrpSpPr>
+            <p:grpSpPr>
+              <a:xfrm>
+                <a:off x="7098928" y="317795"/>
+                <a:ext cx="1150949" cy="1178957"/>
+                <a:chOff x="7098928" y="317795"/>
+                <a:chExt cx="1150949" cy="1178957"/>
+              </a:xfrm>
+            </p:grpSpPr>
+            <p:sp>
+              <p:nvSpPr>
+                <p:cNvPr id="24" name="Rectangle 23">
+                  <a:extLst>
+                    <a:ext uri="{FF2B5EF4-FFF2-40B4-BE49-F238E27FC236}">
+                      <a16:creationId xmlns:a16="http://schemas.microsoft.com/office/drawing/2014/main" id="{E0303E49-7F0B-4181-84E0-21255715AF61}"/>
+                    </a:ext>
+                  </a:extLst>
+                </p:cNvPr>
+                <p:cNvSpPr/>
+                <p:nvPr/>
+              </p:nvSpPr>
+              <p:spPr>
+                <a:xfrm rot="2700000">
+                  <a:off x="7306930" y="646347"/>
+                  <a:ext cx="978468" cy="321364"/>
+                </a:xfrm>
+                <a:prstGeom prst="rect">
+                  <a:avLst/>
+                </a:prstGeom>
+                <a:solidFill>
+                  <a:schemeClr val="bg1"/>
+                </a:solidFill>
+                <a:ln>
+                  <a:noFill/>
+                </a:ln>
+              </p:spPr>
+              <p:style>
+                <a:lnRef idx="2">
+                  <a:schemeClr val="accent1">
+                    <a:shade val="50000"/>
+                  </a:schemeClr>
+                </a:lnRef>
+                <a:fillRef idx="1">
+                  <a:schemeClr val="accent1"/>
+                </a:fillRef>
+                <a:effectRef idx="0">
+                  <a:schemeClr val="accent1"/>
+                </a:effectRef>
+                <a:fontRef idx="minor">
+                  <a:schemeClr val="lt1"/>
+                </a:fontRef>
+              </p:style>
+              <p:txBody>
+                <a:bodyPr rtlCol="0" anchor="ctr"/>
+                <a:lstStyle/>
+                <a:p>
+                  <a:pPr algn="ctr"/>
+                  <a:endParaRPr lang="en-DE" sz="2800" b="1" spc="600" dirty="0">
+                    <a:latin typeface="Poppins" panose="020B0604020202020204" charset="0"/>
+                    <a:cs typeface="Poppins" panose="020B0604020202020204" charset="0"/>
+                  </a:endParaRPr>
+                </a:p>
+              </p:txBody>
+            </p:sp>
+            <p:sp>
+              <p:nvSpPr>
+                <p:cNvPr id="25" name="Isosceles Triangle 24">
+                  <a:extLst>
+                    <a:ext uri="{FF2B5EF4-FFF2-40B4-BE49-F238E27FC236}">
+                      <a16:creationId xmlns:a16="http://schemas.microsoft.com/office/drawing/2014/main" id="{01E95E65-5D0E-4D0C-AB4B-C92C08816A84}"/>
+                    </a:ext>
+                  </a:extLst>
+                </p:cNvPr>
+                <p:cNvSpPr/>
+                <p:nvPr/>
+              </p:nvSpPr>
+              <p:spPr>
+                <a:xfrm rot="10800000">
+                  <a:off x="7098928" y="347468"/>
+                  <a:ext cx="460327" cy="396496"/>
+                </a:xfrm>
+                <a:prstGeom prst="triangle">
+                  <a:avLst>
+                    <a:gd name="adj" fmla="val 11181"/>
+                  </a:avLst>
+                </a:prstGeom>
+                <a:solidFill>
+                  <a:schemeClr val="bg1"/>
+                </a:solidFill>
+                <a:ln>
+                  <a:noFill/>
+                </a:ln>
+              </p:spPr>
+              <p:style>
+                <a:lnRef idx="2">
+                  <a:schemeClr val="accent1">
+                    <a:shade val="50000"/>
+                  </a:schemeClr>
+                </a:lnRef>
+                <a:fillRef idx="1">
+                  <a:schemeClr val="accent1"/>
+                </a:fillRef>
+                <a:effectRef idx="0">
+                  <a:schemeClr val="accent1"/>
+                </a:effectRef>
+                <a:fontRef idx="minor">
+                  <a:schemeClr val="lt1"/>
+                </a:fontRef>
+              </p:style>
+              <p:txBody>
+                <a:bodyPr rot="0" spcFirstLastPara="0" vertOverflow="overflow" horzOverflow="overflow" vert="horz" wrap="square" lIns="91440" tIns="45720" rIns="91440" bIns="45720" numCol="1" spcCol="0" rtlCol="0" fromWordArt="0" anchor="ctr" anchorCtr="0" forceAA="0" compatLnSpc="1">
+                  <a:prstTxWarp prst="textNoShape">
+                    <a:avLst/>
+                  </a:prstTxWarp>
+                  <a:noAutofit/>
+                </a:bodyPr>
+                <a:lstStyle/>
+                <a:p>
+                  <a:pPr algn="ctr"/>
+                  <a:endParaRPr lang="en-DE" sz="2800" b="1" spc="600">
+                    <a:latin typeface="Poppins" panose="020B0604020202020204" charset="0"/>
+                    <a:cs typeface="Poppins" panose="020B0604020202020204" charset="0"/>
+                  </a:endParaRPr>
+                </a:p>
+              </p:txBody>
+            </p:sp>
+            <p:sp>
+              <p:nvSpPr>
+                <p:cNvPr id="26" name="Isosceles Triangle 25">
+                  <a:extLst>
+                    <a:ext uri="{FF2B5EF4-FFF2-40B4-BE49-F238E27FC236}">
+                      <a16:creationId xmlns:a16="http://schemas.microsoft.com/office/drawing/2014/main" id="{CA2A4CF6-17D9-489A-9CE7-954E75FA0845}"/>
+                    </a:ext>
+                  </a:extLst>
+                </p:cNvPr>
+                <p:cNvSpPr/>
+                <p:nvPr/>
+              </p:nvSpPr>
+              <p:spPr>
+                <a:xfrm rot="5400000" flipV="1">
+                  <a:off x="7821465" y="1068341"/>
+                  <a:ext cx="460327" cy="396496"/>
+                </a:xfrm>
+                <a:prstGeom prst="triangle">
+                  <a:avLst>
+                    <a:gd name="adj" fmla="val 11181"/>
+                  </a:avLst>
+                </a:prstGeom>
+                <a:solidFill>
+                  <a:schemeClr val="bg1"/>
+                </a:solidFill>
+                <a:ln>
+                  <a:noFill/>
+                </a:ln>
+              </p:spPr>
+              <p:style>
+                <a:lnRef idx="2">
+                  <a:schemeClr val="accent1">
+                    <a:shade val="50000"/>
+                  </a:schemeClr>
+                </a:lnRef>
+                <a:fillRef idx="1">
+                  <a:schemeClr val="accent1"/>
+                </a:fillRef>
+                <a:effectRef idx="0">
+                  <a:schemeClr val="accent1"/>
+                </a:effectRef>
+                <a:fontRef idx="minor">
+                  <a:schemeClr val="lt1"/>
+                </a:fontRef>
+              </p:style>
+              <p:txBody>
+                <a:bodyPr rot="0" spcFirstLastPara="0" vertOverflow="overflow" horzOverflow="overflow" vert="horz" wrap="square" lIns="91440" tIns="45720" rIns="91440" bIns="45720" numCol="1" spcCol="0" rtlCol="0" fromWordArt="0" anchor="ctr" anchorCtr="0" forceAA="0" compatLnSpc="1">
+                  <a:prstTxWarp prst="textNoShape">
+                    <a:avLst/>
+                  </a:prstTxWarp>
+                  <a:noAutofit/>
+                </a:bodyPr>
+                <a:lstStyle/>
+                <a:p>
+                  <a:pPr algn="ctr"/>
+                  <a:endParaRPr lang="en-DE" sz="2800" b="1" spc="600">
+                    <a:latin typeface="Poppins" panose="020B0604020202020204" charset="0"/>
+                    <a:cs typeface="Poppins" panose="020B0604020202020204" charset="0"/>
+                  </a:endParaRPr>
+                </a:p>
+              </p:txBody>
+            </p:sp>
+          </p:grpSp>
+          <p:sp>
+            <p:nvSpPr>
+              <p:cNvPr id="23" name="Rectangle 22">
+                <a:extLst>
+                  <a:ext uri="{FF2B5EF4-FFF2-40B4-BE49-F238E27FC236}">
+                    <a16:creationId xmlns:a16="http://schemas.microsoft.com/office/drawing/2014/main" id="{9B51AF2A-B260-40BE-9640-8CC167D95B43}"/>
+                  </a:ext>
+                </a:extLst>
+              </p:cNvPr>
+              <p:cNvSpPr/>
+              <p:nvPr/>
+            </p:nvSpPr>
+            <p:spPr>
+              <a:xfrm rot="2700000">
+                <a:off x="7027510" y="742990"/>
+                <a:ext cx="1569660" cy="242230"/>
+              </a:xfrm>
+              <a:prstGeom prst="rect">
+                <a:avLst/>
+              </a:prstGeom>
+              <a:noFill/>
+              <a:ln>
+                <a:noFill/>
+              </a:ln>
+            </p:spPr>
+            <p:style>
+              <a:lnRef idx="2">
+                <a:schemeClr val="accent1">
+                  <a:shade val="50000"/>
+                </a:schemeClr>
+              </a:lnRef>
+              <a:fillRef idx="1">
+                <a:schemeClr val="accent1"/>
+              </a:fillRef>
+              <a:effectRef idx="0">
+                <a:schemeClr val="accent1"/>
+              </a:effectRef>
+              <a:fontRef idx="minor">
+                <a:schemeClr val="lt1"/>
+              </a:fontRef>
+            </p:style>
+            <p:txBody>
+              <a:bodyPr rtlCol="0" anchor="ctr"/>
+              <a:lstStyle/>
+              <a:p>
+                <a:pPr algn="ctr"/>
+                <a:r>
+                  <a:rPr lang="en-US" sz="1800" b="1" spc="600" dirty="0">
+                    <a:solidFill>
+                      <a:srgbClr val="818181"/>
+                    </a:solidFill>
+                    <a:latin typeface="Poppins" panose="020B0604020202020204" charset="0"/>
+                    <a:cs typeface="Poppins" panose="020B0604020202020204" charset="0"/>
+                  </a:rPr>
+                  <a:t>Mobile</a:t>
+                </a:r>
+                <a:endParaRPr lang="en-DE" sz="1800" b="1" spc="600" dirty="0">
+                  <a:solidFill>
+                    <a:srgbClr val="818181"/>
+                  </a:solidFill>
+                  <a:latin typeface="Poppins" panose="020B0604020202020204" charset="0"/>
+                  <a:cs typeface="Poppins" panose="020B0604020202020204" charset="0"/>
+                </a:endParaRPr>
+              </a:p>
+            </p:txBody>
+          </p:sp>
+        </p:grpSp>
+      </p:grpSp>
+      <p:grpSp>
+        <p:nvGrpSpPr>
+          <p:cNvPr id="35" name="Group 34">
             <a:extLst>
               <a:ext uri="{FF2B5EF4-FFF2-40B4-BE49-F238E27FC236}">
-                <a16:creationId xmlns:a16="http://schemas.microsoft.com/office/drawing/2014/main" id="{4AF51BAB-B172-4248-ABBE-007E3B67AE0E}"/>
+                <a16:creationId xmlns:a16="http://schemas.microsoft.com/office/drawing/2014/main" id="{DE3A9CDB-0C94-4CE9-BC18-B418A8215B0C}"/>
               </a:ext>
             </a:extLst>
           </p:cNvPr>
-          <p:cNvPicPr>
-            <a:picLocks noChangeAspect="1"/>
-          </p:cNvPicPr>
+          <p:cNvGrpSpPr/>
           <p:nvPr/>
-        </p:nvPicPr>
-        <p:blipFill>
-          <a:blip r:embed="rId4"/>
-          <a:stretch>
-            <a:fillRect/>
-          </a:stretch>
-        </p:blipFill>
-        <p:spPr>
+        </p:nvGrpSpPr>
+        <p:grpSpPr>
           <a:xfrm>
-            <a:off x="1640907" y="3146112"/>
-            <a:ext cx="764362" cy="764362"/>
+            <a:off x="4310447" y="79275"/>
+            <a:ext cx="4023656" cy="4932775"/>
+            <a:chOff x="4310447" y="79275"/>
+            <a:chExt cx="4023656" cy="4932775"/>
           </a:xfrm>
-          <a:prstGeom prst="rect">
-            <a:avLst/>
-          </a:prstGeom>
-        </p:spPr>
-      </p:pic>
-      <p:pic>
-        <p:nvPicPr>
-          <p:cNvPr id="8" name="Graphic 7">
-            <a:extLst>
-              <a:ext uri="{FF2B5EF4-FFF2-40B4-BE49-F238E27FC236}">
-                <a16:creationId xmlns:a16="http://schemas.microsoft.com/office/drawing/2014/main" id="{13DF5454-2016-483D-99B5-E838068FA08B}"/>
-              </a:ext>
-            </a:extLst>
-          </p:cNvPr>
-          <p:cNvPicPr>
-            <a:picLocks noChangeAspect="1"/>
-          </p:cNvPicPr>
-          <p:nvPr/>
-        </p:nvPicPr>
-        <p:blipFill rotWithShape="1">
-          <a:blip r:embed="rId5">
-            <a:extLst>
-              <a:ext uri="{96DAC541-7B7A-43D3-8B79-37D633B846F1}">
-                <asvg:svgBlip xmlns:asvg="http://schemas.microsoft.com/office/drawing/2016/SVG/main" r:embed="rId6"/>
-              </a:ext>
-            </a:extLst>
-          </a:blip>
-          <a:srcRect t="30144" b="32176"/>
-          <a:stretch/>
-        </p:blipFill>
-        <p:spPr>
-          <a:xfrm>
-            <a:off x="673388" y="2274655"/>
-            <a:ext cx="1545427" cy="582319"/>
-          </a:xfrm>
-          <a:prstGeom prst="rect">
-            <a:avLst/>
-          </a:prstGeom>
-        </p:spPr>
-      </p:pic>
-      <p:pic>
-        <p:nvPicPr>
-          <p:cNvPr id="10" name="Picture 9">
-            <a:extLst>
-              <a:ext uri="{FF2B5EF4-FFF2-40B4-BE49-F238E27FC236}">
-                <a16:creationId xmlns:a16="http://schemas.microsoft.com/office/drawing/2014/main" id="{DBE082E9-9AA0-4CF3-96AB-98D888BE2FA5}"/>
-              </a:ext>
-            </a:extLst>
-          </p:cNvPr>
-          <p:cNvPicPr>
-            <a:picLocks noChangeAspect="1"/>
-          </p:cNvPicPr>
-          <p:nvPr/>
-        </p:nvPicPr>
-        <p:blipFill>
-          <a:blip r:embed="rId7"/>
-          <a:stretch>
-            <a:fillRect/>
-          </a:stretch>
-        </p:blipFill>
-        <p:spPr>
-          <a:xfrm>
-            <a:off x="1555884" y="1145529"/>
-            <a:ext cx="934412" cy="934412"/>
-          </a:xfrm>
-          <a:prstGeom prst="rect">
-            <a:avLst/>
-          </a:prstGeom>
-        </p:spPr>
-      </p:pic>
-      <p:pic>
-        <p:nvPicPr>
-          <p:cNvPr id="13" name="Graphic 12">
-            <a:extLst>
-              <a:ext uri="{FF2B5EF4-FFF2-40B4-BE49-F238E27FC236}">
-                <a16:creationId xmlns:a16="http://schemas.microsoft.com/office/drawing/2014/main" id="{DE2E503C-1E45-494D-880A-FBCC392BB804}"/>
-              </a:ext>
-            </a:extLst>
-          </p:cNvPr>
-          <p:cNvPicPr>
-            <a:picLocks noChangeAspect="1"/>
-          </p:cNvPicPr>
-          <p:nvPr/>
-        </p:nvPicPr>
-        <p:blipFill>
-          <a:blip r:embed="rId8">
-            <a:extLst>
-              <a:ext uri="{96DAC541-7B7A-43D3-8B79-37D633B846F1}">
-                <asvg:svgBlip xmlns:asvg="http://schemas.microsoft.com/office/drawing/2016/SVG/main" r:embed="rId9"/>
-              </a:ext>
-            </a:extLst>
-          </a:blip>
-          <a:stretch>
-            <a:fillRect/>
-          </a:stretch>
-        </p:blipFill>
-        <p:spPr>
-          <a:xfrm>
-            <a:off x="1280679" y="197321"/>
-            <a:ext cx="1484819" cy="908508"/>
-          </a:xfrm>
-          <a:prstGeom prst="rect">
-            <a:avLst/>
-          </a:prstGeom>
-        </p:spPr>
-      </p:pic>
-      <p:sp>
-        <p:nvSpPr>
-          <p:cNvPr id="14" name="TextBox 13">
-            <a:extLst>
-              <a:ext uri="{FF2B5EF4-FFF2-40B4-BE49-F238E27FC236}">
-                <a16:creationId xmlns:a16="http://schemas.microsoft.com/office/drawing/2014/main" id="{DA50B76E-80ED-4260-9FF0-7CC4270DA2A5}"/>
-              </a:ext>
-            </a:extLst>
-          </p:cNvPr>
-          <p:cNvSpPr txBox="1"/>
-          <p:nvPr/>
-        </p:nvSpPr>
-        <p:spPr>
-          <a:xfrm>
-            <a:off x="3106270" y="389965"/>
-            <a:ext cx="4316506" cy="523220"/>
-          </a:xfrm>
-          <a:prstGeom prst="rect">
-            <a:avLst/>
-          </a:prstGeom>
-          <a:noFill/>
-        </p:spPr>
-        <p:txBody>
-          <a:bodyPr wrap="square" rtlCol="0">
-            <a:spAutoFit/>
-          </a:bodyPr>
-          <a:lstStyle/>
-          <a:p>
-            <a:r>
-              <a:rPr lang="en-US" dirty="0"/>
-              <a:t>Open-Source, cross-platform JavaScript </a:t>
-            </a:r>
-            <a:r>
-              <a:rPr lang="en-US" dirty="0" err="1"/>
-              <a:t>Laufzeitumgebung</a:t>
-            </a:r>
-            <a:endParaRPr lang="en-DE" dirty="0"/>
-          </a:p>
-        </p:txBody>
-      </p:sp>
-      <p:sp>
-        <p:nvSpPr>
-          <p:cNvPr id="15" name="TextBox 14">
-            <a:extLst>
-              <a:ext uri="{FF2B5EF4-FFF2-40B4-BE49-F238E27FC236}">
-                <a16:creationId xmlns:a16="http://schemas.microsoft.com/office/drawing/2014/main" id="{3A040DB7-5F62-4459-B8AE-78A77242C204}"/>
-              </a:ext>
-            </a:extLst>
-          </p:cNvPr>
-          <p:cNvSpPr txBox="1"/>
-          <p:nvPr/>
-        </p:nvSpPr>
-        <p:spPr>
-          <a:xfrm>
-            <a:off x="3106270" y="1348871"/>
-            <a:ext cx="4540703" cy="523220"/>
-          </a:xfrm>
-          <a:prstGeom prst="rect">
-            <a:avLst/>
-          </a:prstGeom>
-          <a:noFill/>
-        </p:spPr>
-        <p:txBody>
-          <a:bodyPr wrap="square" rtlCol="0">
-            <a:spAutoFit/>
-          </a:bodyPr>
-          <a:lstStyle/>
-          <a:p>
-            <a:r>
-              <a:rPr lang="en-US" dirty="0" err="1"/>
-              <a:t>Clientseitiges</a:t>
-            </a:r>
-            <a:r>
-              <a:rPr lang="en-US" dirty="0"/>
-              <a:t> JavaScript-</a:t>
-            </a:r>
-            <a:r>
-              <a:rPr lang="en-US" dirty="0" err="1"/>
-              <a:t>Webframework</a:t>
-            </a:r>
-            <a:r>
-              <a:rPr lang="en-US" dirty="0"/>
-              <a:t> </a:t>
-            </a:r>
-            <a:r>
-              <a:rPr lang="en-US" dirty="0" err="1"/>
-              <a:t>für</a:t>
-            </a:r>
-            <a:r>
-              <a:rPr lang="en-US" dirty="0"/>
-              <a:t> die </a:t>
-            </a:r>
-            <a:r>
-              <a:rPr lang="en-US" dirty="0" err="1"/>
-              <a:t>Benutzeroberfläche</a:t>
-            </a:r>
-            <a:endParaRPr lang="en-DE" dirty="0"/>
-          </a:p>
-        </p:txBody>
-      </p:sp>
-      <p:sp>
-        <p:nvSpPr>
-          <p:cNvPr id="16" name="TextBox 15">
-            <a:extLst>
-              <a:ext uri="{FF2B5EF4-FFF2-40B4-BE49-F238E27FC236}">
-                <a16:creationId xmlns:a16="http://schemas.microsoft.com/office/drawing/2014/main" id="{51107462-9D9B-4708-BEB4-F9B534E84795}"/>
-              </a:ext>
-            </a:extLst>
-          </p:cNvPr>
-          <p:cNvSpPr txBox="1"/>
-          <p:nvPr/>
-        </p:nvSpPr>
-        <p:spPr>
-          <a:xfrm>
-            <a:off x="3106270" y="2307777"/>
-            <a:ext cx="4316506" cy="523220"/>
-          </a:xfrm>
-          <a:prstGeom prst="rect">
-            <a:avLst/>
-          </a:prstGeom>
-          <a:noFill/>
-        </p:spPr>
-        <p:txBody>
-          <a:bodyPr wrap="square" rtlCol="0">
-            <a:spAutoFit/>
-          </a:bodyPr>
-          <a:lstStyle/>
-          <a:p>
-            <a:r>
-              <a:rPr lang="en-US" dirty="0"/>
-              <a:t>Open-Source Framework </a:t>
-            </a:r>
-            <a:r>
-              <a:rPr lang="en-US" dirty="0" err="1"/>
-              <a:t>zur</a:t>
-            </a:r>
-            <a:r>
-              <a:rPr lang="en-US" dirty="0"/>
-              <a:t> </a:t>
-            </a:r>
-            <a:r>
-              <a:rPr lang="en-US" dirty="0" err="1"/>
-              <a:t>Erstellung</a:t>
-            </a:r>
-            <a:r>
-              <a:rPr lang="en-US" dirty="0"/>
-              <a:t> von Mobile </a:t>
-            </a:r>
-            <a:r>
-              <a:rPr lang="en-US" dirty="0" err="1"/>
-              <a:t>Applikationen</a:t>
-            </a:r>
-            <a:r>
-              <a:rPr lang="en-US" dirty="0"/>
-              <a:t>. </a:t>
-            </a:r>
-            <a:r>
-              <a:rPr lang="en-US" dirty="0" err="1"/>
-              <a:t>Basiert</a:t>
-            </a:r>
-            <a:r>
-              <a:rPr lang="en-US" dirty="0"/>
-              <a:t> auf Cordova.</a:t>
-            </a:r>
-            <a:endParaRPr lang="en-DE" dirty="0"/>
-          </a:p>
-        </p:txBody>
-      </p:sp>
-      <p:sp>
-        <p:nvSpPr>
-          <p:cNvPr id="17" name="TextBox 16">
-            <a:extLst>
-              <a:ext uri="{FF2B5EF4-FFF2-40B4-BE49-F238E27FC236}">
-                <a16:creationId xmlns:a16="http://schemas.microsoft.com/office/drawing/2014/main" id="{610FD7EF-2D2B-4707-8A7D-B16321FF863A}"/>
-              </a:ext>
-            </a:extLst>
-          </p:cNvPr>
-          <p:cNvSpPr txBox="1"/>
-          <p:nvPr/>
-        </p:nvSpPr>
-        <p:spPr>
-          <a:xfrm>
-            <a:off x="3106270" y="3266683"/>
-            <a:ext cx="4316506" cy="738664"/>
-          </a:xfrm>
-          <a:prstGeom prst="rect">
-            <a:avLst/>
-          </a:prstGeom>
-          <a:noFill/>
-        </p:spPr>
-        <p:txBody>
-          <a:bodyPr wrap="square" rtlCol="0">
-            <a:spAutoFit/>
-          </a:bodyPr>
-          <a:lstStyle/>
-          <a:p>
-            <a:r>
-              <a:rPr lang="en-US" dirty="0"/>
-              <a:t>Open-Source Framework, welches die </a:t>
-            </a:r>
-            <a:r>
-              <a:rPr lang="en-US" dirty="0" err="1"/>
-              <a:t>Ausführung</a:t>
-            </a:r>
-            <a:r>
-              <a:rPr lang="en-US" dirty="0"/>
-              <a:t> von cross-platform Desktop-</a:t>
-            </a:r>
-            <a:r>
-              <a:rPr lang="en-US" dirty="0" err="1"/>
-              <a:t>Anwendungen</a:t>
-            </a:r>
-            <a:r>
-              <a:rPr lang="en-US" dirty="0"/>
-              <a:t> </a:t>
-            </a:r>
-            <a:r>
-              <a:rPr lang="en-US" dirty="0" err="1"/>
-              <a:t>ermöglicht</a:t>
-            </a:r>
-            <a:r>
-              <a:rPr lang="en-US" dirty="0"/>
-              <a:t>.</a:t>
-            </a:r>
-            <a:endParaRPr lang="en-DE" dirty="0"/>
-          </a:p>
-        </p:txBody>
-      </p:sp>
-      <p:sp>
-        <p:nvSpPr>
-          <p:cNvPr id="18" name="TextBox 17">
-            <a:extLst>
-              <a:ext uri="{FF2B5EF4-FFF2-40B4-BE49-F238E27FC236}">
-                <a16:creationId xmlns:a16="http://schemas.microsoft.com/office/drawing/2014/main" id="{20F41F69-8918-4ED8-BA78-671C4890304E}"/>
-              </a:ext>
-            </a:extLst>
-          </p:cNvPr>
-          <p:cNvSpPr txBox="1"/>
-          <p:nvPr/>
-        </p:nvSpPr>
-        <p:spPr>
-          <a:xfrm>
-            <a:off x="3106270" y="4225589"/>
-            <a:ext cx="4316506" cy="523220"/>
-          </a:xfrm>
-          <a:prstGeom prst="rect">
-            <a:avLst/>
-          </a:prstGeom>
-          <a:noFill/>
-        </p:spPr>
-        <p:txBody>
-          <a:bodyPr wrap="square" rtlCol="0">
-            <a:spAutoFit/>
-          </a:bodyPr>
-          <a:lstStyle/>
-          <a:p>
-            <a:r>
-              <a:rPr lang="de-DE" dirty="0"/>
-              <a:t>Freie Webanwendung zur Administration von MySQL-Datenbanken</a:t>
-            </a:r>
-            <a:endParaRPr lang="en-DE" dirty="0"/>
-          </a:p>
-        </p:txBody>
-      </p:sp>
-      <p:pic>
-        <p:nvPicPr>
-          <p:cNvPr id="11" name="Graphic 10">
-            <a:extLst>
-              <a:ext uri="{FF2B5EF4-FFF2-40B4-BE49-F238E27FC236}">
-                <a16:creationId xmlns:a16="http://schemas.microsoft.com/office/drawing/2014/main" id="{1298EC2B-C9FE-4281-954F-C223DAE59DCD}"/>
-              </a:ext>
-            </a:extLst>
-          </p:cNvPr>
-          <p:cNvPicPr>
-            <a:picLocks noChangeAspect="1"/>
-          </p:cNvPicPr>
-          <p:nvPr/>
-        </p:nvPicPr>
-        <p:blipFill>
-          <a:blip r:embed="rId10">
-            <a:extLst>
-              <a:ext uri="{96DAC541-7B7A-43D3-8B79-37D633B846F1}">
-                <asvg:svgBlip xmlns:asvg="http://schemas.microsoft.com/office/drawing/2016/SVG/main" r:embed="rId11"/>
-              </a:ext>
-            </a:extLst>
-          </a:blip>
-          <a:stretch>
-            <a:fillRect/>
-          </a:stretch>
-        </p:blipFill>
-        <p:spPr>
-          <a:xfrm>
-            <a:off x="1392938" y="4041661"/>
-            <a:ext cx="1260299" cy="891076"/>
-          </a:xfrm>
-          <a:prstGeom prst="rect">
-            <a:avLst/>
-          </a:prstGeom>
-        </p:spPr>
-      </p:pic>
+        </p:grpSpPr>
+        <p:pic>
+          <p:nvPicPr>
+            <p:cNvPr id="36" name="Picture 35">
+              <a:extLst>
+                <a:ext uri="{FF2B5EF4-FFF2-40B4-BE49-F238E27FC236}">
+                  <a16:creationId xmlns:a16="http://schemas.microsoft.com/office/drawing/2014/main" id="{8CEDD63B-B24D-45B6-8635-984F7542E5FC}"/>
+                </a:ext>
+              </a:extLst>
+            </p:cNvPr>
+            <p:cNvPicPr>
+              <a:picLocks noChangeAspect="1"/>
+            </p:cNvPicPr>
+            <p:nvPr/>
+          </p:nvPicPr>
+          <p:blipFill rotWithShape="1">
+            <a:blip r:embed="rId4"/>
+            <a:srcRect l="3070" t="2556" r="2154" b="2554"/>
+            <a:stretch/>
+          </p:blipFill>
+          <p:spPr>
+            <a:xfrm>
+              <a:off x="4310447" y="131449"/>
+              <a:ext cx="4023656" cy="4880601"/>
+            </a:xfrm>
+            <a:prstGeom prst="rect">
+              <a:avLst/>
+            </a:prstGeom>
+          </p:spPr>
+        </p:pic>
+        <p:grpSp>
+          <p:nvGrpSpPr>
+            <p:cNvPr id="37" name="Group 36">
+              <a:extLst>
+                <a:ext uri="{FF2B5EF4-FFF2-40B4-BE49-F238E27FC236}">
+                  <a16:creationId xmlns:a16="http://schemas.microsoft.com/office/drawing/2014/main" id="{C56EC94A-4F44-428C-A945-A4198D8E7FEF}"/>
+                </a:ext>
+              </a:extLst>
+            </p:cNvPr>
+            <p:cNvGrpSpPr/>
+            <p:nvPr/>
+          </p:nvGrpSpPr>
+          <p:grpSpPr>
+            <a:xfrm>
+              <a:off x="7098928" y="79275"/>
+              <a:ext cx="1150949" cy="1569660"/>
+              <a:chOff x="7098928" y="79275"/>
+              <a:chExt cx="1150949" cy="1569660"/>
+            </a:xfrm>
+          </p:grpSpPr>
+          <p:grpSp>
+            <p:nvGrpSpPr>
+              <p:cNvPr id="38" name="Group 37">
+                <a:extLst>
+                  <a:ext uri="{FF2B5EF4-FFF2-40B4-BE49-F238E27FC236}">
+                    <a16:creationId xmlns:a16="http://schemas.microsoft.com/office/drawing/2014/main" id="{DA23FB68-4753-4722-9859-12BEAAC0E0A5}"/>
+                  </a:ext>
+                </a:extLst>
+              </p:cNvPr>
+              <p:cNvGrpSpPr/>
+              <p:nvPr/>
+            </p:nvGrpSpPr>
+            <p:grpSpPr>
+              <a:xfrm>
+                <a:off x="7098928" y="317795"/>
+                <a:ext cx="1150949" cy="1178957"/>
+                <a:chOff x="7098928" y="317795"/>
+                <a:chExt cx="1150949" cy="1178957"/>
+              </a:xfrm>
+            </p:grpSpPr>
+            <p:sp>
+              <p:nvSpPr>
+                <p:cNvPr id="40" name="Rectangle 39">
+                  <a:extLst>
+                    <a:ext uri="{FF2B5EF4-FFF2-40B4-BE49-F238E27FC236}">
+                      <a16:creationId xmlns:a16="http://schemas.microsoft.com/office/drawing/2014/main" id="{E350B757-E9C1-4C18-B4D5-7BA5087AF819}"/>
+                    </a:ext>
+                  </a:extLst>
+                </p:cNvPr>
+                <p:cNvSpPr/>
+                <p:nvPr/>
+              </p:nvSpPr>
+              <p:spPr>
+                <a:xfrm rot="2700000">
+                  <a:off x="7306930" y="646347"/>
+                  <a:ext cx="978468" cy="321364"/>
+                </a:xfrm>
+                <a:prstGeom prst="rect">
+                  <a:avLst/>
+                </a:prstGeom>
+                <a:solidFill>
+                  <a:schemeClr val="bg1"/>
+                </a:solidFill>
+                <a:ln>
+                  <a:noFill/>
+                </a:ln>
+              </p:spPr>
+              <p:style>
+                <a:lnRef idx="2">
+                  <a:schemeClr val="accent1">
+                    <a:shade val="50000"/>
+                  </a:schemeClr>
+                </a:lnRef>
+                <a:fillRef idx="1">
+                  <a:schemeClr val="accent1"/>
+                </a:fillRef>
+                <a:effectRef idx="0">
+                  <a:schemeClr val="accent1"/>
+                </a:effectRef>
+                <a:fontRef idx="minor">
+                  <a:schemeClr val="lt1"/>
+                </a:fontRef>
+              </p:style>
+              <p:txBody>
+                <a:bodyPr rtlCol="0" anchor="ctr"/>
+                <a:lstStyle/>
+                <a:p>
+                  <a:pPr algn="ctr"/>
+                  <a:endParaRPr lang="en-DE" sz="2800" b="1" spc="600" dirty="0">
+                    <a:latin typeface="Poppins" panose="020B0604020202020204" charset="0"/>
+                    <a:cs typeface="Poppins" panose="020B0604020202020204" charset="0"/>
+                  </a:endParaRPr>
+                </a:p>
+              </p:txBody>
+            </p:sp>
+            <p:sp>
+              <p:nvSpPr>
+                <p:cNvPr id="41" name="Isosceles Triangle 40">
+                  <a:extLst>
+                    <a:ext uri="{FF2B5EF4-FFF2-40B4-BE49-F238E27FC236}">
+                      <a16:creationId xmlns:a16="http://schemas.microsoft.com/office/drawing/2014/main" id="{1943E9E5-16E8-4E23-A0E6-7ADC044671E0}"/>
+                    </a:ext>
+                  </a:extLst>
+                </p:cNvPr>
+                <p:cNvSpPr/>
+                <p:nvPr/>
+              </p:nvSpPr>
+              <p:spPr>
+                <a:xfrm rot="10800000">
+                  <a:off x="7098928" y="347468"/>
+                  <a:ext cx="460327" cy="396496"/>
+                </a:xfrm>
+                <a:prstGeom prst="triangle">
+                  <a:avLst>
+                    <a:gd name="adj" fmla="val 11181"/>
+                  </a:avLst>
+                </a:prstGeom>
+                <a:solidFill>
+                  <a:schemeClr val="bg1"/>
+                </a:solidFill>
+                <a:ln>
+                  <a:noFill/>
+                </a:ln>
+              </p:spPr>
+              <p:style>
+                <a:lnRef idx="2">
+                  <a:schemeClr val="accent1">
+                    <a:shade val="50000"/>
+                  </a:schemeClr>
+                </a:lnRef>
+                <a:fillRef idx="1">
+                  <a:schemeClr val="accent1"/>
+                </a:fillRef>
+                <a:effectRef idx="0">
+                  <a:schemeClr val="accent1"/>
+                </a:effectRef>
+                <a:fontRef idx="minor">
+                  <a:schemeClr val="lt1"/>
+                </a:fontRef>
+              </p:style>
+              <p:txBody>
+                <a:bodyPr rot="0" spcFirstLastPara="0" vertOverflow="overflow" horzOverflow="overflow" vert="horz" wrap="square" lIns="91440" tIns="45720" rIns="91440" bIns="45720" numCol="1" spcCol="0" rtlCol="0" fromWordArt="0" anchor="ctr" anchorCtr="0" forceAA="0" compatLnSpc="1">
+                  <a:prstTxWarp prst="textNoShape">
+                    <a:avLst/>
+                  </a:prstTxWarp>
+                  <a:noAutofit/>
+                </a:bodyPr>
+                <a:lstStyle/>
+                <a:p>
+                  <a:pPr algn="ctr"/>
+                  <a:endParaRPr lang="en-DE" sz="2800" b="1" spc="600">
+                    <a:latin typeface="Poppins" panose="020B0604020202020204" charset="0"/>
+                    <a:cs typeface="Poppins" panose="020B0604020202020204" charset="0"/>
+                  </a:endParaRPr>
+                </a:p>
+              </p:txBody>
+            </p:sp>
+            <p:sp>
+              <p:nvSpPr>
+                <p:cNvPr id="42" name="Isosceles Triangle 41">
+                  <a:extLst>
+                    <a:ext uri="{FF2B5EF4-FFF2-40B4-BE49-F238E27FC236}">
+                      <a16:creationId xmlns:a16="http://schemas.microsoft.com/office/drawing/2014/main" id="{4FE716F3-A5AB-45F5-A5EB-04696005DFFA}"/>
+                    </a:ext>
+                  </a:extLst>
+                </p:cNvPr>
+                <p:cNvSpPr/>
+                <p:nvPr/>
+              </p:nvSpPr>
+              <p:spPr>
+                <a:xfrm rot="5400000" flipV="1">
+                  <a:off x="7821465" y="1068341"/>
+                  <a:ext cx="460327" cy="396496"/>
+                </a:xfrm>
+                <a:prstGeom prst="triangle">
+                  <a:avLst>
+                    <a:gd name="adj" fmla="val 11181"/>
+                  </a:avLst>
+                </a:prstGeom>
+                <a:solidFill>
+                  <a:schemeClr val="bg1"/>
+                </a:solidFill>
+                <a:ln>
+                  <a:noFill/>
+                </a:ln>
+              </p:spPr>
+              <p:style>
+                <a:lnRef idx="2">
+                  <a:schemeClr val="accent1">
+                    <a:shade val="50000"/>
+                  </a:schemeClr>
+                </a:lnRef>
+                <a:fillRef idx="1">
+                  <a:schemeClr val="accent1"/>
+                </a:fillRef>
+                <a:effectRef idx="0">
+                  <a:schemeClr val="accent1"/>
+                </a:effectRef>
+                <a:fontRef idx="minor">
+                  <a:schemeClr val="lt1"/>
+                </a:fontRef>
+              </p:style>
+              <p:txBody>
+                <a:bodyPr rot="0" spcFirstLastPara="0" vertOverflow="overflow" horzOverflow="overflow" vert="horz" wrap="square" lIns="91440" tIns="45720" rIns="91440" bIns="45720" numCol="1" spcCol="0" rtlCol="0" fromWordArt="0" anchor="ctr" anchorCtr="0" forceAA="0" compatLnSpc="1">
+                  <a:prstTxWarp prst="textNoShape">
+                    <a:avLst/>
+                  </a:prstTxWarp>
+                  <a:noAutofit/>
+                </a:bodyPr>
+                <a:lstStyle/>
+                <a:p>
+                  <a:pPr algn="ctr"/>
+                  <a:endParaRPr lang="en-DE" sz="2800" b="1" spc="600">
+                    <a:latin typeface="Poppins" panose="020B0604020202020204" charset="0"/>
+                    <a:cs typeface="Poppins" panose="020B0604020202020204" charset="0"/>
+                  </a:endParaRPr>
+                </a:p>
+              </p:txBody>
+            </p:sp>
+          </p:grpSp>
+          <p:sp>
+            <p:nvSpPr>
+              <p:cNvPr id="39" name="Rectangle 38">
+                <a:extLst>
+                  <a:ext uri="{FF2B5EF4-FFF2-40B4-BE49-F238E27FC236}">
+                    <a16:creationId xmlns:a16="http://schemas.microsoft.com/office/drawing/2014/main" id="{997C3B3D-AAEE-41F9-9ECE-D301E8864732}"/>
+                  </a:ext>
+                </a:extLst>
+              </p:cNvPr>
+              <p:cNvSpPr/>
+              <p:nvPr/>
+            </p:nvSpPr>
+            <p:spPr>
+              <a:xfrm rot="2700000">
+                <a:off x="7027510" y="742990"/>
+                <a:ext cx="1569660" cy="242230"/>
+              </a:xfrm>
+              <a:prstGeom prst="rect">
+                <a:avLst/>
+              </a:prstGeom>
+              <a:noFill/>
+              <a:ln>
+                <a:noFill/>
+              </a:ln>
+            </p:spPr>
+            <p:style>
+              <a:lnRef idx="2">
+                <a:schemeClr val="accent1">
+                  <a:shade val="50000"/>
+                </a:schemeClr>
+              </a:lnRef>
+              <a:fillRef idx="1">
+                <a:schemeClr val="accent1"/>
+              </a:fillRef>
+              <a:effectRef idx="0">
+                <a:schemeClr val="accent1"/>
+              </a:effectRef>
+              <a:fontRef idx="minor">
+                <a:schemeClr val="lt1"/>
+              </a:fontRef>
+            </p:style>
+            <p:txBody>
+              <a:bodyPr rtlCol="0" anchor="ctr"/>
+              <a:lstStyle/>
+              <a:p>
+                <a:pPr algn="ctr"/>
+                <a:r>
+                  <a:rPr lang="en-US" sz="1800" b="1" spc="600" dirty="0">
+                    <a:solidFill>
+                      <a:srgbClr val="818181"/>
+                    </a:solidFill>
+                    <a:latin typeface="Poppins" panose="020B0604020202020204" charset="0"/>
+                    <a:cs typeface="Poppins" panose="020B0604020202020204" charset="0"/>
+                  </a:rPr>
+                  <a:t>Web</a:t>
+                </a:r>
+                <a:endParaRPr lang="en-DE" sz="1800" b="1" spc="600" dirty="0">
+                  <a:solidFill>
+                    <a:srgbClr val="818181"/>
+                  </a:solidFill>
+                  <a:latin typeface="Poppins" panose="020B0604020202020204" charset="0"/>
+                  <a:cs typeface="Poppins" panose="020B0604020202020204" charset="0"/>
+                </a:endParaRPr>
+              </a:p>
+            </p:txBody>
+          </p:sp>
+        </p:grpSp>
+      </p:grpSp>
     </p:spTree>
     <p:extLst>
       <p:ext uri="{BB962C8B-B14F-4D97-AF65-F5344CB8AC3E}">
-        <p14:creationId xmlns:p14="http://schemas.microsoft.com/office/powerpoint/2010/main" val="765475940"/>
+        <p14:creationId xmlns:p14="http://schemas.microsoft.com/office/powerpoint/2010/main" val="548791005"/>
       </p:ext>
     </p:extLst>
   </p:cSld>
   <p:clrMapOvr>
     <a:masterClrMapping/>
   </p:clrMapOvr>
-  <p:transition advTm="0">
-    <p:fade thruBlk="1"/>
-  </p:transition>
   <p:timing>
     <p:tnLst>
       <p:par>
@@ -12486,7 +13206,7 @@
                                           </p:stCondLst>
                                         </p:cTn>
                                         <p:tgtEl>
-                                          <p:spTgt spid="11"/>
+                                          <p:spTgt spid="19"/>
                                         </p:tgtEl>
                                         <p:attrNameLst>
                                           <p:attrName>style.visibility</p:attrName>
@@ -12500,10 +13220,157 @@
                                       <p:cBhvr>
                                         <p:cTn id="7" dur="500"/>
                                         <p:tgtEl>
-                                          <p:spTgt spid="11"/>
+                                          <p:spTgt spid="19"/>
                                         </p:tgtEl>
                                       </p:cBhvr>
                                     </p:animEffect>
+                                  </p:childTnLst>
+                                </p:cTn>
+                              </p:par>
+                            </p:childTnLst>
+                          </p:cTn>
+                        </p:par>
+                      </p:childTnLst>
+                    </p:cTn>
+                  </p:par>
+                  <p:par>
+                    <p:cTn id="8" fill="hold">
+                      <p:stCondLst>
+                        <p:cond delay="indefinite"/>
+                      </p:stCondLst>
+                      <p:childTnLst>
+                        <p:par>
+                          <p:cTn id="9" fill="hold">
+                            <p:stCondLst>
+                              <p:cond delay="0"/>
+                            </p:stCondLst>
+                            <p:childTnLst>
+                              <p:par>
+                                <p:cTn id="10" presetID="42" presetClass="path" presetSubtype="0" accel="50000" decel="50000" fill="hold" nodeType="clickEffect">
+                                  <p:stCondLst>
+                                    <p:cond delay="0"/>
+                                  </p:stCondLst>
+                                  <p:childTnLst>
+                                    <p:animMotion origin="layout" path="M 0 1.48148E-6 L -0.22795 -0.00124 " pathEditMode="relative" rAng="0" ptsTypes="AA">
+                                      <p:cBhvr>
+                                        <p:cTn id="11" dur="2000" fill="hold"/>
+                                        <p:tgtEl>
+                                          <p:spTgt spid="19"/>
+                                        </p:tgtEl>
+                                        <p:attrNameLst>
+                                          <p:attrName>ppt_x</p:attrName>
+                                          <p:attrName>ppt_y</p:attrName>
+                                        </p:attrNameLst>
+                                      </p:cBhvr>
+                                      <p:rCtr x="-11406" y="-62"/>
+                                    </p:animMotion>
+                                  </p:childTnLst>
+                                </p:cTn>
+                              </p:par>
+                              <p:par>
+                                <p:cTn id="12" presetID="6" presetClass="emph" presetSubtype="0" fill="hold" nodeType="withEffect">
+                                  <p:stCondLst>
+                                    <p:cond delay="0"/>
+                                  </p:stCondLst>
+                                  <p:childTnLst>
+                                    <p:animScale>
+                                      <p:cBhvr>
+                                        <p:cTn id="13" dur="2000" fill="hold"/>
+                                        <p:tgtEl>
+                                          <p:spTgt spid="19"/>
+                                        </p:tgtEl>
+                                      </p:cBhvr>
+                                      <p:by x="75000" y="75000"/>
+                                    </p:animScale>
+                                  </p:childTnLst>
+                                </p:cTn>
+                              </p:par>
+                            </p:childTnLst>
+                          </p:cTn>
+                        </p:par>
+                      </p:childTnLst>
+                    </p:cTn>
+                  </p:par>
+                  <p:par>
+                    <p:cTn id="14" fill="hold">
+                      <p:stCondLst>
+                        <p:cond delay="indefinite"/>
+                      </p:stCondLst>
+                      <p:childTnLst>
+                        <p:par>
+                          <p:cTn id="15" fill="hold">
+                            <p:stCondLst>
+                              <p:cond delay="0"/>
+                            </p:stCondLst>
+                            <p:childTnLst>
+                              <p:par>
+                                <p:cTn id="16" presetID="10" presetClass="entr" presetSubtype="0" fill="hold" nodeType="clickEffect">
+                                  <p:stCondLst>
+                                    <p:cond delay="0"/>
+                                  </p:stCondLst>
+                                  <p:childTnLst>
+                                    <p:set>
+                                      <p:cBhvr>
+                                        <p:cTn id="17" dur="1" fill="hold">
+                                          <p:stCondLst>
+                                            <p:cond delay="0"/>
+                                          </p:stCondLst>
+                                        </p:cTn>
+                                        <p:tgtEl>
+                                          <p:spTgt spid="35"/>
+                                        </p:tgtEl>
+                                        <p:attrNameLst>
+                                          <p:attrName>style.visibility</p:attrName>
+                                        </p:attrNameLst>
+                                      </p:cBhvr>
+                                      <p:to>
+                                        <p:strVal val="visible"/>
+                                      </p:to>
+                                    </p:set>
+                                    <p:animEffect transition="in" filter="fade">
+                                      <p:cBhvr>
+                                        <p:cTn id="18" dur="1000"/>
+                                        <p:tgtEl>
+                                          <p:spTgt spid="35"/>
+                                        </p:tgtEl>
+                                      </p:cBhvr>
+                                    </p:animEffect>
+                                  </p:childTnLst>
+                                </p:cTn>
+                              </p:par>
+                            </p:childTnLst>
+                          </p:cTn>
+                        </p:par>
+                      </p:childTnLst>
+                    </p:cTn>
+                  </p:par>
+                  <p:par>
+                    <p:cTn id="19" fill="hold">
+                      <p:stCondLst>
+                        <p:cond delay="indefinite"/>
+                      </p:stCondLst>
+                      <p:childTnLst>
+                        <p:par>
+                          <p:cTn id="20" fill="hold">
+                            <p:stCondLst>
+                              <p:cond delay="0"/>
+                            </p:stCondLst>
+                            <p:childTnLst>
+                              <p:par>
+                                <p:cTn id="21" presetID="6" presetClass="emph" presetSubtype="0" fill="hold" nodeType="clickEffect">
+                                  <p:stCondLst>
+                                    <p:cond delay="0"/>
+                                  </p:stCondLst>
+                                  <p:childTnLst>
+                                    <p:animScale>
+                                      <p:cBhvr>
+                                        <p:cTn id="22" dur="1250" fill="hold"/>
+                                        <p:tgtEl>
+                                          <p:spTgt spid="35"/>
+                                        </p:tgtEl>
+                                      </p:cBhvr>
+                                      <p:by x="75000" y="75000"/>
+                                    </p:animScale>
                                   </p:childTnLst>
                                 </p:cTn>
                               </p:par>
@@ -12543,6 +13410,1033 @@
   <p:cSld>
     <p:spTree>
       <p:nvGrpSpPr>
+        <p:cNvPr id="1" name=""/>
+        <p:cNvGrpSpPr/>
+        <p:nvPr/>
+      </p:nvGrpSpPr>
+      <p:grpSpPr>
+        <a:xfrm>
+          <a:off x="0" y="0"/>
+          <a:ext cx="0" cy="0"/>
+          <a:chOff x="0" y="0"/>
+          <a:chExt cx="0" cy="0"/>
+        </a:xfrm>
+      </p:grpSpPr>
+      <p:sp>
+        <p:nvSpPr>
+          <p:cNvPr id="2" name="Slide Number Placeholder 1">
+            <a:extLst>
+              <a:ext uri="{FF2B5EF4-FFF2-40B4-BE49-F238E27FC236}">
+                <a16:creationId xmlns:a16="http://schemas.microsoft.com/office/drawing/2014/main" id="{BB94C5B1-BAA3-47AC-9E21-832556908F64}"/>
+              </a:ext>
+            </a:extLst>
+          </p:cNvPr>
+          <p:cNvSpPr>
+            <a:spLocks noGrp="1"/>
+          </p:cNvSpPr>
+          <p:nvPr>
+            <p:ph type="sldNum" idx="12"/>
+          </p:nvPr>
+        </p:nvSpPr>
+        <p:spPr/>
+        <p:txBody>
+          <a:bodyPr/>
+          <a:lstStyle/>
+          <a:p>
+            <a:pPr marL="0" lvl="0" indent="0" algn="ctr" rtl="0">
+              <a:spcBef>
+                <a:spcPts val="0"/>
+              </a:spcBef>
+              <a:spcAft>
+                <a:spcPts val="0"/>
+              </a:spcAft>
+              <a:buNone/>
+            </a:pPr>
+            <a:fld id="{00000000-1234-1234-1234-123412341234}" type="slidenum">
+              <a:rPr lang="en" smtClean="0"/>
+              <a:t>15</a:t>
+            </a:fld>
+            <a:endParaRPr lang="en"/>
+          </a:p>
+        </p:txBody>
+      </p:sp>
+      <p:pic>
+        <p:nvPicPr>
+          <p:cNvPr id="3" name="Picture 2">
+            <a:extLst>
+              <a:ext uri="{FF2B5EF4-FFF2-40B4-BE49-F238E27FC236}">
+                <a16:creationId xmlns:a16="http://schemas.microsoft.com/office/drawing/2014/main" id="{5C8C7BFF-7EC7-4C39-A7C2-1CA58EE6C588}"/>
+              </a:ext>
+            </a:extLst>
+          </p:cNvPr>
+          <p:cNvPicPr>
+            <a:picLocks noChangeAspect="1"/>
+          </p:cNvPicPr>
+          <p:nvPr/>
+        </p:nvPicPr>
+        <p:blipFill>
+          <a:blip r:embed="rId3"/>
+          <a:stretch>
+            <a:fillRect/>
+          </a:stretch>
+        </p:blipFill>
+        <p:spPr>
+          <a:xfrm>
+            <a:off x="1640907" y="3146112"/>
+            <a:ext cx="764362" cy="764362"/>
+          </a:xfrm>
+          <a:prstGeom prst="rect">
+            <a:avLst/>
+          </a:prstGeom>
+        </p:spPr>
+      </p:pic>
+      <p:grpSp>
+        <p:nvGrpSpPr>
+          <p:cNvPr id="4" name="Group 3">
+            <a:extLst>
+              <a:ext uri="{FF2B5EF4-FFF2-40B4-BE49-F238E27FC236}">
+                <a16:creationId xmlns:a16="http://schemas.microsoft.com/office/drawing/2014/main" id="{A6A9F355-B7D4-426E-A5F8-7B3A68FD5562}"/>
+              </a:ext>
+            </a:extLst>
+          </p:cNvPr>
+          <p:cNvGrpSpPr/>
+          <p:nvPr/>
+        </p:nvGrpSpPr>
+        <p:grpSpPr>
+          <a:xfrm>
+            <a:off x="673388" y="2214512"/>
+            <a:ext cx="2174578" cy="715341"/>
+            <a:chOff x="673388" y="2214512"/>
+            <a:chExt cx="2174578" cy="715341"/>
+          </a:xfrm>
+        </p:grpSpPr>
+        <p:pic>
+          <p:nvPicPr>
+            <p:cNvPr id="5" name="Picture 4">
+              <a:extLst>
+                <a:ext uri="{FF2B5EF4-FFF2-40B4-BE49-F238E27FC236}">
+                  <a16:creationId xmlns:a16="http://schemas.microsoft.com/office/drawing/2014/main" id="{52D66CB1-004F-4FEB-A620-EF025A1DF385}"/>
+                </a:ext>
+              </a:extLst>
+            </p:cNvPr>
+            <p:cNvPicPr>
+              <a:picLocks noChangeAspect="1"/>
+            </p:cNvPicPr>
+            <p:nvPr/>
+          </p:nvPicPr>
+          <p:blipFill>
+            <a:blip r:embed="rId4"/>
+            <a:stretch>
+              <a:fillRect/>
+            </a:stretch>
+          </p:blipFill>
+          <p:spPr>
+            <a:xfrm>
+              <a:off x="2132625" y="2214512"/>
+              <a:ext cx="715341" cy="715341"/>
+            </a:xfrm>
+            <a:prstGeom prst="rect">
+              <a:avLst/>
+            </a:prstGeom>
+          </p:spPr>
+        </p:pic>
+        <p:pic>
+          <p:nvPicPr>
+            <p:cNvPr id="6" name="Graphic 5">
+              <a:extLst>
+                <a:ext uri="{FF2B5EF4-FFF2-40B4-BE49-F238E27FC236}">
+                  <a16:creationId xmlns:a16="http://schemas.microsoft.com/office/drawing/2014/main" id="{20EB12E3-6276-449F-B06E-5791B4201FD7}"/>
+                </a:ext>
+              </a:extLst>
+            </p:cNvPr>
+            <p:cNvPicPr>
+              <a:picLocks noChangeAspect="1"/>
+            </p:cNvPicPr>
+            <p:nvPr/>
+          </p:nvPicPr>
+          <p:blipFill rotWithShape="1">
+            <a:blip r:embed="rId5">
+              <a:extLst>
+                <a:ext uri="{96DAC541-7B7A-43D3-8B79-37D633B846F1}">
+                  <asvg:svgBlip xmlns:asvg="http://schemas.microsoft.com/office/drawing/2016/SVG/main" r:embed="rId6"/>
+                </a:ext>
+              </a:extLst>
+            </a:blip>
+            <a:srcRect t="30144" b="32176"/>
+            <a:stretch/>
+          </p:blipFill>
+          <p:spPr>
+            <a:xfrm>
+              <a:off x="673388" y="2274655"/>
+              <a:ext cx="1545427" cy="582319"/>
+            </a:xfrm>
+            <a:prstGeom prst="rect">
+              <a:avLst/>
+            </a:prstGeom>
+          </p:spPr>
+        </p:pic>
+      </p:grpSp>
+      <p:pic>
+        <p:nvPicPr>
+          <p:cNvPr id="7" name="Picture 6">
+            <a:extLst>
+              <a:ext uri="{FF2B5EF4-FFF2-40B4-BE49-F238E27FC236}">
+                <a16:creationId xmlns:a16="http://schemas.microsoft.com/office/drawing/2014/main" id="{02BF038B-7A1E-4E46-9DFF-5EE033A94F1D}"/>
+              </a:ext>
+            </a:extLst>
+          </p:cNvPr>
+          <p:cNvPicPr>
+            <a:picLocks noChangeAspect="1"/>
+          </p:cNvPicPr>
+          <p:nvPr/>
+        </p:nvPicPr>
+        <p:blipFill>
+          <a:blip r:embed="rId7"/>
+          <a:stretch>
+            <a:fillRect/>
+          </a:stretch>
+        </p:blipFill>
+        <p:spPr>
+          <a:xfrm>
+            <a:off x="1555884" y="1145529"/>
+            <a:ext cx="934412" cy="934412"/>
+          </a:xfrm>
+          <a:prstGeom prst="rect">
+            <a:avLst/>
+          </a:prstGeom>
+        </p:spPr>
+      </p:pic>
+      <p:pic>
+        <p:nvPicPr>
+          <p:cNvPr id="8" name="Graphic 7">
+            <a:extLst>
+              <a:ext uri="{FF2B5EF4-FFF2-40B4-BE49-F238E27FC236}">
+                <a16:creationId xmlns:a16="http://schemas.microsoft.com/office/drawing/2014/main" id="{1F93E06A-6D9C-4F55-B856-1972EBAD6F0E}"/>
+              </a:ext>
+            </a:extLst>
+          </p:cNvPr>
+          <p:cNvPicPr>
+            <a:picLocks noChangeAspect="1"/>
+          </p:cNvPicPr>
+          <p:nvPr/>
+        </p:nvPicPr>
+        <p:blipFill>
+          <a:blip r:embed="rId8">
+            <a:extLst>
+              <a:ext uri="{96DAC541-7B7A-43D3-8B79-37D633B846F1}">
+                <asvg:svgBlip xmlns:asvg="http://schemas.microsoft.com/office/drawing/2016/SVG/main" r:embed="rId9"/>
+              </a:ext>
+            </a:extLst>
+          </a:blip>
+          <a:stretch>
+            <a:fillRect/>
+          </a:stretch>
+        </p:blipFill>
+        <p:spPr>
+          <a:xfrm>
+            <a:off x="1280679" y="197321"/>
+            <a:ext cx="1484819" cy="908508"/>
+          </a:xfrm>
+          <a:prstGeom prst="rect">
+            <a:avLst/>
+          </a:prstGeom>
+        </p:spPr>
+      </p:pic>
+      <p:sp>
+        <p:nvSpPr>
+          <p:cNvPr id="9" name="TextBox 8">
+            <a:extLst>
+              <a:ext uri="{FF2B5EF4-FFF2-40B4-BE49-F238E27FC236}">
+                <a16:creationId xmlns:a16="http://schemas.microsoft.com/office/drawing/2014/main" id="{826B2BA6-3446-4C98-9833-2F0580938E22}"/>
+              </a:ext>
+            </a:extLst>
+          </p:cNvPr>
+          <p:cNvSpPr txBox="1"/>
+          <p:nvPr/>
+        </p:nvSpPr>
+        <p:spPr>
+          <a:xfrm>
+            <a:off x="3106270" y="389965"/>
+            <a:ext cx="4316506" cy="523220"/>
+          </a:xfrm>
+          <a:prstGeom prst="rect">
+            <a:avLst/>
+          </a:prstGeom>
+          <a:noFill/>
+        </p:spPr>
+        <p:txBody>
+          <a:bodyPr wrap="square" rtlCol="0">
+            <a:spAutoFit/>
+          </a:bodyPr>
+          <a:lstStyle/>
+          <a:p>
+            <a:r>
+              <a:rPr lang="en-US" dirty="0"/>
+              <a:t>Open-Source, cross-platform JavaScript </a:t>
+            </a:r>
+            <a:r>
+              <a:rPr lang="en-US" dirty="0" err="1"/>
+              <a:t>Laufzeitumgebung</a:t>
+            </a:r>
+            <a:endParaRPr lang="en-DE" dirty="0"/>
+          </a:p>
+        </p:txBody>
+      </p:sp>
+      <p:sp>
+        <p:nvSpPr>
+          <p:cNvPr id="10" name="TextBox 9">
+            <a:extLst>
+              <a:ext uri="{FF2B5EF4-FFF2-40B4-BE49-F238E27FC236}">
+                <a16:creationId xmlns:a16="http://schemas.microsoft.com/office/drawing/2014/main" id="{E9A7B8C3-D18B-4C1B-90A8-2A2CAF265864}"/>
+              </a:ext>
+            </a:extLst>
+          </p:cNvPr>
+          <p:cNvSpPr txBox="1"/>
+          <p:nvPr/>
+        </p:nvSpPr>
+        <p:spPr>
+          <a:xfrm>
+            <a:off x="3106270" y="1348871"/>
+            <a:ext cx="4540703" cy="523220"/>
+          </a:xfrm>
+          <a:prstGeom prst="rect">
+            <a:avLst/>
+          </a:prstGeom>
+          <a:noFill/>
+        </p:spPr>
+        <p:txBody>
+          <a:bodyPr wrap="square" rtlCol="0">
+            <a:spAutoFit/>
+          </a:bodyPr>
+          <a:lstStyle/>
+          <a:p>
+            <a:r>
+              <a:rPr lang="en-US" dirty="0" err="1"/>
+              <a:t>Clientseitiges</a:t>
+            </a:r>
+            <a:r>
+              <a:rPr lang="en-US" dirty="0"/>
+              <a:t> JavaScript-</a:t>
+            </a:r>
+            <a:r>
+              <a:rPr lang="en-US" dirty="0" err="1"/>
+              <a:t>Webframework</a:t>
+            </a:r>
+            <a:r>
+              <a:rPr lang="en-US" dirty="0"/>
+              <a:t> </a:t>
+            </a:r>
+            <a:r>
+              <a:rPr lang="en-US" dirty="0" err="1"/>
+              <a:t>für</a:t>
+            </a:r>
+            <a:r>
+              <a:rPr lang="en-US" dirty="0"/>
+              <a:t> die </a:t>
+            </a:r>
+            <a:r>
+              <a:rPr lang="en-US" dirty="0" err="1"/>
+              <a:t>Benutzeroberfläche</a:t>
+            </a:r>
+            <a:endParaRPr lang="en-DE" dirty="0"/>
+          </a:p>
+        </p:txBody>
+      </p:sp>
+      <p:sp>
+        <p:nvSpPr>
+          <p:cNvPr id="11" name="TextBox 10">
+            <a:extLst>
+              <a:ext uri="{FF2B5EF4-FFF2-40B4-BE49-F238E27FC236}">
+                <a16:creationId xmlns:a16="http://schemas.microsoft.com/office/drawing/2014/main" id="{E3A5252E-3FD9-44EE-B35E-DA3631E06BBC}"/>
+              </a:ext>
+            </a:extLst>
+          </p:cNvPr>
+          <p:cNvSpPr txBox="1"/>
+          <p:nvPr/>
+        </p:nvSpPr>
+        <p:spPr>
+          <a:xfrm>
+            <a:off x="3106270" y="2307777"/>
+            <a:ext cx="4316506" cy="523220"/>
+          </a:xfrm>
+          <a:prstGeom prst="rect">
+            <a:avLst/>
+          </a:prstGeom>
+          <a:noFill/>
+        </p:spPr>
+        <p:txBody>
+          <a:bodyPr wrap="square" rtlCol="0">
+            <a:spAutoFit/>
+          </a:bodyPr>
+          <a:lstStyle/>
+          <a:p>
+            <a:r>
+              <a:rPr lang="en-US" dirty="0"/>
+              <a:t>Open-Source Framework </a:t>
+            </a:r>
+            <a:r>
+              <a:rPr lang="en-US" dirty="0" err="1"/>
+              <a:t>zur</a:t>
+            </a:r>
+            <a:r>
+              <a:rPr lang="en-US" dirty="0"/>
+              <a:t> </a:t>
+            </a:r>
+            <a:r>
+              <a:rPr lang="en-US" dirty="0" err="1"/>
+              <a:t>Erstellung</a:t>
+            </a:r>
+            <a:r>
+              <a:rPr lang="en-US" dirty="0"/>
+              <a:t> von Mobile </a:t>
+            </a:r>
+            <a:r>
+              <a:rPr lang="en-US" dirty="0" err="1"/>
+              <a:t>Applikationen</a:t>
+            </a:r>
+            <a:r>
+              <a:rPr lang="en-US" dirty="0"/>
+              <a:t>. </a:t>
+            </a:r>
+            <a:r>
+              <a:rPr lang="en-US" dirty="0" err="1"/>
+              <a:t>Basiert</a:t>
+            </a:r>
+            <a:r>
+              <a:rPr lang="en-US" dirty="0"/>
+              <a:t> auf Cordova.</a:t>
+            </a:r>
+            <a:endParaRPr lang="en-DE" dirty="0"/>
+          </a:p>
+        </p:txBody>
+      </p:sp>
+      <p:sp>
+        <p:nvSpPr>
+          <p:cNvPr id="12" name="TextBox 11">
+            <a:extLst>
+              <a:ext uri="{FF2B5EF4-FFF2-40B4-BE49-F238E27FC236}">
+                <a16:creationId xmlns:a16="http://schemas.microsoft.com/office/drawing/2014/main" id="{78401F35-E243-4CE6-906F-6D1F1FDD7F56}"/>
+              </a:ext>
+            </a:extLst>
+          </p:cNvPr>
+          <p:cNvSpPr txBox="1"/>
+          <p:nvPr/>
+        </p:nvSpPr>
+        <p:spPr>
+          <a:xfrm>
+            <a:off x="3106270" y="3240557"/>
+            <a:ext cx="4316506" cy="738664"/>
+          </a:xfrm>
+          <a:prstGeom prst="rect">
+            <a:avLst/>
+          </a:prstGeom>
+          <a:noFill/>
+        </p:spPr>
+        <p:txBody>
+          <a:bodyPr wrap="square" rtlCol="0">
+            <a:spAutoFit/>
+          </a:bodyPr>
+          <a:lstStyle/>
+          <a:p>
+            <a:r>
+              <a:rPr lang="en-US" dirty="0"/>
+              <a:t>Open-Source Framework, welches die </a:t>
+            </a:r>
+            <a:r>
+              <a:rPr lang="en-US" dirty="0" err="1"/>
+              <a:t>Ausführung</a:t>
+            </a:r>
+            <a:r>
+              <a:rPr lang="en-US" dirty="0"/>
+              <a:t> von cross-platform Desktop-</a:t>
+            </a:r>
+            <a:r>
+              <a:rPr lang="en-US" dirty="0" err="1"/>
+              <a:t>Anwendungen</a:t>
+            </a:r>
+            <a:r>
+              <a:rPr lang="en-US" dirty="0"/>
+              <a:t> </a:t>
+            </a:r>
+            <a:r>
+              <a:rPr lang="en-US" dirty="0" err="1"/>
+              <a:t>ermöglicht</a:t>
+            </a:r>
+            <a:r>
+              <a:rPr lang="en-US" dirty="0"/>
+              <a:t>.</a:t>
+            </a:r>
+            <a:endParaRPr lang="en-DE" dirty="0"/>
+          </a:p>
+        </p:txBody>
+      </p:sp>
+      <p:sp>
+        <p:nvSpPr>
+          <p:cNvPr id="13" name="TextBox 12">
+            <a:extLst>
+              <a:ext uri="{FF2B5EF4-FFF2-40B4-BE49-F238E27FC236}">
+                <a16:creationId xmlns:a16="http://schemas.microsoft.com/office/drawing/2014/main" id="{60D28BA2-883D-42BF-8ED5-7433DDA53178}"/>
+              </a:ext>
+            </a:extLst>
+          </p:cNvPr>
+          <p:cNvSpPr txBox="1"/>
+          <p:nvPr/>
+        </p:nvSpPr>
+        <p:spPr>
+          <a:xfrm>
+            <a:off x="3106270" y="4225589"/>
+            <a:ext cx="4316506" cy="523220"/>
+          </a:xfrm>
+          <a:prstGeom prst="rect">
+            <a:avLst/>
+          </a:prstGeom>
+          <a:noFill/>
+        </p:spPr>
+        <p:txBody>
+          <a:bodyPr wrap="square" rtlCol="0">
+            <a:spAutoFit/>
+          </a:bodyPr>
+          <a:lstStyle/>
+          <a:p>
+            <a:r>
+              <a:rPr lang="de-DE" dirty="0"/>
+              <a:t>Freie Webanwendung zur Administration von MySQL-Datenbanken</a:t>
+            </a:r>
+            <a:endParaRPr lang="en-DE" dirty="0"/>
+          </a:p>
+        </p:txBody>
+      </p:sp>
+      <p:pic>
+        <p:nvPicPr>
+          <p:cNvPr id="14" name="Graphic 13">
+            <a:extLst>
+              <a:ext uri="{FF2B5EF4-FFF2-40B4-BE49-F238E27FC236}">
+                <a16:creationId xmlns:a16="http://schemas.microsoft.com/office/drawing/2014/main" id="{B8F585BA-34EE-4F91-88FF-387484E0D91D}"/>
+              </a:ext>
+            </a:extLst>
+          </p:cNvPr>
+          <p:cNvPicPr>
+            <a:picLocks noChangeAspect="1"/>
+          </p:cNvPicPr>
+          <p:nvPr/>
+        </p:nvPicPr>
+        <p:blipFill>
+          <a:blip r:embed="rId10">
+            <a:extLst>
+              <a:ext uri="{96DAC541-7B7A-43D3-8B79-37D633B846F1}">
+                <asvg:svgBlip xmlns:asvg="http://schemas.microsoft.com/office/drawing/2016/SVG/main" r:embed="rId11"/>
+              </a:ext>
+            </a:extLst>
+          </a:blip>
+          <a:stretch>
+            <a:fillRect/>
+          </a:stretch>
+        </p:blipFill>
+        <p:spPr>
+          <a:xfrm>
+            <a:off x="1392938" y="4041661"/>
+            <a:ext cx="1260299" cy="891076"/>
+          </a:xfrm>
+          <a:prstGeom prst="rect">
+            <a:avLst/>
+          </a:prstGeom>
+        </p:spPr>
+      </p:pic>
+    </p:spTree>
+    <p:extLst>
+      <p:ext uri="{BB962C8B-B14F-4D97-AF65-F5344CB8AC3E}">
+        <p14:creationId xmlns:p14="http://schemas.microsoft.com/office/powerpoint/2010/main" val="1974906167"/>
+      </p:ext>
+    </p:extLst>
+  </p:cSld>
+  <p:clrMapOvr>
+    <a:masterClrMapping/>
+  </p:clrMapOvr>
+  <p:timing>
+    <p:tnLst>
+      <p:par>
+        <p:cTn id="1" dur="indefinite" restart="never" nodeType="tmRoot">
+          <p:childTnLst>
+            <p:seq concurrent="1" nextAc="seek">
+              <p:cTn id="2" dur="indefinite" nodeType="mainSeq">
+                <p:childTnLst>
+                  <p:par>
+                    <p:cTn id="3" fill="hold">
+                      <p:stCondLst>
+                        <p:cond delay="indefinite"/>
+                      </p:stCondLst>
+                      <p:childTnLst>
+                        <p:par>
+                          <p:cTn id="4" fill="hold">
+                            <p:stCondLst>
+                              <p:cond delay="0"/>
+                            </p:stCondLst>
+                            <p:childTnLst>
+                              <p:par>
+                                <p:cTn id="5" presetID="10" presetClass="entr" presetSubtype="0" fill="hold" nodeType="clickEffect">
+                                  <p:stCondLst>
+                                    <p:cond delay="0"/>
+                                  </p:stCondLst>
+                                  <p:childTnLst>
+                                    <p:set>
+                                      <p:cBhvr>
+                                        <p:cTn id="6" dur="1" fill="hold">
+                                          <p:stCondLst>
+                                            <p:cond delay="0"/>
+                                          </p:stCondLst>
+                                        </p:cTn>
+                                        <p:tgtEl>
+                                          <p:spTgt spid="8"/>
+                                        </p:tgtEl>
+                                        <p:attrNameLst>
+                                          <p:attrName>style.visibility</p:attrName>
+                                        </p:attrNameLst>
+                                      </p:cBhvr>
+                                      <p:to>
+                                        <p:strVal val="visible"/>
+                                      </p:to>
+                                    </p:set>
+                                    <p:animEffect transition="in" filter="fade">
+                                      <p:cBhvr>
+                                        <p:cTn id="7" dur="500"/>
+                                        <p:tgtEl>
+                                          <p:spTgt spid="8"/>
+                                        </p:tgtEl>
+                                      </p:cBhvr>
+                                    </p:animEffect>
+                                  </p:childTnLst>
+                                </p:cTn>
+                              </p:par>
+                              <p:par>
+                                <p:cTn id="8" presetID="10" presetClass="entr" presetSubtype="0" fill="hold" grpId="0" nodeType="withEffect">
+                                  <p:stCondLst>
+                                    <p:cond delay="0"/>
+                                  </p:stCondLst>
+                                  <p:childTnLst>
+                                    <p:set>
+                                      <p:cBhvr>
+                                        <p:cTn id="9" dur="1" fill="hold">
+                                          <p:stCondLst>
+                                            <p:cond delay="0"/>
+                                          </p:stCondLst>
+                                        </p:cTn>
+                                        <p:tgtEl>
+                                          <p:spTgt spid="9"/>
+                                        </p:tgtEl>
+                                        <p:attrNameLst>
+                                          <p:attrName>style.visibility</p:attrName>
+                                        </p:attrNameLst>
+                                      </p:cBhvr>
+                                      <p:to>
+                                        <p:strVal val="visible"/>
+                                      </p:to>
+                                    </p:set>
+                                    <p:animEffect transition="in" filter="fade">
+                                      <p:cBhvr>
+                                        <p:cTn id="10" dur="500"/>
+                                        <p:tgtEl>
+                                          <p:spTgt spid="9"/>
+                                        </p:tgtEl>
+                                      </p:cBhvr>
+                                    </p:animEffect>
+                                  </p:childTnLst>
+                                </p:cTn>
+                              </p:par>
+                            </p:childTnLst>
+                          </p:cTn>
+                        </p:par>
+                      </p:childTnLst>
+                    </p:cTn>
+                  </p:par>
+                  <p:par>
+                    <p:cTn id="11" fill="hold">
+                      <p:stCondLst>
+                        <p:cond delay="indefinite"/>
+                      </p:stCondLst>
+                      <p:childTnLst>
+                        <p:par>
+                          <p:cTn id="12" fill="hold">
+                            <p:stCondLst>
+                              <p:cond delay="0"/>
+                            </p:stCondLst>
+                            <p:childTnLst>
+                              <p:par>
+                                <p:cTn id="13" presetID="10" presetClass="entr" presetSubtype="0" fill="hold" nodeType="clickEffect">
+                                  <p:stCondLst>
+                                    <p:cond delay="0"/>
+                                  </p:stCondLst>
+                                  <p:childTnLst>
+                                    <p:set>
+                                      <p:cBhvr>
+                                        <p:cTn id="14" dur="1" fill="hold">
+                                          <p:stCondLst>
+                                            <p:cond delay="0"/>
+                                          </p:stCondLst>
+                                        </p:cTn>
+                                        <p:tgtEl>
+                                          <p:spTgt spid="7"/>
+                                        </p:tgtEl>
+                                        <p:attrNameLst>
+                                          <p:attrName>style.visibility</p:attrName>
+                                        </p:attrNameLst>
+                                      </p:cBhvr>
+                                      <p:to>
+                                        <p:strVal val="visible"/>
+                                      </p:to>
+                                    </p:set>
+                                    <p:animEffect transition="in" filter="fade">
+                                      <p:cBhvr>
+                                        <p:cTn id="15" dur="500"/>
+                                        <p:tgtEl>
+                                          <p:spTgt spid="7"/>
+                                        </p:tgtEl>
+                                      </p:cBhvr>
+                                    </p:animEffect>
+                                  </p:childTnLst>
+                                </p:cTn>
+                              </p:par>
+                              <p:par>
+                                <p:cTn id="16" presetID="10" presetClass="entr" presetSubtype="0" fill="hold" grpId="0" nodeType="withEffect">
+                                  <p:stCondLst>
+                                    <p:cond delay="0"/>
+                                  </p:stCondLst>
+                                  <p:childTnLst>
+                                    <p:set>
+                                      <p:cBhvr>
+                                        <p:cTn id="17" dur="1" fill="hold">
+                                          <p:stCondLst>
+                                            <p:cond delay="0"/>
+                                          </p:stCondLst>
+                                        </p:cTn>
+                                        <p:tgtEl>
+                                          <p:spTgt spid="10"/>
+                                        </p:tgtEl>
+                                        <p:attrNameLst>
+                                          <p:attrName>style.visibility</p:attrName>
+                                        </p:attrNameLst>
+                                      </p:cBhvr>
+                                      <p:to>
+                                        <p:strVal val="visible"/>
+                                      </p:to>
+                                    </p:set>
+                                    <p:animEffect transition="in" filter="fade">
+                                      <p:cBhvr>
+                                        <p:cTn id="18" dur="500"/>
+                                        <p:tgtEl>
+                                          <p:spTgt spid="10"/>
+                                        </p:tgtEl>
+                                      </p:cBhvr>
+                                    </p:animEffect>
+                                  </p:childTnLst>
+                                </p:cTn>
+                              </p:par>
+                            </p:childTnLst>
+                          </p:cTn>
+                        </p:par>
+                      </p:childTnLst>
+                    </p:cTn>
+                  </p:par>
+                  <p:par>
+                    <p:cTn id="19" fill="hold">
+                      <p:stCondLst>
+                        <p:cond delay="indefinite"/>
+                      </p:stCondLst>
+                      <p:childTnLst>
+                        <p:par>
+                          <p:cTn id="20" fill="hold">
+                            <p:stCondLst>
+                              <p:cond delay="0"/>
+                            </p:stCondLst>
+                            <p:childTnLst>
+                              <p:par>
+                                <p:cTn id="21" presetID="10" presetClass="entr" presetSubtype="0" fill="hold" nodeType="clickEffect">
+                                  <p:stCondLst>
+                                    <p:cond delay="0"/>
+                                  </p:stCondLst>
+                                  <p:childTnLst>
+                                    <p:set>
+                                      <p:cBhvr>
+                                        <p:cTn id="22" dur="1" fill="hold">
+                                          <p:stCondLst>
+                                            <p:cond delay="0"/>
+                                          </p:stCondLst>
+                                        </p:cTn>
+                                        <p:tgtEl>
+                                          <p:spTgt spid="4"/>
+                                        </p:tgtEl>
+                                        <p:attrNameLst>
+                                          <p:attrName>style.visibility</p:attrName>
+                                        </p:attrNameLst>
+                                      </p:cBhvr>
+                                      <p:to>
+                                        <p:strVal val="visible"/>
+                                      </p:to>
+                                    </p:set>
+                                    <p:animEffect transition="in" filter="fade">
+                                      <p:cBhvr>
+                                        <p:cTn id="23" dur="500"/>
+                                        <p:tgtEl>
+                                          <p:spTgt spid="4"/>
+                                        </p:tgtEl>
+                                      </p:cBhvr>
+                                    </p:animEffect>
+                                  </p:childTnLst>
+                                </p:cTn>
+                              </p:par>
+                              <p:par>
+                                <p:cTn id="24" presetID="10" presetClass="entr" presetSubtype="0" fill="hold" grpId="0" nodeType="withEffect">
+                                  <p:stCondLst>
+                                    <p:cond delay="0"/>
+                                  </p:stCondLst>
+                                  <p:childTnLst>
+                                    <p:set>
+                                      <p:cBhvr>
+                                        <p:cTn id="25" dur="1" fill="hold">
+                                          <p:stCondLst>
+                                            <p:cond delay="0"/>
+                                          </p:stCondLst>
+                                        </p:cTn>
+                                        <p:tgtEl>
+                                          <p:spTgt spid="11"/>
+                                        </p:tgtEl>
+                                        <p:attrNameLst>
+                                          <p:attrName>style.visibility</p:attrName>
+                                        </p:attrNameLst>
+                                      </p:cBhvr>
+                                      <p:to>
+                                        <p:strVal val="visible"/>
+                                      </p:to>
+                                    </p:set>
+                                    <p:animEffect transition="in" filter="fade">
+                                      <p:cBhvr>
+                                        <p:cTn id="26" dur="500"/>
+                                        <p:tgtEl>
+                                          <p:spTgt spid="11"/>
+                                        </p:tgtEl>
+                                      </p:cBhvr>
+                                    </p:animEffect>
+                                  </p:childTnLst>
+                                </p:cTn>
+                              </p:par>
+                            </p:childTnLst>
+                          </p:cTn>
+                        </p:par>
+                      </p:childTnLst>
+                    </p:cTn>
+                  </p:par>
+                  <p:par>
+                    <p:cTn id="27" fill="hold">
+                      <p:stCondLst>
+                        <p:cond delay="indefinite"/>
+                      </p:stCondLst>
+                      <p:childTnLst>
+                        <p:par>
+                          <p:cTn id="28" fill="hold">
+                            <p:stCondLst>
+                              <p:cond delay="0"/>
+                            </p:stCondLst>
+                            <p:childTnLst>
+                              <p:par>
+                                <p:cTn id="29" presetID="10" presetClass="entr" presetSubtype="0" fill="hold" grpId="0" nodeType="clickEffect">
+                                  <p:stCondLst>
+                                    <p:cond delay="0"/>
+                                  </p:stCondLst>
+                                  <p:childTnLst>
+                                    <p:set>
+                                      <p:cBhvr>
+                                        <p:cTn id="30" dur="1" fill="hold">
+                                          <p:stCondLst>
+                                            <p:cond delay="0"/>
+                                          </p:stCondLst>
+                                        </p:cTn>
+                                        <p:tgtEl>
+                                          <p:spTgt spid="12"/>
+                                        </p:tgtEl>
+                                        <p:attrNameLst>
+                                          <p:attrName>style.visibility</p:attrName>
+                                        </p:attrNameLst>
+                                      </p:cBhvr>
+                                      <p:to>
+                                        <p:strVal val="visible"/>
+                                      </p:to>
+                                    </p:set>
+                                    <p:animEffect transition="in" filter="fade">
+                                      <p:cBhvr>
+                                        <p:cTn id="31" dur="500"/>
+                                        <p:tgtEl>
+                                          <p:spTgt spid="12"/>
+                                        </p:tgtEl>
+                                      </p:cBhvr>
+                                    </p:animEffect>
+                                  </p:childTnLst>
+                                </p:cTn>
+                              </p:par>
+                              <p:par>
+                                <p:cTn id="32" presetID="10" presetClass="entr" presetSubtype="0" fill="hold" nodeType="withEffect">
+                                  <p:stCondLst>
+                                    <p:cond delay="0"/>
+                                  </p:stCondLst>
+                                  <p:childTnLst>
+                                    <p:set>
+                                      <p:cBhvr>
+                                        <p:cTn id="33" dur="1" fill="hold">
+                                          <p:stCondLst>
+                                            <p:cond delay="0"/>
+                                          </p:stCondLst>
+                                        </p:cTn>
+                                        <p:tgtEl>
+                                          <p:spTgt spid="3"/>
+                                        </p:tgtEl>
+                                        <p:attrNameLst>
+                                          <p:attrName>style.visibility</p:attrName>
+                                        </p:attrNameLst>
+                                      </p:cBhvr>
+                                      <p:to>
+                                        <p:strVal val="visible"/>
+                                      </p:to>
+                                    </p:set>
+                                    <p:animEffect transition="in" filter="fade">
+                                      <p:cBhvr>
+                                        <p:cTn id="34" dur="500"/>
+                                        <p:tgtEl>
+                                          <p:spTgt spid="3"/>
+                                        </p:tgtEl>
+                                      </p:cBhvr>
+                                    </p:animEffect>
+                                  </p:childTnLst>
+                                </p:cTn>
+                              </p:par>
+                            </p:childTnLst>
+                          </p:cTn>
+                        </p:par>
+                      </p:childTnLst>
+                    </p:cTn>
+                  </p:par>
+                  <p:par>
+                    <p:cTn id="35" fill="hold">
+                      <p:stCondLst>
+                        <p:cond delay="indefinite"/>
+                      </p:stCondLst>
+                      <p:childTnLst>
+                        <p:par>
+                          <p:cTn id="36" fill="hold">
+                            <p:stCondLst>
+                              <p:cond delay="0"/>
+                            </p:stCondLst>
+                            <p:childTnLst>
+                              <p:par>
+                                <p:cTn id="37" presetID="10" presetClass="entr" presetSubtype="0" fill="hold" nodeType="clickEffect">
+                                  <p:stCondLst>
+                                    <p:cond delay="0"/>
+                                  </p:stCondLst>
+                                  <p:childTnLst>
+                                    <p:set>
+                                      <p:cBhvr>
+                                        <p:cTn id="38" dur="1" fill="hold">
+                                          <p:stCondLst>
+                                            <p:cond delay="0"/>
+                                          </p:stCondLst>
+                                        </p:cTn>
+                                        <p:tgtEl>
+                                          <p:spTgt spid="14"/>
+                                        </p:tgtEl>
+                                        <p:attrNameLst>
+                                          <p:attrName>style.visibility</p:attrName>
+                                        </p:attrNameLst>
+                                      </p:cBhvr>
+                                      <p:to>
+                                        <p:strVal val="visible"/>
+                                      </p:to>
+                                    </p:set>
+                                    <p:animEffect transition="in" filter="fade">
+                                      <p:cBhvr>
+                                        <p:cTn id="39" dur="500"/>
+                                        <p:tgtEl>
+                                          <p:spTgt spid="14"/>
+                                        </p:tgtEl>
+                                      </p:cBhvr>
+                                    </p:animEffect>
+                                  </p:childTnLst>
+                                </p:cTn>
+                              </p:par>
+                              <p:par>
+                                <p:cTn id="40" presetID="10" presetClass="entr" presetSubtype="0" fill="hold" grpId="0" nodeType="withEffect">
+                                  <p:stCondLst>
+                                    <p:cond delay="0"/>
+                                  </p:stCondLst>
+                                  <p:childTnLst>
+                                    <p:set>
+                                      <p:cBhvr>
+                                        <p:cTn id="41" dur="1" fill="hold">
+                                          <p:stCondLst>
+                                            <p:cond delay="0"/>
+                                          </p:stCondLst>
+                                        </p:cTn>
+                                        <p:tgtEl>
+                                          <p:spTgt spid="13"/>
+                                        </p:tgtEl>
+                                        <p:attrNameLst>
+                                          <p:attrName>style.visibility</p:attrName>
+                                        </p:attrNameLst>
+                                      </p:cBhvr>
+                                      <p:to>
+                                        <p:strVal val="visible"/>
+                                      </p:to>
+                                    </p:set>
+                                    <p:animEffect transition="in" filter="fade">
+                                      <p:cBhvr>
+                                        <p:cTn id="42" dur="500"/>
+                                        <p:tgtEl>
+                                          <p:spTgt spid="13"/>
+                                        </p:tgtEl>
+                                      </p:cBhvr>
+                                    </p:animEffect>
+                                  </p:childTnLst>
+                                </p:cTn>
+                              </p:par>
+                            </p:childTnLst>
+                          </p:cTn>
+                        </p:par>
+                      </p:childTnLst>
+                    </p:cTn>
+                  </p:par>
+                </p:childTnLst>
+              </p:cTn>
+              <p:prevCondLst>
+                <p:cond evt="onPrev" delay="0">
+                  <p:tgtEl>
+                    <p:sldTgt/>
+                  </p:tgtEl>
+                </p:cond>
+              </p:prevCondLst>
+              <p:nextCondLst>
+                <p:cond evt="onNext" delay="0">
+                  <p:tgtEl>
+                    <p:sldTgt/>
+                  </p:tgtEl>
+                </p:cond>
+              </p:nextCondLst>
+            </p:seq>
+          </p:childTnLst>
+        </p:cTn>
+      </p:par>
+    </p:tnLst>
+    <p:bldLst>
+      <p:bldP spid="9" grpId="0"/>
+      <p:bldP spid="10" grpId="0"/>
+      <p:bldP spid="11" grpId="0"/>
+      <p:bldP spid="12" grpId="0"/>
+      <p:bldP spid="13" grpId="0"/>
+    </p:bldLst>
+  </p:timing>
+</p:sld>
+</file>
+
+<file path=ppt/slides/slide16.xml><?xml version="1.0" encoding="utf-8"?>
+<p:sld xmlns:a="http://schemas.openxmlformats.org/drawingml/2006/main" xmlns:r="http://schemas.openxmlformats.org/officeDocument/2006/relationships" xmlns:p="http://schemas.openxmlformats.org/presentationml/2006/main">
+  <p:cSld>
+    <p:spTree>
+      <p:nvGrpSpPr>
         <p:cNvPr id="1" name="Shape 174"/>
         <p:cNvGrpSpPr/>
         <p:nvPr/>
@@ -12709,7 +14603,7 @@
 </p:sld>
 </file>
 
-<file path=ppt/slides/slide16.xml><?xml version="1.0" encoding="utf-8"?>
+<file path=ppt/slides/slide17.xml><?xml version="1.0" encoding="utf-8"?>
 <p:sld xmlns:a="http://schemas.openxmlformats.org/drawingml/2006/main" xmlns:r="http://schemas.openxmlformats.org/officeDocument/2006/relationships" xmlns:p="http://schemas.openxmlformats.org/presentationml/2006/main">
   <p:cSld>
     <p:spTree>
@@ -12758,7 +14652,7 @@
             </a:pPr>
             <a:fld id="{00000000-1234-1234-1234-123412341234}" type="slidenum">
               <a:rPr lang="en" smtClean="0"/>
-              <a:t>16</a:t>
+              <a:t>17</a:t>
             </a:fld>
             <a:endParaRPr lang="en"/>
           </a:p>
@@ -13952,7 +15846,7 @@
 </p:sld>
 </file>
 
-<file path=ppt/slides/slide17.xml><?xml version="1.0" encoding="utf-8"?>
+<file path=ppt/slides/slide18.xml><?xml version="1.0" encoding="utf-8"?>
 <p:sld xmlns:a="http://schemas.openxmlformats.org/drawingml/2006/main" xmlns:r="http://schemas.openxmlformats.org/officeDocument/2006/relationships" xmlns:p="http://schemas.openxmlformats.org/presentationml/2006/main">
   <p:cSld>
     <p:spTree>
@@ -14256,7 +16150,7 @@
             </a:pPr>
             <a:fld id="{00000000-1234-1234-1234-123412341234}" type="slidenum">
               <a:rPr lang="de-DE" smtClean="0"/>
-              <a:t>17</a:t>
+              <a:t>18</a:t>
             </a:fld>
             <a:endParaRPr lang="de-DE"/>
           </a:p>

--- a/docs/Praesentation_Prototyp/Prototyp_Präsentation.pptx
+++ b/docs/Praesentation_Prototyp/Prototyp_Präsentation.pptx
@@ -5,7 +5,7 @@
     <p:sldMasterId id="2147483660" r:id="rId1"/>
   </p:sldMasterIdLst>
   <p:notesMasterIdLst>
-    <p:notesMasterId r:id="rId20"/>
+    <p:notesMasterId r:id="rId19"/>
   </p:notesMasterIdLst>
   <p:sldIdLst>
     <p:sldId id="298" r:id="rId2"/>
@@ -17,32 +17,31 @@
     <p:sldId id="296" r:id="rId8"/>
     <p:sldId id="260" r:id="rId9"/>
     <p:sldId id="286" r:id="rId10"/>
-    <p:sldId id="292" r:id="rId11"/>
-    <p:sldId id="293" r:id="rId12"/>
-    <p:sldId id="300" r:id="rId13"/>
-    <p:sldId id="301" r:id="rId14"/>
-    <p:sldId id="302" r:id="rId15"/>
-    <p:sldId id="303" r:id="rId16"/>
-    <p:sldId id="288" r:id="rId17"/>
-    <p:sldId id="289" r:id="rId18"/>
-    <p:sldId id="282" r:id="rId19"/>
+    <p:sldId id="293" r:id="rId11"/>
+    <p:sldId id="300" r:id="rId12"/>
+    <p:sldId id="301" r:id="rId13"/>
+    <p:sldId id="302" r:id="rId14"/>
+    <p:sldId id="303" r:id="rId15"/>
+    <p:sldId id="288" r:id="rId16"/>
+    <p:sldId id="289" r:id="rId17"/>
+    <p:sldId id="282" r:id="rId18"/>
   </p:sldIdLst>
   <p:sldSz cx="9144000" cy="5143500" type="screen16x9"/>
   <p:notesSz cx="6858000" cy="9144000"/>
   <p:embeddedFontLst>
     <p:embeddedFont>
-      <p:font typeface="Poppins" panose="020B0604020202020204" charset="0"/>
-      <p:regular r:id="rId21"/>
-      <p:bold r:id="rId22"/>
-      <p:italic r:id="rId23"/>
-      <p:boldItalic r:id="rId24"/>
+      <p:font typeface="Poppins" pitchFamily="2" charset="77"/>
+      <p:regular r:id="rId20"/>
+      <p:bold r:id="rId21"/>
+      <p:italic r:id="rId22"/>
+      <p:boldItalic r:id="rId23"/>
     </p:embeddedFont>
     <p:embeddedFont>
-      <p:font typeface="Poppins Light" panose="020B0604020202020204" charset="0"/>
-      <p:regular r:id="rId25"/>
-      <p:bold r:id="rId26"/>
-      <p:italic r:id="rId27"/>
-      <p:boldItalic r:id="rId28"/>
+      <p:font typeface="Poppins Light" pitchFamily="2" charset="77"/>
+      <p:regular r:id="rId24"/>
+      <p:bold r:id="rId25"/>
+      <p:italic r:id="rId26"/>
+      <p:boldItalic r:id="rId27"/>
     </p:embeddedFont>
   </p:embeddedFontLst>
   <p:defaultTextStyle>
@@ -813,6 +812,10 @@
               </a:spcAft>
               <a:buNone/>
             </a:pPr>
+            <a:r>
+              <a:rPr lang="de-DE" dirty="0"/>
+              <a:t>Bildschirmschoner</a:t>
+            </a:r>
             <a:endParaRPr dirty="0"/>
           </a:p>
         </p:txBody>
@@ -826,123 +829,6 @@
 </file>
 
 <file path=ppt/notesSlides/notesSlide10.xml><?xml version="1.0" encoding="utf-8"?>
-<p:notes xmlns:a="http://schemas.openxmlformats.org/drawingml/2006/main" xmlns:r="http://schemas.openxmlformats.org/officeDocument/2006/relationships" xmlns:p="http://schemas.openxmlformats.org/presentationml/2006/main">
-  <p:cSld>
-    <p:spTree>
-      <p:nvGrpSpPr>
-        <p:cNvPr id="1" name=""/>
-        <p:cNvGrpSpPr/>
-        <p:nvPr/>
-      </p:nvGrpSpPr>
-      <p:grpSpPr>
-        <a:xfrm>
-          <a:off x="0" y="0"/>
-          <a:ext cx="0" cy="0"/>
-          <a:chOff x="0" y="0"/>
-          <a:chExt cx="0" cy="0"/>
-        </a:xfrm>
-      </p:grpSpPr>
-      <p:sp>
-        <p:nvSpPr>
-          <p:cNvPr id="2" name="Slide Image Placeholder 1"/>
-          <p:cNvSpPr>
-            <a:spLocks noGrp="1" noRot="1" noChangeAspect="1"/>
-          </p:cNvSpPr>
-          <p:nvPr>
-            <p:ph type="sldImg"/>
-          </p:nvPr>
-        </p:nvSpPr>
-        <p:spPr>
-          <a:xfrm>
-            <a:off x="381000" y="685800"/>
-            <a:ext cx="6096000" cy="3429000"/>
-          </a:xfrm>
-        </p:spPr>
-      </p:sp>
-      <p:sp>
-        <p:nvSpPr>
-          <p:cNvPr id="3" name="Notes Placeholder 2"/>
-          <p:cNvSpPr>
-            <a:spLocks noGrp="1"/>
-          </p:cNvSpPr>
-          <p:nvPr>
-            <p:ph type="body" idx="1"/>
-          </p:nvPr>
-        </p:nvSpPr>
-        <p:spPr/>
-        <p:txBody>
-          <a:bodyPr/>
-          <a:lstStyle/>
-          <a:p>
-            <a:pPr marL="139700" indent="0">
-              <a:buNone/>
-            </a:pPr>
-            <a:r>
-              <a:rPr lang="en-US" dirty="0" err="1"/>
-              <a:t>Besondere</a:t>
-            </a:r>
-            <a:r>
-              <a:rPr lang="en-US" dirty="0"/>
-              <a:t> </a:t>
-            </a:r>
-            <a:r>
-              <a:rPr lang="en-US" dirty="0" err="1"/>
-              <a:t>teschniche</a:t>
-            </a:r>
-            <a:r>
-              <a:rPr lang="en-US" dirty="0"/>
-              <a:t> </a:t>
-            </a:r>
-            <a:r>
-              <a:rPr lang="en-US" dirty="0" err="1"/>
-              <a:t>Herausforderung</a:t>
-            </a:r>
-            <a:r>
-              <a:rPr lang="en-US" dirty="0"/>
-              <a:t>: </a:t>
-            </a:r>
-            <a:r>
-              <a:rPr lang="en-US" dirty="0" err="1"/>
-              <a:t>Applikation</a:t>
-            </a:r>
-            <a:r>
-              <a:rPr lang="en-US" dirty="0"/>
-              <a:t> von </a:t>
-            </a:r>
-            <a:r>
-              <a:rPr lang="en-US" dirty="0" err="1"/>
-              <a:t>überall</a:t>
-            </a:r>
-            <a:r>
-              <a:rPr lang="en-US" dirty="0"/>
-              <a:t> </a:t>
-            </a:r>
-            <a:r>
-              <a:rPr lang="en-US" dirty="0" err="1"/>
-              <a:t>erreichbar</a:t>
-            </a:r>
-            <a:r>
-              <a:rPr lang="en-US" dirty="0"/>
-              <a:t>. Web, Mobile, etc.</a:t>
-            </a:r>
-            <a:endParaRPr lang="en-DE" dirty="0"/>
-          </a:p>
-        </p:txBody>
-      </p:sp>
-    </p:spTree>
-    <p:extLst>
-      <p:ext uri="{BB962C8B-B14F-4D97-AF65-F5344CB8AC3E}">
-        <p14:creationId xmlns:p14="http://schemas.microsoft.com/office/powerpoint/2010/main" val="3009084432"/>
-      </p:ext>
-    </p:extLst>
-  </p:cSld>
-  <p:clrMapOvr>
-    <a:masterClrMapping/>
-  </p:clrMapOvr>
-</p:notes>
-</file>
-
-<file path=ppt/notesSlides/notesSlide11.xml><?xml version="1.0" encoding="utf-8"?>
 <p:notes xmlns:a="http://schemas.openxmlformats.org/drawingml/2006/main" xmlns:r="http://schemas.openxmlformats.org/officeDocument/2006/relationships" xmlns:p="http://schemas.openxmlformats.org/presentationml/2006/main" showMasterSp="0" showMasterPhAnim="0">
   <p:cSld>
     <p:spTree>
@@ -1059,7 +945,7 @@
 </p:notes>
 </file>
 
-<file path=ppt/notesSlides/notesSlide12.xml><?xml version="1.0" encoding="utf-8"?>
+<file path=ppt/notesSlides/notesSlide11.xml><?xml version="1.0" encoding="utf-8"?>
 <p:notes xmlns:a="http://schemas.openxmlformats.org/drawingml/2006/main" xmlns:r="http://schemas.openxmlformats.org/officeDocument/2006/relationships" xmlns:p="http://schemas.openxmlformats.org/presentationml/2006/main" showMasterSp="0" showMasterPhAnim="0">
   <p:cSld>
     <p:spTree>
@@ -1255,6 +1141,162 @@
 </p:notes>
 </file>
 
+<file path=ppt/notesSlides/notesSlide12.xml><?xml version="1.0" encoding="utf-8"?>
+<p:notes xmlns:a="http://schemas.openxmlformats.org/drawingml/2006/main" xmlns:r="http://schemas.openxmlformats.org/officeDocument/2006/relationships" xmlns:p="http://schemas.openxmlformats.org/presentationml/2006/main">
+  <p:cSld>
+    <p:spTree>
+      <p:nvGrpSpPr>
+        <p:cNvPr id="1" name=""/>
+        <p:cNvGrpSpPr/>
+        <p:nvPr/>
+      </p:nvGrpSpPr>
+      <p:grpSpPr>
+        <a:xfrm>
+          <a:off x="0" y="0"/>
+          <a:ext cx="0" cy="0"/>
+          <a:chOff x="0" y="0"/>
+          <a:chExt cx="0" cy="0"/>
+        </a:xfrm>
+      </p:grpSpPr>
+      <p:sp>
+        <p:nvSpPr>
+          <p:cNvPr id="2" name="Slide Image Placeholder 1"/>
+          <p:cNvSpPr>
+            <a:spLocks noGrp="1" noRot="1" noChangeAspect="1"/>
+          </p:cNvSpPr>
+          <p:nvPr>
+            <p:ph type="sldImg"/>
+          </p:nvPr>
+        </p:nvSpPr>
+        <p:spPr>
+          <a:xfrm>
+            <a:off x="381000" y="685800"/>
+            <a:ext cx="6096000" cy="3429000"/>
+          </a:xfrm>
+        </p:spPr>
+      </p:sp>
+      <p:sp>
+        <p:nvSpPr>
+          <p:cNvPr id="3" name="Notes Placeholder 2"/>
+          <p:cNvSpPr>
+            <a:spLocks noGrp="1"/>
+          </p:cNvSpPr>
+          <p:nvPr>
+            <p:ph type="body" idx="1"/>
+          </p:nvPr>
+        </p:nvSpPr>
+        <p:spPr/>
+        <p:txBody>
+          <a:bodyPr/>
+          <a:lstStyle/>
+          <a:p>
+            <a:pPr marL="139700" indent="0">
+              <a:buNone/>
+            </a:pPr>
+            <a:r>
+              <a:rPr lang="en-US" dirty="0"/>
+              <a:t>Problem </a:t>
+            </a:r>
+            <a:r>
+              <a:rPr lang="en-US" dirty="0" err="1"/>
+              <a:t>kurz</a:t>
+            </a:r>
+            <a:r>
+              <a:rPr lang="en-US" dirty="0"/>
+              <a:t> </a:t>
+            </a:r>
+            <a:r>
+              <a:rPr lang="en-US" dirty="0" err="1"/>
+              <a:t>näher</a:t>
+            </a:r>
+            <a:r>
+              <a:rPr lang="en-US" dirty="0"/>
+              <a:t> </a:t>
+            </a:r>
+            <a:r>
+              <a:rPr lang="en-US" dirty="0" err="1"/>
+              <a:t>bringen</a:t>
+            </a:r>
+            <a:endParaRPr lang="en-US" dirty="0"/>
+          </a:p>
+          <a:p>
+            <a:pPr marL="139700" indent="0">
+              <a:buNone/>
+            </a:pPr>
+            <a:r>
+              <a:rPr lang="en-US" dirty="0"/>
+              <a:t>Mobile, Web </a:t>
+            </a:r>
+            <a:r>
+              <a:rPr lang="en-US" dirty="0" err="1"/>
+              <a:t>arbeiten</a:t>
+            </a:r>
+            <a:r>
+              <a:rPr lang="en-US" dirty="0"/>
+              <a:t> </a:t>
+            </a:r>
+            <a:r>
+              <a:rPr lang="en-US" dirty="0" err="1"/>
+              <a:t>anders</a:t>
+            </a:r>
+            <a:r>
+              <a:rPr lang="en-US" dirty="0"/>
+              <a:t>, </a:t>
+            </a:r>
+            <a:r>
+              <a:rPr lang="en-US" dirty="0" err="1"/>
+              <a:t>anders</a:t>
+            </a:r>
+            <a:r>
+              <a:rPr lang="en-US" dirty="0"/>
+              <a:t> </a:t>
+            </a:r>
+            <a:r>
+              <a:rPr lang="en-US" dirty="0" err="1"/>
+              <a:t>Prinzip</a:t>
+            </a:r>
+            <a:endParaRPr lang="en-US" dirty="0"/>
+          </a:p>
+          <a:p>
+            <a:pPr marL="139700" indent="0">
+              <a:buNone/>
+            </a:pPr>
+            <a:endParaRPr lang="en-US" dirty="0"/>
+          </a:p>
+          <a:p>
+            <a:pPr marL="368300" indent="-228600">
+              <a:buAutoNum type="arabicPeriod"/>
+            </a:pPr>
+            <a:r>
+              <a:rPr lang="en-US" dirty="0"/>
+              <a:t>Mobile</a:t>
+            </a:r>
+          </a:p>
+          <a:p>
+            <a:pPr marL="368300" indent="-228600">
+              <a:buAutoNum type="arabicPeriod"/>
+            </a:pPr>
+            <a:r>
+              <a:rPr lang="en-US" dirty="0"/>
+              <a:t>Web Browser</a:t>
+            </a:r>
+            <a:endParaRPr lang="en-DE" dirty="0"/>
+          </a:p>
+        </p:txBody>
+      </p:sp>
+    </p:spTree>
+    <p:extLst>
+      <p:ext uri="{BB962C8B-B14F-4D97-AF65-F5344CB8AC3E}">
+        <p14:creationId xmlns:p14="http://schemas.microsoft.com/office/powerpoint/2010/main" val="3353167397"/>
+      </p:ext>
+    </p:extLst>
+  </p:cSld>
+  <p:clrMapOvr>
+    <a:masterClrMapping/>
+  </p:clrMapOvr>
+</p:notes>
+</file>
+
 <file path=ppt/notesSlides/notesSlide13.xml><?xml version="1.0" encoding="utf-8"?>
 <p:notes xmlns:a="http://schemas.openxmlformats.org/drawingml/2006/main" xmlns:r="http://schemas.openxmlformats.org/officeDocument/2006/relationships" xmlns:p="http://schemas.openxmlformats.org/presentationml/2006/main">
   <p:cSld>
@@ -1308,162 +1350,6 @@
               <a:buNone/>
             </a:pPr>
             <a:r>
-              <a:rPr lang="en-US" dirty="0"/>
-              <a:t>Problem </a:t>
-            </a:r>
-            <a:r>
-              <a:rPr lang="en-US" dirty="0" err="1"/>
-              <a:t>kurz</a:t>
-            </a:r>
-            <a:r>
-              <a:rPr lang="en-US" dirty="0"/>
-              <a:t> </a:t>
-            </a:r>
-            <a:r>
-              <a:rPr lang="en-US" dirty="0" err="1"/>
-              <a:t>näher</a:t>
-            </a:r>
-            <a:r>
-              <a:rPr lang="en-US" dirty="0"/>
-              <a:t> </a:t>
-            </a:r>
-            <a:r>
-              <a:rPr lang="en-US" dirty="0" err="1"/>
-              <a:t>bringen</a:t>
-            </a:r>
-            <a:endParaRPr lang="en-US" dirty="0"/>
-          </a:p>
-          <a:p>
-            <a:pPr marL="139700" indent="0">
-              <a:buNone/>
-            </a:pPr>
-            <a:r>
-              <a:rPr lang="en-US" dirty="0"/>
-              <a:t>Mobile, Web </a:t>
-            </a:r>
-            <a:r>
-              <a:rPr lang="en-US" dirty="0" err="1"/>
-              <a:t>arbeiten</a:t>
-            </a:r>
-            <a:r>
-              <a:rPr lang="en-US" dirty="0"/>
-              <a:t> </a:t>
-            </a:r>
-            <a:r>
-              <a:rPr lang="en-US" dirty="0" err="1"/>
-              <a:t>anders</a:t>
-            </a:r>
-            <a:r>
-              <a:rPr lang="en-US" dirty="0"/>
-              <a:t>, </a:t>
-            </a:r>
-            <a:r>
-              <a:rPr lang="en-US" dirty="0" err="1"/>
-              <a:t>anders</a:t>
-            </a:r>
-            <a:r>
-              <a:rPr lang="en-US" dirty="0"/>
-              <a:t> </a:t>
-            </a:r>
-            <a:r>
-              <a:rPr lang="en-US" dirty="0" err="1"/>
-              <a:t>Prinzip</a:t>
-            </a:r>
-            <a:endParaRPr lang="en-US" dirty="0"/>
-          </a:p>
-          <a:p>
-            <a:pPr marL="139700" indent="0">
-              <a:buNone/>
-            </a:pPr>
-            <a:endParaRPr lang="en-US" dirty="0"/>
-          </a:p>
-          <a:p>
-            <a:pPr marL="368300" indent="-228600">
-              <a:buAutoNum type="arabicPeriod"/>
-            </a:pPr>
-            <a:r>
-              <a:rPr lang="en-US" dirty="0"/>
-              <a:t>Mobile</a:t>
-            </a:r>
-          </a:p>
-          <a:p>
-            <a:pPr marL="368300" indent="-228600">
-              <a:buAutoNum type="arabicPeriod"/>
-            </a:pPr>
-            <a:r>
-              <a:rPr lang="en-US" dirty="0"/>
-              <a:t>Web Browser</a:t>
-            </a:r>
-            <a:endParaRPr lang="en-DE" dirty="0"/>
-          </a:p>
-        </p:txBody>
-      </p:sp>
-    </p:spTree>
-    <p:extLst>
-      <p:ext uri="{BB962C8B-B14F-4D97-AF65-F5344CB8AC3E}">
-        <p14:creationId xmlns:p14="http://schemas.microsoft.com/office/powerpoint/2010/main" val="3353167397"/>
-      </p:ext>
-    </p:extLst>
-  </p:cSld>
-  <p:clrMapOvr>
-    <a:masterClrMapping/>
-  </p:clrMapOvr>
-</p:notes>
-</file>
-
-<file path=ppt/notesSlides/notesSlide14.xml><?xml version="1.0" encoding="utf-8"?>
-<p:notes xmlns:a="http://schemas.openxmlformats.org/drawingml/2006/main" xmlns:r="http://schemas.openxmlformats.org/officeDocument/2006/relationships" xmlns:p="http://schemas.openxmlformats.org/presentationml/2006/main">
-  <p:cSld>
-    <p:spTree>
-      <p:nvGrpSpPr>
-        <p:cNvPr id="1" name=""/>
-        <p:cNvGrpSpPr/>
-        <p:nvPr/>
-      </p:nvGrpSpPr>
-      <p:grpSpPr>
-        <a:xfrm>
-          <a:off x="0" y="0"/>
-          <a:ext cx="0" cy="0"/>
-          <a:chOff x="0" y="0"/>
-          <a:chExt cx="0" cy="0"/>
-        </a:xfrm>
-      </p:grpSpPr>
-      <p:sp>
-        <p:nvSpPr>
-          <p:cNvPr id="2" name="Slide Image Placeholder 1"/>
-          <p:cNvSpPr>
-            <a:spLocks noGrp="1" noRot="1" noChangeAspect="1"/>
-          </p:cNvSpPr>
-          <p:nvPr>
-            <p:ph type="sldImg"/>
-          </p:nvPr>
-        </p:nvSpPr>
-        <p:spPr>
-          <a:xfrm>
-            <a:off x="381000" y="685800"/>
-            <a:ext cx="6096000" cy="3429000"/>
-          </a:xfrm>
-        </p:spPr>
-      </p:sp>
-      <p:sp>
-        <p:nvSpPr>
-          <p:cNvPr id="3" name="Notes Placeholder 2"/>
-          <p:cNvSpPr>
-            <a:spLocks noGrp="1"/>
-          </p:cNvSpPr>
-          <p:nvPr>
-            <p:ph type="body" idx="1"/>
-          </p:nvPr>
-        </p:nvSpPr>
-        <p:spPr/>
-        <p:txBody>
-          <a:bodyPr/>
-          <a:lstStyle/>
-          <a:p>
-            <a:pPr marL="139700" indent="0">
-              <a:buNone/>
-            </a:pPr>
-            <a:r>
               <a:rPr lang="en-US" dirty="0" err="1"/>
               <a:t>Etwas</a:t>
             </a:r>
@@ -1924,7 +1810,7 @@
 </p:notes>
 </file>
 
-<file path=ppt/notesSlides/notesSlide15.xml><?xml version="1.0" encoding="utf-8"?>
+<file path=ppt/notesSlides/notesSlide14.xml><?xml version="1.0" encoding="utf-8"?>
 <p:notes xmlns:a="http://schemas.openxmlformats.org/drawingml/2006/main" xmlns:r="http://schemas.openxmlformats.org/officeDocument/2006/relationships" xmlns:p="http://schemas.openxmlformats.org/presentationml/2006/main" showMasterSp="0" showMasterPhAnim="0">
   <p:cSld>
     <p:spTree>
@@ -2065,7 +1951,7 @@
 </p:notes>
 </file>
 
-<file path=ppt/notesSlides/notesSlide16.xml><?xml version="1.0" encoding="utf-8"?>
+<file path=ppt/notesSlides/notesSlide15.xml><?xml version="1.0" encoding="utf-8"?>
 <p:notes xmlns:a="http://schemas.openxmlformats.org/drawingml/2006/main" xmlns:r="http://schemas.openxmlformats.org/officeDocument/2006/relationships" xmlns:p="http://schemas.openxmlformats.org/presentationml/2006/main">
   <p:cSld>
     <p:spTree>
@@ -2255,7 +2141,7 @@
 </p:notes>
 </file>
 
-<file path=ppt/notesSlides/notesSlide17.xml><?xml version="1.0" encoding="utf-8"?>
+<file path=ppt/notesSlides/notesSlide16.xml><?xml version="1.0" encoding="utf-8"?>
 <p:notes xmlns:a="http://schemas.openxmlformats.org/drawingml/2006/main" xmlns:r="http://schemas.openxmlformats.org/officeDocument/2006/relationships" xmlns:p="http://schemas.openxmlformats.org/presentationml/2006/main" showMasterSp="0" showMasterPhAnim="0">
   <p:cSld>
     <p:spTree>
@@ -3491,6 +3377,179 @@
           </a:bodyPr>
           <a:lstStyle/>
           <a:p>
+            <a:r>
+              <a:rPr lang="de-DE" sz="1100" b="0" i="0" u="none" strike="noStrike" cap="none" dirty="0">
+                <a:solidFill>
+                  <a:srgbClr val="000000"/>
+                </a:solidFill>
+                <a:effectLst/>
+                <a:latin typeface="Arial"/>
+                <a:ea typeface="Arial"/>
+                <a:cs typeface="Arial"/>
+                <a:sym typeface="Arial"/>
+              </a:rPr>
+              <a:t>Fahri Opa Diesel</a:t>
+            </a:r>
+          </a:p>
+          <a:p>
+            <a:r>
+              <a:rPr lang="de-DE" sz="1100" b="0" i="0" u="none" strike="noStrike" cap="none" dirty="0">
+                <a:solidFill>
+                  <a:srgbClr val="000000"/>
+                </a:solidFill>
+                <a:effectLst/>
+                <a:latin typeface="Arial"/>
+                <a:ea typeface="Arial"/>
+                <a:cs typeface="Arial"/>
+                <a:sym typeface="Arial"/>
+              </a:rPr>
+              <a:t>Menschen Städte Köln</a:t>
+            </a:r>
+          </a:p>
+          <a:p>
+            <a:r>
+              <a:rPr lang="de-DE" sz="1100" b="0" i="0" u="none" strike="noStrike" cap="none" dirty="0">
+                <a:solidFill>
+                  <a:srgbClr val="000000"/>
+                </a:solidFill>
+                <a:effectLst/>
+                <a:latin typeface="Arial"/>
+                <a:ea typeface="Arial"/>
+                <a:cs typeface="Arial"/>
+                <a:sym typeface="Arial"/>
+              </a:rPr>
+              <a:t>Verbot für Diesel</a:t>
+            </a:r>
+          </a:p>
+          <a:p>
+            <a:r>
+              <a:rPr lang="de-DE" sz="1100" b="0" i="0" u="none" strike="noStrike" cap="none" dirty="0">
+                <a:solidFill>
+                  <a:srgbClr val="000000"/>
+                </a:solidFill>
+                <a:effectLst/>
+                <a:latin typeface="Arial"/>
+                <a:ea typeface="Arial"/>
+                <a:cs typeface="Arial"/>
+                <a:sym typeface="Arial"/>
+              </a:rPr>
+              <a:t>Timing von </a:t>
+            </a:r>
+            <a:r>
+              <a:rPr lang="de-DE" sz="1100" b="0" i="0" u="none" strike="noStrike" cap="none" dirty="0" err="1">
+                <a:solidFill>
+                  <a:srgbClr val="000000"/>
+                </a:solidFill>
+                <a:effectLst/>
+                <a:latin typeface="Arial"/>
+                <a:ea typeface="Arial"/>
+                <a:cs typeface="Arial"/>
+                <a:sym typeface="Arial"/>
+              </a:rPr>
+              <a:t>Jarzina</a:t>
+            </a:r>
+            <a:endParaRPr lang="de-DE" sz="1100" b="0" i="0" u="none" strike="noStrike" cap="none" dirty="0">
+              <a:solidFill>
+                <a:srgbClr val="000000"/>
+              </a:solidFill>
+              <a:effectLst/>
+              <a:latin typeface="Arial"/>
+              <a:ea typeface="Arial"/>
+              <a:cs typeface="Arial"/>
+              <a:sym typeface="Arial"/>
+            </a:endParaRPr>
+          </a:p>
+          <a:p>
+            <a:r>
+              <a:rPr lang="de-DE" sz="1100" b="0" i="0" u="none" strike="noStrike" cap="none" dirty="0">
+                <a:solidFill>
+                  <a:srgbClr val="000000"/>
+                </a:solidFill>
+                <a:effectLst/>
+                <a:latin typeface="Arial"/>
+                <a:ea typeface="Arial"/>
+                <a:cs typeface="Arial"/>
+                <a:sym typeface="Arial"/>
+              </a:rPr>
+              <a:t>Opa noch keine Idee</a:t>
+            </a:r>
+          </a:p>
+          <a:p>
+            <a:r>
+              <a:rPr lang="de-DE" sz="1100" b="0" i="0" u="none" strike="noStrike" cap="none" dirty="0">
+                <a:solidFill>
+                  <a:srgbClr val="000000"/>
+                </a:solidFill>
+                <a:effectLst/>
+                <a:latin typeface="Arial"/>
+                <a:ea typeface="Arial"/>
+                <a:cs typeface="Arial"/>
+                <a:sym typeface="Arial"/>
+              </a:rPr>
+              <a:t>Aber neues Auto</a:t>
+            </a:r>
+          </a:p>
+          <a:p>
+            <a:r>
+              <a:rPr lang="de-DE" sz="1100" b="0" i="0" u="none" strike="noStrike" cap="none" dirty="0">
+                <a:solidFill>
+                  <a:srgbClr val="000000"/>
+                </a:solidFill>
+                <a:effectLst/>
+                <a:latin typeface="Arial"/>
+                <a:ea typeface="Arial"/>
+                <a:cs typeface="Arial"/>
+                <a:sym typeface="Arial"/>
+              </a:rPr>
+              <a:t>Welche E-Autos (alle)</a:t>
+            </a:r>
+          </a:p>
+          <a:p>
+            <a:r>
+              <a:rPr lang="de-DE" sz="1100" b="0" i="0" u="none" strike="noStrike" cap="none" dirty="0">
+                <a:solidFill>
+                  <a:srgbClr val="000000"/>
+                </a:solidFill>
+                <a:effectLst/>
+                <a:latin typeface="Arial"/>
+                <a:ea typeface="Arial"/>
+                <a:cs typeface="Arial"/>
+                <a:sym typeface="Arial"/>
+              </a:rPr>
+              <a:t>Welche E-Autos (aktuell)</a:t>
+            </a:r>
+          </a:p>
+          <a:p>
+            <a:r>
+              <a:rPr lang="de-DE" sz="1100" b="0" i="0" u="none" strike="noStrike" cap="none" dirty="0">
+                <a:solidFill>
+                  <a:srgbClr val="000000"/>
+                </a:solidFill>
+                <a:effectLst/>
+                <a:latin typeface="Arial"/>
+                <a:ea typeface="Arial"/>
+                <a:cs typeface="Arial"/>
+                <a:sym typeface="Arial"/>
+              </a:rPr>
+              <a:t>Opas bedarf (Strecke pro Ladung)</a:t>
+            </a:r>
+          </a:p>
+          <a:p>
+            <a:r>
+              <a:rPr lang="de-DE" sz="1100" b="0" i="0" u="none" strike="noStrike" cap="none" dirty="0">
+                <a:solidFill>
+                  <a:srgbClr val="000000"/>
+                </a:solidFill>
+                <a:effectLst/>
+                <a:latin typeface="Arial"/>
+                <a:ea typeface="Arial"/>
+                <a:cs typeface="Arial"/>
+                <a:sym typeface="Arial"/>
+              </a:rPr>
+              <a:t>Vorstellen unserer Hilfestellung</a:t>
+            </a:r>
+          </a:p>
+          <a:p>
             <a:pPr marL="0" lvl="0" indent="0" algn="l" rtl="0">
               <a:spcBef>
                 <a:spcPts val="0"/>
@@ -3500,122 +3559,6 @@
               </a:spcAft>
               <a:buNone/>
             </a:pPr>
-            <a:r>
-              <a:rPr lang="en-US" dirty="0" err="1"/>
-              <a:t>Ggf</a:t>
-            </a:r>
-            <a:r>
-              <a:rPr lang="en-US" dirty="0"/>
-              <a:t>. </a:t>
-            </a:r>
-            <a:r>
-              <a:rPr lang="en-US" dirty="0" err="1"/>
-              <a:t>Im</a:t>
-            </a:r>
-            <a:r>
-              <a:rPr lang="en-US" dirty="0"/>
-              <a:t> </a:t>
-            </a:r>
-            <a:r>
-              <a:rPr lang="en-US" dirty="0" err="1"/>
-              <a:t>nebenssatz</a:t>
-            </a:r>
-            <a:r>
-              <a:rPr lang="en-US" dirty="0"/>
-              <a:t> </a:t>
-            </a:r>
-            <a:r>
-              <a:rPr lang="en-US" dirty="0" err="1"/>
-              <a:t>erwähnen</a:t>
-            </a:r>
-            <a:r>
-              <a:rPr lang="en-US" dirty="0"/>
-              <a:t>, das </a:t>
-            </a:r>
-            <a:r>
-              <a:rPr lang="en-US" dirty="0" err="1"/>
-              <a:t>Anmelden</a:t>
-            </a:r>
-            <a:r>
-              <a:rPr lang="en-US" dirty="0"/>
-              <a:t> und </a:t>
-            </a:r>
-            <a:r>
-              <a:rPr lang="en-US" dirty="0" err="1"/>
-              <a:t>Registrieren</a:t>
-            </a:r>
-            <a:r>
-              <a:rPr lang="en-US" dirty="0"/>
-              <a:t> </a:t>
-            </a:r>
-            <a:r>
-              <a:rPr lang="en-US" dirty="0" err="1"/>
-              <a:t>fertig</a:t>
-            </a:r>
-            <a:r>
-              <a:rPr lang="en-US" dirty="0"/>
-              <a:t> </a:t>
-            </a:r>
-            <a:r>
-              <a:rPr lang="en-US" dirty="0" err="1"/>
-              <a:t>ist</a:t>
-            </a:r>
-            <a:r>
-              <a:rPr lang="en-US" dirty="0"/>
-              <a:t>, </a:t>
-            </a:r>
-            <a:r>
-              <a:rPr lang="en-US" dirty="0" err="1"/>
-              <a:t>aber</a:t>
-            </a:r>
-            <a:r>
-              <a:rPr lang="en-US" dirty="0"/>
-              <a:t> </a:t>
-            </a:r>
-            <a:r>
-              <a:rPr lang="en-US" dirty="0" err="1"/>
-              <a:t>aus</a:t>
-            </a:r>
-            <a:r>
-              <a:rPr lang="en-US" dirty="0"/>
-              <a:t> </a:t>
-            </a:r>
-            <a:r>
-              <a:rPr lang="en-US" dirty="0" err="1"/>
-              <a:t>banalität</a:t>
-            </a:r>
-            <a:r>
-              <a:rPr lang="en-US" dirty="0"/>
-              <a:t> und </a:t>
-            </a:r>
-            <a:r>
-              <a:rPr lang="en-US" dirty="0" err="1"/>
-              <a:t>zeitgründen</a:t>
-            </a:r>
-            <a:r>
-              <a:rPr lang="en-US" dirty="0"/>
-              <a:t> </a:t>
-            </a:r>
-            <a:r>
-              <a:rPr lang="en-US" dirty="0" err="1"/>
-              <a:t>nicht</a:t>
-            </a:r>
-            <a:r>
-              <a:rPr lang="en-US" dirty="0"/>
-              <a:t> </a:t>
-            </a:r>
-            <a:r>
-              <a:rPr lang="en-US" dirty="0" err="1"/>
-              <a:t>vorgeführt</a:t>
-            </a:r>
-            <a:r>
-              <a:rPr lang="en-US" dirty="0"/>
-              <a:t> </a:t>
-            </a:r>
-            <a:r>
-              <a:rPr lang="en-US" dirty="0" err="1"/>
-              <a:t>wird</a:t>
-            </a:r>
             <a:endParaRPr dirty="0"/>
           </a:p>
         </p:txBody>
@@ -3687,24 +3630,7 @@
             </a:pPr>
             <a:r>
               <a:rPr lang="en-US" dirty="0" err="1"/>
-              <a:t>Savety</a:t>
-            </a:r>
-            <a:r>
-              <a:rPr lang="en-US" dirty="0"/>
-              <a:t> first.</a:t>
-            </a:r>
-          </a:p>
-          <a:p>
-            <a:pPr marL="139700" indent="0">
-              <a:buNone/>
-            </a:pPr>
-            <a:r>
-              <a:rPr lang="en-US" dirty="0"/>
-              <a:t>Falls DEMO </a:t>
-            </a:r>
-            <a:r>
-              <a:rPr lang="en-US" dirty="0" err="1"/>
-              <a:t>aus</a:t>
+              <a:t>Besondere</a:t>
             </a:r>
             <a:r>
               <a:rPr lang="en-US" dirty="0"/>
@@ -3712,7 +3638,7 @@
             </a:r>
             <a:r>
               <a:rPr lang="en-US" dirty="0" err="1"/>
-              <a:t>irgendeinem</a:t>
+              <a:t>teschniche</a:t>
             </a:r>
             <a:r>
               <a:rPr lang="en-US" dirty="0"/>
@@ -3720,7 +3646,23 @@
             </a:r>
             <a:r>
               <a:rPr lang="en-US" dirty="0" err="1"/>
-              <a:t>Grund</a:t>
+              <a:t>Herausforderung</a:t>
+            </a:r>
+            <a:r>
+              <a:rPr lang="en-US" dirty="0"/>
+              <a:t>: </a:t>
+            </a:r>
+            <a:r>
+              <a:rPr lang="en-US" dirty="0" err="1"/>
+              <a:t>Applikation</a:t>
+            </a:r>
+            <a:r>
+              <a:rPr lang="en-US" dirty="0"/>
+              <a:t> von </a:t>
+            </a:r>
+            <a:r>
+              <a:rPr lang="en-US" dirty="0" err="1"/>
+              <a:t>überall</a:t>
             </a:r>
             <a:r>
               <a:rPr lang="en-US" dirty="0"/>
@@ -3728,191 +3670,11 @@
             </a:r>
             <a:r>
               <a:rPr lang="en-US" dirty="0" err="1"/>
-              <a:t>nicht</a:t>
+              <a:t>erreichbar</a:t>
             </a:r>
             <a:r>
               <a:rPr lang="en-US" dirty="0"/>
-              <a:t> </a:t>
-            </a:r>
-            <a:r>
-              <a:rPr lang="en-US" dirty="0" err="1"/>
-              <a:t>funktioniert</a:t>
-            </a:r>
-            <a:r>
-              <a:rPr lang="en-US" dirty="0"/>
-              <a:t> </a:t>
-            </a:r>
-            <a:r>
-              <a:rPr lang="en-US" dirty="0" err="1"/>
-              <a:t>bzw</a:t>
-            </a:r>
-            <a:r>
-              <a:rPr lang="en-US" dirty="0"/>
-              <a:t>. </a:t>
-            </a:r>
-            <a:r>
-              <a:rPr lang="en-US" dirty="0" err="1"/>
-              <a:t>Für</a:t>
-            </a:r>
-            <a:r>
-              <a:rPr lang="en-US" dirty="0"/>
-              <a:t> die PDF</a:t>
-            </a:r>
-          </a:p>
-          <a:p>
-            <a:pPr marL="139700" indent="0">
-              <a:buNone/>
-            </a:pPr>
-            <a:endParaRPr lang="en-US" dirty="0"/>
-          </a:p>
-          <a:p>
-            <a:pPr marL="139700" indent="0">
-              <a:buNone/>
-            </a:pPr>
-            <a:r>
-              <a:rPr lang="en-US" dirty="0"/>
-              <a:t>Am </a:t>
-            </a:r>
-            <a:r>
-              <a:rPr lang="en-US" dirty="0" err="1"/>
-              <a:t>Besten</a:t>
-            </a:r>
-            <a:r>
-              <a:rPr lang="en-US" dirty="0"/>
-              <a:t> </a:t>
-            </a:r>
-            <a:r>
-              <a:rPr lang="en-US" dirty="0" err="1"/>
-              <a:t>als</a:t>
-            </a:r>
-            <a:r>
-              <a:rPr lang="en-US" dirty="0"/>
-              <a:t> Story </a:t>
-            </a:r>
-            <a:r>
-              <a:rPr lang="en-US" dirty="0" err="1"/>
-              <a:t>verpacken</a:t>
-            </a:r>
-            <a:r>
-              <a:rPr lang="en-US" dirty="0"/>
-              <a:t>.</a:t>
-            </a:r>
-          </a:p>
-          <a:p>
-            <a:pPr marL="139700" indent="0">
-              <a:buNone/>
-            </a:pPr>
-            <a:endParaRPr lang="en-US" dirty="0"/>
-          </a:p>
-          <a:p>
-            <a:pPr marL="139700" indent="0">
-              <a:buNone/>
-            </a:pPr>
-            <a:r>
-              <a:rPr lang="en-US" dirty="0"/>
-              <a:t>Web: Demo: </a:t>
-            </a:r>
-            <a:r>
-              <a:rPr lang="en-US" dirty="0" err="1"/>
-              <a:t>Hauptseite</a:t>
-            </a:r>
-            <a:r>
-              <a:rPr lang="en-US" dirty="0"/>
-              <a:t>, Filter </a:t>
-            </a:r>
-            <a:r>
-              <a:rPr lang="en-US" dirty="0" err="1"/>
-              <a:t>Beispiele</a:t>
-            </a:r>
-            <a:endParaRPr lang="en-US" dirty="0"/>
-          </a:p>
-          <a:p>
-            <a:pPr marL="139700" indent="0">
-              <a:buNone/>
-            </a:pPr>
-            <a:r>
-              <a:rPr lang="en-US" dirty="0"/>
-              <a:t>Mobile </a:t>
-            </a:r>
-            <a:r>
-              <a:rPr lang="en-US" dirty="0" err="1"/>
-              <a:t>Ansicht</a:t>
-            </a:r>
-            <a:endParaRPr lang="en-US" dirty="0"/>
-          </a:p>
-          <a:p>
-            <a:pPr marL="139700" indent="0">
-              <a:buNone/>
-            </a:pPr>
-            <a:endParaRPr lang="en-US" dirty="0"/>
-          </a:p>
-          <a:p>
-            <a:pPr marL="139700" indent="0">
-              <a:buNone/>
-            </a:pPr>
-            <a:r>
-              <a:rPr lang="en-US" dirty="0" err="1"/>
-              <a:t>Wenn</a:t>
-            </a:r>
-            <a:r>
-              <a:rPr lang="en-US" dirty="0"/>
-              <a:t> </a:t>
-            </a:r>
-            <a:r>
-              <a:rPr lang="en-US" dirty="0" err="1"/>
-              <a:t>zu</a:t>
-            </a:r>
-            <a:r>
-              <a:rPr lang="en-US" dirty="0"/>
-              <a:t> schnell, </a:t>
-            </a:r>
-            <a:r>
-              <a:rPr lang="en-US" dirty="0" err="1"/>
-              <a:t>dann</a:t>
-            </a:r>
-            <a:r>
-              <a:rPr lang="en-US" dirty="0"/>
-              <a:t> </a:t>
-            </a:r>
-            <a:r>
-              <a:rPr lang="en-US" dirty="0" err="1"/>
-              <a:t>kurz</a:t>
-            </a:r>
-            <a:r>
-              <a:rPr lang="en-US" dirty="0"/>
-              <a:t> die </a:t>
-            </a:r>
-            <a:r>
-              <a:rPr lang="en-US" dirty="0" err="1"/>
-              <a:t>Reistrierung</a:t>
-            </a:r>
-            <a:r>
-              <a:rPr lang="en-US" dirty="0"/>
-              <a:t> und </a:t>
-            </a:r>
-            <a:r>
-              <a:rPr lang="en-US" dirty="0" err="1"/>
-              <a:t>Anmelde</a:t>
-            </a:r>
-            <a:r>
-              <a:rPr lang="en-US" dirty="0"/>
-              <a:t> </a:t>
-            </a:r>
-            <a:r>
-              <a:rPr lang="en-US" dirty="0" err="1"/>
-              <a:t>Maske</a:t>
-            </a:r>
-            <a:r>
-              <a:rPr lang="en-US" dirty="0"/>
-              <a:t> </a:t>
-            </a:r>
-            <a:r>
-              <a:rPr lang="en-US" dirty="0" err="1"/>
-              <a:t>zeigen</a:t>
-            </a:r>
-            <a:r>
-              <a:rPr lang="en-US" dirty="0"/>
-              <a:t>.</a:t>
+              <a:t>. Web, Mobile, etc.</a:t>
             </a:r>
             <a:endParaRPr lang="en-DE" dirty="0"/>
           </a:p>
@@ -3921,7 +3683,7 @@
     </p:spTree>
     <p:extLst>
       <p:ext uri="{BB962C8B-B14F-4D97-AF65-F5344CB8AC3E}">
-        <p14:creationId xmlns:p14="http://schemas.microsoft.com/office/powerpoint/2010/main" val="1855404744"/>
+        <p14:creationId xmlns:p14="http://schemas.microsoft.com/office/powerpoint/2010/main" val="3009084432"/>
       </p:ext>
     </p:extLst>
   </p:cSld>
@@ -4566,7 +4328,7 @@
             </a:pPr>
             <a:fld id="{00000000-1234-1234-1234-123412341234}" type="slidenum">
               <a:rPr lang="de-DE" smtClean="0"/>
-              <a:t>‹#›</a:t>
+              <a:t>‹Nr.›</a:t>
             </a:fld>
             <a:endParaRPr lang="de-DE"/>
           </a:p>
@@ -6403,7 +6165,7 @@
             </a:pPr>
             <a:fld id="{00000000-1234-1234-1234-123412341234}" type="slidenum">
               <a:rPr lang="en"/>
-              <a:t>‹#›</a:t>
+              <a:t>‹Nr.›</a:t>
             </a:fld>
             <a:endParaRPr/>
           </a:p>
@@ -7036,7 +6798,7 @@
             </a:pPr>
             <a:fld id="{00000000-1234-1234-1234-123412341234}" type="slidenum">
               <a:rPr lang="en"/>
-              <a:t>‹#›</a:t>
+              <a:t>‹Nr.›</a:t>
             </a:fld>
             <a:endParaRPr/>
           </a:p>
@@ -7398,7 +7160,7 @@
             </a:pPr>
             <a:fld id="{00000000-1234-1234-1234-123412341234}" type="slidenum">
               <a:rPr lang="en"/>
-              <a:t>‹#›</a:t>
+              <a:t>‹Nr.›</a:t>
             </a:fld>
             <a:endParaRPr/>
           </a:p>
@@ -7906,7 +7668,7 @@
             </a:pPr>
             <a:fld id="{00000000-1234-1234-1234-123412341234}" type="slidenum">
               <a:rPr lang="en"/>
-              <a:t>‹#›</a:t>
+              <a:t>‹Nr.›</a:t>
             </a:fld>
             <a:endParaRPr/>
           </a:p>
@@ -8462,7 +8224,7 @@
             </a:pPr>
             <a:fld id="{00000000-1234-1234-1234-123412341234}" type="slidenum">
               <a:rPr lang="en"/>
-              <a:t>‹#›</a:t>
+              <a:t>‹Nr.›</a:t>
             </a:fld>
             <a:endParaRPr dirty="0"/>
           </a:p>
@@ -10011,127 +9773,6 @@
       </p:grpSpPr>
       <p:sp>
         <p:nvSpPr>
-          <p:cNvPr id="2" name="Title 1">
-            <a:extLst>
-              <a:ext uri="{FF2B5EF4-FFF2-40B4-BE49-F238E27FC236}">
-                <a16:creationId xmlns:a16="http://schemas.microsoft.com/office/drawing/2014/main" id="{B94B0667-0BB5-416B-9DF3-70F98FE6168C}"/>
-              </a:ext>
-            </a:extLst>
-          </p:cNvPr>
-          <p:cNvSpPr>
-            <a:spLocks noGrp="1"/>
-          </p:cNvSpPr>
-          <p:nvPr>
-            <p:ph type="title"/>
-          </p:nvPr>
-        </p:nvSpPr>
-        <p:spPr/>
-        <p:txBody>
-          <a:bodyPr/>
-          <a:lstStyle/>
-          <a:p>
-            <a:endParaRPr lang="en-DE"/>
-          </a:p>
-        </p:txBody>
-      </p:sp>
-      <p:sp>
-        <p:nvSpPr>
-          <p:cNvPr id="3" name="Text Placeholder 2">
-            <a:extLst>
-              <a:ext uri="{FF2B5EF4-FFF2-40B4-BE49-F238E27FC236}">
-                <a16:creationId xmlns:a16="http://schemas.microsoft.com/office/drawing/2014/main" id="{51701602-80CD-42C6-8A06-79DC9E729894}"/>
-              </a:ext>
-            </a:extLst>
-          </p:cNvPr>
-          <p:cNvSpPr>
-            <a:spLocks noGrp="1"/>
-          </p:cNvSpPr>
-          <p:nvPr>
-            <p:ph type="body" idx="1"/>
-          </p:nvPr>
-        </p:nvSpPr>
-        <p:spPr/>
-        <p:txBody>
-          <a:bodyPr/>
-          <a:lstStyle/>
-          <a:p>
-            <a:endParaRPr lang="en-DE"/>
-          </a:p>
-        </p:txBody>
-      </p:sp>
-      <p:sp>
-        <p:nvSpPr>
-          <p:cNvPr id="4" name="Slide Number Placeholder 3">
-            <a:extLst>
-              <a:ext uri="{FF2B5EF4-FFF2-40B4-BE49-F238E27FC236}">
-                <a16:creationId xmlns:a16="http://schemas.microsoft.com/office/drawing/2014/main" id="{42581076-4232-46C9-8D6A-6C816E942F65}"/>
-              </a:ext>
-            </a:extLst>
-          </p:cNvPr>
-          <p:cNvSpPr>
-            <a:spLocks noGrp="1"/>
-          </p:cNvSpPr>
-          <p:nvPr>
-            <p:ph type="sldNum" idx="12"/>
-          </p:nvPr>
-        </p:nvSpPr>
-        <p:spPr/>
-        <p:txBody>
-          <a:bodyPr/>
-          <a:lstStyle/>
-          <a:p>
-            <a:pPr marL="0" lvl="0" indent="0" algn="ctr" rtl="0">
-              <a:spcBef>
-                <a:spcPts val="0"/>
-              </a:spcBef>
-              <a:spcAft>
-                <a:spcPts val="0"/>
-              </a:spcAft>
-              <a:buNone/>
-            </a:pPr>
-            <a:fld id="{00000000-1234-1234-1234-123412341234}" type="slidenum">
-              <a:rPr lang="en" smtClean="0"/>
-              <a:t>10</a:t>
-            </a:fld>
-            <a:endParaRPr lang="en"/>
-          </a:p>
-        </p:txBody>
-      </p:sp>
-    </p:spTree>
-    <p:extLst>
-      <p:ext uri="{BB962C8B-B14F-4D97-AF65-F5344CB8AC3E}">
-        <p14:creationId xmlns:p14="http://schemas.microsoft.com/office/powerpoint/2010/main" val="383329481"/>
-      </p:ext>
-    </p:extLst>
-  </p:cSld>
-  <p:clrMapOvr>
-    <a:masterClrMapping/>
-  </p:clrMapOvr>
-  <p:transition advTm="219">
-    <p:fade thruBlk="1"/>
-  </p:transition>
-</p:sld>
-</file>
-
-<file path=ppt/slides/slide11.xml><?xml version="1.0" encoding="utf-8"?>
-<p:sld xmlns:a="http://schemas.openxmlformats.org/drawingml/2006/main" xmlns:r="http://schemas.openxmlformats.org/officeDocument/2006/relationships" xmlns:p="http://schemas.openxmlformats.org/presentationml/2006/main">
-  <p:cSld>
-    <p:spTree>
-      <p:nvGrpSpPr>
-        <p:cNvPr id="1" name=""/>
-        <p:cNvGrpSpPr/>
-        <p:nvPr/>
-      </p:nvGrpSpPr>
-      <p:grpSpPr>
-        <a:xfrm>
-          <a:off x="0" y="0"/>
-          <a:ext cx="0" cy="0"/>
-          <a:chOff x="0" y="0"/>
-          <a:chExt cx="0" cy="0"/>
-        </a:xfrm>
-      </p:grpSpPr>
-      <p:sp>
-        <p:nvSpPr>
           <p:cNvPr id="7" name="Heart 6">
             <a:extLst>
               <a:ext uri="{FF2B5EF4-FFF2-40B4-BE49-F238E27FC236}">
@@ -10243,7 +9884,7 @@
             </a:pPr>
             <a:fld id="{00000000-1234-1234-1234-123412341234}" type="slidenum">
               <a:rPr lang="en" smtClean="0"/>
-              <a:t>11</a:t>
+              <a:t>10</a:t>
             </a:fld>
             <a:endParaRPr lang="en"/>
           </a:p>
@@ -10662,7 +10303,7 @@
 </p:sld>
 </file>
 
-<file path=ppt/slides/slide12.xml><?xml version="1.0" encoding="utf-8"?>
+<file path=ppt/slides/slide11.xml><?xml version="1.0" encoding="utf-8"?>
 <p:sld xmlns:a="http://schemas.openxmlformats.org/drawingml/2006/main" xmlns:r="http://schemas.openxmlformats.org/officeDocument/2006/relationships" xmlns:p="http://schemas.openxmlformats.org/presentationml/2006/main">
   <p:cSld>
     <p:spTree>
@@ -10815,7 +10456,7 @@
 </p:sld>
 </file>
 
-<file path=ppt/slides/slide13.xml><?xml version="1.0" encoding="utf-8"?>
+<file path=ppt/slides/slide12.xml><?xml version="1.0" encoding="utf-8"?>
 <p:sld xmlns:a="http://schemas.openxmlformats.org/drawingml/2006/main" xmlns:r="http://schemas.openxmlformats.org/officeDocument/2006/relationships" xmlns:p="http://schemas.openxmlformats.org/presentationml/2006/main">
   <p:cSld>
     <p:spTree>
@@ -10957,7 +10598,7 @@
             </a:pPr>
             <a:fld id="{00000000-1234-1234-1234-123412341234}" type="slidenum">
               <a:rPr lang="de-DE" smtClean="0"/>
-              <a:t>13</a:t>
+              <a:t>12</a:t>
             </a:fld>
             <a:endParaRPr lang="de-DE"/>
           </a:p>
@@ -12433,7 +12074,7 @@
 </p:sld>
 </file>
 
-<file path=ppt/slides/slide14.xml><?xml version="1.0" encoding="utf-8"?>
+<file path=ppt/slides/slide13.xml><?xml version="1.0" encoding="utf-8"?>
 <p:sld xmlns:a="http://schemas.openxmlformats.org/drawingml/2006/main" xmlns:r="http://schemas.openxmlformats.org/officeDocument/2006/relationships" xmlns:p="http://schemas.openxmlformats.org/presentationml/2006/main">
   <p:cSld>
     <p:spTree>
@@ -12482,7 +12123,7 @@
             </a:pPr>
             <a:fld id="{00000000-1234-1234-1234-123412341234}" type="slidenum">
               <a:rPr lang="en" smtClean="0"/>
-              <a:t>14</a:t>
+              <a:t>13</a:t>
             </a:fld>
             <a:endParaRPr lang="en"/>
           </a:p>
@@ -13405,7 +13046,7 @@
 </p:sld>
 </file>
 
-<file path=ppt/slides/slide15.xml><?xml version="1.0" encoding="utf-8"?>
+<file path=ppt/slides/slide14.xml><?xml version="1.0" encoding="utf-8"?>
 <p:sld xmlns:a="http://schemas.openxmlformats.org/drawingml/2006/main" xmlns:r="http://schemas.openxmlformats.org/officeDocument/2006/relationships" xmlns:p="http://schemas.openxmlformats.org/presentationml/2006/main">
   <p:cSld>
     <p:spTree>
@@ -13454,7 +13095,7 @@
             </a:pPr>
             <a:fld id="{00000000-1234-1234-1234-123412341234}" type="slidenum">
               <a:rPr lang="en" smtClean="0"/>
-              <a:t>15</a:t>
+              <a:t>14</a:t>
             </a:fld>
             <a:endParaRPr lang="en"/>
           </a:p>
@@ -14432,7 +14073,7 @@
 </p:sld>
 </file>
 
-<file path=ppt/slides/slide16.xml><?xml version="1.0" encoding="utf-8"?>
+<file path=ppt/slides/slide15.xml><?xml version="1.0" encoding="utf-8"?>
 <p:sld xmlns:a="http://schemas.openxmlformats.org/drawingml/2006/main" xmlns:r="http://schemas.openxmlformats.org/officeDocument/2006/relationships" xmlns:p="http://schemas.openxmlformats.org/presentationml/2006/main">
   <p:cSld>
     <p:spTree>
@@ -14603,7 +14244,7 @@
 </p:sld>
 </file>
 
-<file path=ppt/slides/slide17.xml><?xml version="1.0" encoding="utf-8"?>
+<file path=ppt/slides/slide16.xml><?xml version="1.0" encoding="utf-8"?>
 <p:sld xmlns:a="http://schemas.openxmlformats.org/drawingml/2006/main" xmlns:r="http://schemas.openxmlformats.org/officeDocument/2006/relationships" xmlns:p="http://schemas.openxmlformats.org/presentationml/2006/main">
   <p:cSld>
     <p:spTree>
@@ -14652,7 +14293,7 @@
             </a:pPr>
             <a:fld id="{00000000-1234-1234-1234-123412341234}" type="slidenum">
               <a:rPr lang="en" smtClean="0"/>
-              <a:t>17</a:t>
+              <a:t>16</a:t>
             </a:fld>
             <a:endParaRPr lang="en"/>
           </a:p>
@@ -15846,7 +15487,7 @@
 </p:sld>
 </file>
 
-<file path=ppt/slides/slide18.xml><?xml version="1.0" encoding="utf-8"?>
+<file path=ppt/slides/slide17.xml><?xml version="1.0" encoding="utf-8"?>
 <p:sld xmlns:a="http://schemas.openxmlformats.org/drawingml/2006/main" xmlns:r="http://schemas.openxmlformats.org/officeDocument/2006/relationships" xmlns:p="http://schemas.openxmlformats.org/presentationml/2006/main">
   <p:cSld>
     <p:spTree>
@@ -16150,7 +15791,7 @@
             </a:pPr>
             <a:fld id="{00000000-1234-1234-1234-123412341234}" type="slidenum">
               <a:rPr lang="de-DE" smtClean="0"/>
-              <a:t>18</a:t>
+              <a:t>17</a:t>
             </a:fld>
             <a:endParaRPr lang="de-DE"/>
           </a:p>

--- a/docs/Praesentation_Prototyp/Prototyp_Präsentation.pptx
+++ b/docs/Praesentation_Prototyp/Prototyp_Präsentation.pptx
@@ -5,17 +5,17 @@
     <p:sldMasterId id="2147483660" r:id="rId1"/>
   </p:sldMasterIdLst>
   <p:notesMasterIdLst>
-    <p:notesMasterId r:id="rId19"/>
+    <p:notesMasterId r:id="rId23"/>
   </p:notesMasterIdLst>
   <p:sldIdLst>
     <p:sldId id="298" r:id="rId2"/>
-    <p:sldId id="299" r:id="rId3"/>
+    <p:sldId id="304" r:id="rId3"/>
     <p:sldId id="261" r:id="rId4"/>
     <p:sldId id="259" r:id="rId5"/>
     <p:sldId id="290" r:id="rId6"/>
     <p:sldId id="297" r:id="rId7"/>
     <p:sldId id="296" r:id="rId8"/>
-    <p:sldId id="260" r:id="rId9"/>
+    <p:sldId id="305" r:id="rId9"/>
     <p:sldId id="286" r:id="rId10"/>
     <p:sldId id="293" r:id="rId11"/>
     <p:sldId id="300" r:id="rId12"/>
@@ -23,25 +23,29 @@
     <p:sldId id="302" r:id="rId14"/>
     <p:sldId id="303" r:id="rId15"/>
     <p:sldId id="288" r:id="rId16"/>
-    <p:sldId id="289" r:id="rId17"/>
-    <p:sldId id="282" r:id="rId18"/>
+    <p:sldId id="306" r:id="rId17"/>
+    <p:sldId id="307" r:id="rId18"/>
+    <p:sldId id="308" r:id="rId19"/>
+    <p:sldId id="309" r:id="rId20"/>
+    <p:sldId id="310" r:id="rId21"/>
+    <p:sldId id="282" r:id="rId22"/>
   </p:sldIdLst>
   <p:sldSz cx="9144000" cy="5143500" type="screen16x9"/>
   <p:notesSz cx="6858000" cy="9144000"/>
   <p:embeddedFontLst>
     <p:embeddedFont>
-      <p:font typeface="Poppins" pitchFamily="2" charset="77"/>
-      <p:regular r:id="rId20"/>
-      <p:bold r:id="rId21"/>
-      <p:italic r:id="rId22"/>
-      <p:boldItalic r:id="rId23"/>
-    </p:embeddedFont>
-    <p:embeddedFont>
-      <p:font typeface="Poppins Light" pitchFamily="2" charset="77"/>
+      <p:font typeface="Poppins" panose="020B0604020202020204" charset="0"/>
       <p:regular r:id="rId24"/>
       <p:bold r:id="rId25"/>
       <p:italic r:id="rId26"/>
       <p:boldItalic r:id="rId27"/>
+    </p:embeddedFont>
+    <p:embeddedFont>
+      <p:font typeface="Poppins Light" panose="020B0604020202020204" charset="0"/>
+      <p:regular r:id="rId28"/>
+      <p:bold r:id="rId29"/>
+      <p:italic r:id="rId30"/>
+      <p:boldItalic r:id="rId31"/>
     </p:embeddedFont>
   </p:embeddedFontLst>
   <p:defaultTextStyle>
@@ -1351,41 +1355,6 @@
             </a:pPr>
             <a:r>
               <a:rPr lang="en-US" dirty="0" err="1"/>
-              <a:t>Etwas</a:t>
-            </a:r>
-            <a:r>
-              <a:rPr lang="en-US" dirty="0"/>
-              <a:t> </a:t>
-            </a:r>
-            <a:r>
-              <a:rPr lang="en-US" dirty="0" err="1"/>
-              <a:t>langweilige</a:t>
-            </a:r>
-            <a:r>
-              <a:rPr lang="en-US" dirty="0"/>
-              <a:t> Part (</a:t>
-            </a:r>
-            <a:r>
-              <a:rPr lang="en-US" dirty="0" err="1"/>
-              <a:t>für</a:t>
-            </a:r>
-            <a:r>
-              <a:rPr lang="en-US" dirty="0"/>
-              <a:t> manche)</a:t>
-            </a:r>
-          </a:p>
-          <a:p>
-            <a:pPr marL="139700" indent="0">
-              <a:buNone/>
-            </a:pPr>
-            <a:endParaRPr lang="en-US" dirty="0"/>
-          </a:p>
-          <a:p>
-            <a:pPr marL="139700" indent="0">
-              <a:buNone/>
-            </a:pPr>
-            <a:r>
-              <a:rPr lang="en-US" dirty="0" err="1"/>
               <a:t>Freie</a:t>
             </a:r>
             <a:r>
@@ -2068,6 +2037,70 @@
               <a:rPr lang="en-US" dirty="0" err="1"/>
               <a:t>definieren</a:t>
             </a:r>
+            <a:r>
+              <a:rPr lang="en-US" dirty="0"/>
+              <a:t> </a:t>
+            </a:r>
+            <a:r>
+              <a:rPr lang="en-US" dirty="0" err="1"/>
+              <a:t>dazu</a:t>
+            </a:r>
+            <a:r>
+              <a:rPr lang="en-US" dirty="0"/>
+              <a:t> </a:t>
+            </a:r>
+            <a:r>
+              <a:rPr lang="en-US" dirty="0" err="1"/>
+              <a:t>gehört</a:t>
+            </a:r>
+            <a:r>
+              <a:rPr lang="en-US" dirty="0"/>
+              <a:t> </a:t>
+            </a:r>
+            <a:r>
+              <a:rPr lang="en-US" dirty="0" err="1"/>
+              <a:t>zB</a:t>
+            </a:r>
+            <a:r>
+              <a:rPr lang="en-US" dirty="0"/>
+              <a:t> die </a:t>
+            </a:r>
+            <a:r>
+              <a:rPr lang="en-US" dirty="0" err="1"/>
+              <a:t>Laufleistung</a:t>
+            </a:r>
+            <a:r>
+              <a:rPr lang="en-US" dirty="0"/>
+              <a:t> pro </a:t>
+            </a:r>
+            <a:r>
+              <a:rPr lang="en-US" dirty="0" err="1"/>
+              <a:t>Ladung</a:t>
+            </a:r>
+            <a:r>
+              <a:rPr lang="en-US" dirty="0"/>
+              <a:t> </a:t>
+            </a:r>
+            <a:r>
+              <a:rPr lang="en-US" dirty="0" err="1"/>
+              <a:t>oder</a:t>
+            </a:r>
+            <a:r>
+              <a:rPr lang="en-US" dirty="0"/>
+              <a:t> die </a:t>
+            </a:r>
+            <a:r>
+              <a:rPr lang="en-US" dirty="0" err="1"/>
+              <a:t>Ladedauer</a:t>
+            </a:r>
+            <a:r>
+              <a:rPr lang="en-US" dirty="0"/>
+              <a:t> des </a:t>
+            </a:r>
+            <a:r>
+              <a:rPr lang="en-US" dirty="0" err="1"/>
+              <a:t>Akkus</a:t>
+            </a:r>
             <a:endParaRPr lang="en-US" dirty="0"/>
           </a:p>
           <a:p>
@@ -2075,16 +2108,44 @@
               <a:buAutoNum type="arabicPeriod"/>
             </a:pPr>
             <a:r>
+              <a:rPr lang="en-US" dirty="0"/>
+              <a:t>Admin </a:t>
+            </a:r>
+            <a:r>
               <a:rPr lang="en-US" dirty="0" err="1"/>
-              <a:t>Mehr</a:t>
+              <a:t>kann</a:t>
             </a:r>
             <a:r>
               <a:rPr lang="en-US" dirty="0"/>
-              <a:t> Demo </a:t>
+              <a:t> </a:t>
             </a:r>
             <a:r>
               <a:rPr lang="en-US" dirty="0" err="1"/>
-              <a:t>Daten</a:t>
+              <a:t>zusätzliche</a:t>
+            </a:r>
+            <a:r>
+              <a:rPr lang="en-US" dirty="0"/>
+              <a:t> Filter </a:t>
+            </a:r>
+            <a:r>
+              <a:rPr lang="en-US" dirty="0" err="1"/>
+              <a:t>ein</a:t>
+            </a:r>
+            <a:r>
+              <a:rPr lang="en-US" dirty="0"/>
+              <a:t> und </a:t>
+            </a:r>
+            <a:r>
+              <a:rPr lang="en-US" dirty="0" err="1"/>
+              <a:t>ausblenden</a:t>
+            </a:r>
+            <a:r>
+              <a:rPr lang="en-US" dirty="0"/>
+              <a:t> </a:t>
+            </a:r>
+            <a:r>
+              <a:rPr lang="en-US" dirty="0" err="1"/>
+              <a:t>lassen</a:t>
             </a:r>
             <a:endParaRPr lang="en-US" dirty="0"/>
           </a:p>
@@ -2093,12 +2154,16 @@
               <a:buAutoNum type="arabicPeriod"/>
             </a:pPr>
             <a:r>
+              <a:rPr lang="en-US" dirty="0" err="1"/>
+              <a:t>Diese</a:t>
+            </a:r>
+            <a:r>
               <a:rPr lang="en-US" dirty="0"/>
-              <a:t>Detail </a:t>
+              <a:t> filter warden je </a:t>
             </a:r>
             <a:r>
               <a:rPr lang="en-US" dirty="0" err="1"/>
-              <a:t>ansicht</a:t>
+              <a:t>nach</a:t>
             </a:r>
             <a:r>
               <a:rPr lang="en-US" dirty="0"/>
@@ -2106,15 +2171,7 @@
             </a:r>
             <a:r>
               <a:rPr lang="en-US" dirty="0" err="1"/>
-              <a:t>einzelner</a:t>
-            </a:r>
-            <a:r>
-              <a:rPr lang="en-US" dirty="0"/>
-              <a:t> Autos </a:t>
-            </a:r>
-            <a:r>
-              <a:rPr lang="en-US" dirty="0" err="1"/>
-              <a:t>mit</a:t>
+              <a:t>gewichtung</a:t>
             </a:r>
             <a:r>
               <a:rPr lang="en-US" dirty="0"/>
@@ -2122,7 +2179,82 @@
             </a:r>
             <a:r>
               <a:rPr lang="en-US" dirty="0" err="1"/>
-              <a:t>Bewertung</a:t>
+              <a:t>angeordnet</a:t>
+            </a:r>
+            <a:r>
+              <a:rPr lang="en-US" dirty="0"/>
+              <a:t>.</a:t>
+            </a:r>
+          </a:p>
+          <a:p>
+            <a:pPr marL="368300" indent="-228600">
+              <a:buAutoNum type="arabicPeriod"/>
+            </a:pPr>
+            <a:r>
+              <a:rPr lang="en-US" dirty="0"/>
+              <a:t>Variable Filter </a:t>
+            </a:r>
+            <a:r>
+              <a:rPr lang="en-US" dirty="0" err="1"/>
+              <a:t>können</a:t>
+            </a:r>
+            <a:r>
+              <a:rPr lang="en-US" dirty="0"/>
+              <a:t> </a:t>
+            </a:r>
+            <a:r>
+              <a:rPr lang="en-US" dirty="0" err="1"/>
+              <a:t>gesetzt</a:t>
+            </a:r>
+            <a:r>
+              <a:rPr lang="en-US" dirty="0"/>
+              <a:t> </a:t>
+            </a:r>
+            <a:r>
+              <a:rPr lang="en-US" dirty="0" err="1"/>
+              <a:t>werden</a:t>
+            </a:r>
+            <a:r>
+              <a:rPr lang="en-US" dirty="0"/>
+              <a:t> also </a:t>
+            </a:r>
+            <a:r>
+              <a:rPr lang="en-US" dirty="0" err="1"/>
+              <a:t>Radiobuttons</a:t>
+            </a:r>
+            <a:r>
+              <a:rPr lang="en-US" dirty="0"/>
+              <a:t>, </a:t>
+            </a:r>
+            <a:r>
+              <a:rPr lang="en-US" dirty="0" err="1"/>
+              <a:t>Checkboxen</a:t>
+            </a:r>
+            <a:r>
+              <a:rPr lang="en-US" dirty="0"/>
+              <a:t> und </a:t>
+            </a:r>
+            <a:r>
+              <a:rPr lang="en-US" dirty="0" err="1"/>
+              <a:t>Schieberegler</a:t>
+            </a:r>
+            <a:endParaRPr lang="en-US" dirty="0"/>
+          </a:p>
+          <a:p>
+            <a:pPr marL="368300" indent="-228600">
+              <a:buAutoNum type="arabicPeriod"/>
+            </a:pPr>
+            <a:r>
+              <a:rPr lang="en-US" dirty="0" err="1"/>
+              <a:t>Mehr</a:t>
+            </a:r>
+            <a:r>
+              <a:rPr lang="en-US" dirty="0"/>
+              <a:t> Demo </a:t>
+            </a:r>
+            <a:r>
+              <a:rPr lang="en-US" dirty="0" err="1"/>
+              <a:t>Daten</a:t>
             </a:r>
             <a:endParaRPr lang="en-US" dirty="0"/>
           </a:p>
@@ -2131,7 +2263,7 @@
     </p:spTree>
     <p:extLst>
       <p:ext uri="{BB962C8B-B14F-4D97-AF65-F5344CB8AC3E}">
-        <p14:creationId xmlns:p14="http://schemas.microsoft.com/office/powerpoint/2010/main" val="3109595441"/>
+        <p14:creationId xmlns:p14="http://schemas.microsoft.com/office/powerpoint/2010/main" val="987735885"/>
       </p:ext>
     </p:extLst>
   </p:cSld>
@@ -2142,6 +2274,547 @@
 </file>
 
 <file path=ppt/notesSlides/notesSlide16.xml><?xml version="1.0" encoding="utf-8"?>
+<p:notes xmlns:a="http://schemas.openxmlformats.org/drawingml/2006/main" xmlns:r="http://schemas.openxmlformats.org/officeDocument/2006/relationships" xmlns:p="http://schemas.openxmlformats.org/presentationml/2006/main">
+  <p:cSld>
+    <p:spTree>
+      <p:nvGrpSpPr>
+        <p:cNvPr id="1" name=""/>
+        <p:cNvGrpSpPr/>
+        <p:nvPr/>
+      </p:nvGrpSpPr>
+      <p:grpSpPr>
+        <a:xfrm>
+          <a:off x="0" y="0"/>
+          <a:ext cx="0" cy="0"/>
+          <a:chOff x="0" y="0"/>
+          <a:chExt cx="0" cy="0"/>
+        </a:xfrm>
+      </p:grpSpPr>
+      <p:sp>
+        <p:nvSpPr>
+          <p:cNvPr id="2" name="Slide Image Placeholder 1"/>
+          <p:cNvSpPr>
+            <a:spLocks noGrp="1" noRot="1" noChangeAspect="1"/>
+          </p:cNvSpPr>
+          <p:nvPr>
+            <p:ph type="sldImg"/>
+          </p:nvPr>
+        </p:nvSpPr>
+        <p:spPr>
+          <a:xfrm>
+            <a:off x="381000" y="685800"/>
+            <a:ext cx="6096000" cy="3429000"/>
+          </a:xfrm>
+        </p:spPr>
+      </p:sp>
+      <p:sp>
+        <p:nvSpPr>
+          <p:cNvPr id="3" name="Notes Placeholder 2"/>
+          <p:cNvSpPr>
+            <a:spLocks noGrp="1"/>
+          </p:cNvSpPr>
+          <p:nvPr>
+            <p:ph type="body" idx="1"/>
+          </p:nvPr>
+        </p:nvSpPr>
+        <p:spPr/>
+        <p:txBody>
+          <a:bodyPr/>
+          <a:lstStyle/>
+          <a:p>
+            <a:pPr marL="139700" indent="0">
+              <a:buNone/>
+            </a:pPr>
+            <a:r>
+              <a:rPr lang="en-US" dirty="0" err="1"/>
+              <a:t>Unsere</a:t>
+            </a:r>
+            <a:r>
+              <a:rPr lang="en-US" dirty="0"/>
+              <a:t> </a:t>
+            </a:r>
+            <a:r>
+              <a:rPr lang="en-US" dirty="0" err="1"/>
+              <a:t>Hauptaufgaben</a:t>
+            </a:r>
+            <a:r>
+              <a:rPr lang="en-US" dirty="0"/>
+              <a:t> die </a:t>
+            </a:r>
+            <a:r>
+              <a:rPr lang="en-US" dirty="0" err="1"/>
+              <a:t>noch</a:t>
+            </a:r>
+            <a:r>
+              <a:rPr lang="en-US" dirty="0"/>
+              <a:t> </a:t>
+            </a:r>
+            <a:r>
+              <a:rPr lang="en-US" dirty="0" err="1"/>
+              <a:t>vor</a:t>
+            </a:r>
+            <a:r>
+              <a:rPr lang="en-US" dirty="0"/>
+              <a:t> </a:t>
+            </a:r>
+            <a:r>
+              <a:rPr lang="en-US" dirty="0" err="1"/>
+              <a:t>uns</a:t>
+            </a:r>
+            <a:r>
+              <a:rPr lang="en-US" dirty="0"/>
+              <a:t> </a:t>
+            </a:r>
+            <a:r>
+              <a:rPr lang="en-US" dirty="0" err="1"/>
+              <a:t>liegen</a:t>
+            </a:r>
+            <a:r>
+              <a:rPr lang="en-US" dirty="0"/>
+              <a:t>:</a:t>
+            </a:r>
+          </a:p>
+          <a:p>
+            <a:pPr marL="139700" indent="0">
+              <a:buNone/>
+            </a:pPr>
+            <a:r>
+              <a:rPr lang="en-US" dirty="0" err="1"/>
+              <a:t>Registrierung</a:t>
+            </a:r>
+            <a:r>
+              <a:rPr lang="en-US" dirty="0"/>
+              <a:t> per </a:t>
+            </a:r>
+            <a:r>
+              <a:rPr lang="en-US" dirty="0" err="1"/>
+              <a:t>Benutzername</a:t>
+            </a:r>
+            <a:r>
+              <a:rPr lang="en-US" dirty="0"/>
+              <a:t> Email und </a:t>
+            </a:r>
+            <a:r>
+              <a:rPr lang="en-US" dirty="0" err="1"/>
+              <a:t>Passwort</a:t>
+            </a:r>
+            <a:endParaRPr lang="en-US" dirty="0"/>
+          </a:p>
+        </p:txBody>
+      </p:sp>
+    </p:spTree>
+    <p:extLst>
+      <p:ext uri="{BB962C8B-B14F-4D97-AF65-F5344CB8AC3E}">
+        <p14:creationId xmlns:p14="http://schemas.microsoft.com/office/powerpoint/2010/main" val="1328115548"/>
+      </p:ext>
+    </p:extLst>
+  </p:cSld>
+  <p:clrMapOvr>
+    <a:masterClrMapping/>
+  </p:clrMapOvr>
+</p:notes>
+</file>
+
+<file path=ppt/notesSlides/notesSlide17.xml><?xml version="1.0" encoding="utf-8"?>
+<p:notes xmlns:a="http://schemas.openxmlformats.org/drawingml/2006/main" xmlns:r="http://schemas.openxmlformats.org/officeDocument/2006/relationships" xmlns:p="http://schemas.openxmlformats.org/presentationml/2006/main">
+  <p:cSld>
+    <p:spTree>
+      <p:nvGrpSpPr>
+        <p:cNvPr id="1" name=""/>
+        <p:cNvGrpSpPr/>
+        <p:nvPr/>
+      </p:nvGrpSpPr>
+      <p:grpSpPr>
+        <a:xfrm>
+          <a:off x="0" y="0"/>
+          <a:ext cx="0" cy="0"/>
+          <a:chOff x="0" y="0"/>
+          <a:chExt cx="0" cy="0"/>
+        </a:xfrm>
+      </p:grpSpPr>
+      <p:sp>
+        <p:nvSpPr>
+          <p:cNvPr id="2" name="Slide Image Placeholder 1"/>
+          <p:cNvSpPr>
+            <a:spLocks noGrp="1" noRot="1" noChangeAspect="1"/>
+          </p:cNvSpPr>
+          <p:nvPr>
+            <p:ph type="sldImg"/>
+          </p:nvPr>
+        </p:nvSpPr>
+        <p:spPr>
+          <a:xfrm>
+            <a:off x="381000" y="685800"/>
+            <a:ext cx="6096000" cy="3429000"/>
+          </a:xfrm>
+        </p:spPr>
+      </p:sp>
+      <p:sp>
+        <p:nvSpPr>
+          <p:cNvPr id="3" name="Notes Placeholder 2"/>
+          <p:cNvSpPr>
+            <a:spLocks noGrp="1"/>
+          </p:cNvSpPr>
+          <p:nvPr>
+            <p:ph type="body" idx="1"/>
+          </p:nvPr>
+        </p:nvSpPr>
+        <p:spPr/>
+        <p:txBody>
+          <a:bodyPr/>
+          <a:lstStyle/>
+          <a:p>
+            <a:pPr marL="139700" indent="0">
+              <a:buNone/>
+            </a:pPr>
+            <a:r>
+              <a:rPr lang="en-US" dirty="0" err="1"/>
+              <a:t>Unsere</a:t>
+            </a:r>
+            <a:r>
+              <a:rPr lang="en-US" dirty="0"/>
+              <a:t> </a:t>
+            </a:r>
+            <a:r>
+              <a:rPr lang="en-US" dirty="0" err="1"/>
+              <a:t>Hauptaufgaben</a:t>
+            </a:r>
+            <a:r>
+              <a:rPr lang="en-US" dirty="0"/>
+              <a:t> die </a:t>
+            </a:r>
+            <a:r>
+              <a:rPr lang="en-US" dirty="0" err="1"/>
+              <a:t>noch</a:t>
+            </a:r>
+            <a:r>
+              <a:rPr lang="en-US" dirty="0"/>
+              <a:t> </a:t>
+            </a:r>
+            <a:r>
+              <a:rPr lang="en-US" dirty="0" err="1"/>
+              <a:t>vor</a:t>
+            </a:r>
+            <a:r>
+              <a:rPr lang="en-US" dirty="0"/>
+              <a:t> </a:t>
+            </a:r>
+            <a:r>
+              <a:rPr lang="en-US" dirty="0" err="1"/>
+              <a:t>uns</a:t>
+            </a:r>
+            <a:r>
+              <a:rPr lang="en-US" dirty="0"/>
+              <a:t> </a:t>
+            </a:r>
+            <a:r>
+              <a:rPr lang="en-US" dirty="0" err="1"/>
+              <a:t>liegen</a:t>
+            </a:r>
+            <a:r>
+              <a:rPr lang="en-US" dirty="0"/>
+              <a:t>:</a:t>
+            </a:r>
+          </a:p>
+          <a:p>
+            <a:pPr marL="139700" indent="0">
+              <a:buNone/>
+            </a:pPr>
+            <a:r>
+              <a:rPr lang="en-US" dirty="0" err="1"/>
+              <a:t>Registrierung</a:t>
+            </a:r>
+            <a:r>
+              <a:rPr lang="en-US" dirty="0"/>
+              <a:t> per </a:t>
+            </a:r>
+            <a:r>
+              <a:rPr lang="en-US" dirty="0" err="1"/>
+              <a:t>Benutzername</a:t>
+            </a:r>
+            <a:r>
+              <a:rPr lang="en-US" dirty="0"/>
+              <a:t> Email und </a:t>
+            </a:r>
+            <a:r>
+              <a:rPr lang="en-US" dirty="0" err="1"/>
+              <a:t>Passwort</a:t>
+            </a:r>
+            <a:endParaRPr lang="en-US" dirty="0"/>
+          </a:p>
+        </p:txBody>
+      </p:sp>
+    </p:spTree>
+    <p:extLst>
+      <p:ext uri="{BB962C8B-B14F-4D97-AF65-F5344CB8AC3E}">
+        <p14:creationId xmlns:p14="http://schemas.microsoft.com/office/powerpoint/2010/main" val="237760533"/>
+      </p:ext>
+    </p:extLst>
+  </p:cSld>
+  <p:clrMapOvr>
+    <a:masterClrMapping/>
+  </p:clrMapOvr>
+</p:notes>
+</file>
+
+<file path=ppt/notesSlides/notesSlide18.xml><?xml version="1.0" encoding="utf-8"?>
+<p:notes xmlns:a="http://schemas.openxmlformats.org/drawingml/2006/main" xmlns:r="http://schemas.openxmlformats.org/officeDocument/2006/relationships" xmlns:p="http://schemas.openxmlformats.org/presentationml/2006/main">
+  <p:cSld>
+    <p:spTree>
+      <p:nvGrpSpPr>
+        <p:cNvPr id="1" name=""/>
+        <p:cNvGrpSpPr/>
+        <p:nvPr/>
+      </p:nvGrpSpPr>
+      <p:grpSpPr>
+        <a:xfrm>
+          <a:off x="0" y="0"/>
+          <a:ext cx="0" cy="0"/>
+          <a:chOff x="0" y="0"/>
+          <a:chExt cx="0" cy="0"/>
+        </a:xfrm>
+      </p:grpSpPr>
+      <p:sp>
+        <p:nvSpPr>
+          <p:cNvPr id="2" name="Slide Image Placeholder 1"/>
+          <p:cNvSpPr>
+            <a:spLocks noGrp="1" noRot="1" noChangeAspect="1"/>
+          </p:cNvSpPr>
+          <p:nvPr>
+            <p:ph type="sldImg"/>
+          </p:nvPr>
+        </p:nvSpPr>
+        <p:spPr>
+          <a:xfrm>
+            <a:off x="381000" y="685800"/>
+            <a:ext cx="6096000" cy="3429000"/>
+          </a:xfrm>
+        </p:spPr>
+      </p:sp>
+      <p:sp>
+        <p:nvSpPr>
+          <p:cNvPr id="3" name="Notes Placeholder 2"/>
+          <p:cNvSpPr>
+            <a:spLocks noGrp="1"/>
+          </p:cNvSpPr>
+          <p:nvPr>
+            <p:ph type="body" idx="1"/>
+          </p:nvPr>
+        </p:nvSpPr>
+        <p:spPr/>
+        <p:txBody>
+          <a:bodyPr/>
+          <a:lstStyle/>
+          <a:p>
+            <a:pPr marL="139700" indent="0">
+              <a:buNone/>
+            </a:pPr>
+            <a:r>
+              <a:rPr lang="en-US" dirty="0" err="1"/>
+              <a:t>Unsere</a:t>
+            </a:r>
+            <a:r>
+              <a:rPr lang="en-US" dirty="0"/>
+              <a:t> </a:t>
+            </a:r>
+            <a:r>
+              <a:rPr lang="en-US" dirty="0" err="1"/>
+              <a:t>Hauptaufgaben</a:t>
+            </a:r>
+            <a:r>
+              <a:rPr lang="en-US" dirty="0"/>
+              <a:t> die </a:t>
+            </a:r>
+            <a:r>
+              <a:rPr lang="en-US" dirty="0" err="1"/>
+              <a:t>noch</a:t>
+            </a:r>
+            <a:r>
+              <a:rPr lang="en-US" dirty="0"/>
+              <a:t> </a:t>
+            </a:r>
+            <a:r>
+              <a:rPr lang="en-US" dirty="0" err="1"/>
+              <a:t>vor</a:t>
+            </a:r>
+            <a:r>
+              <a:rPr lang="en-US" dirty="0"/>
+              <a:t> </a:t>
+            </a:r>
+            <a:r>
+              <a:rPr lang="en-US" dirty="0" err="1"/>
+              <a:t>uns</a:t>
+            </a:r>
+            <a:r>
+              <a:rPr lang="en-US" dirty="0"/>
+              <a:t> </a:t>
+            </a:r>
+            <a:r>
+              <a:rPr lang="en-US" dirty="0" err="1"/>
+              <a:t>liegen</a:t>
+            </a:r>
+            <a:r>
+              <a:rPr lang="en-US" dirty="0"/>
+              <a:t>:</a:t>
+            </a:r>
+          </a:p>
+          <a:p>
+            <a:pPr marL="368300" indent="-228600">
+              <a:buAutoNum type="arabicPeriod"/>
+            </a:pPr>
+            <a:r>
+              <a:rPr lang="en-US" dirty="0"/>
+              <a:t>Die </a:t>
+            </a:r>
+            <a:r>
+              <a:rPr lang="en-US" dirty="0" err="1"/>
+              <a:t>Anmeldenseite</a:t>
+            </a:r>
+            <a:endParaRPr lang="en-US" dirty="0"/>
+          </a:p>
+          <a:p>
+            <a:pPr marL="368300" indent="-228600">
+              <a:buAutoNum type="arabicPeriod"/>
+            </a:pPr>
+            <a:r>
+              <a:rPr lang="en-US" dirty="0" err="1"/>
+              <a:t>Nachdem</a:t>
+            </a:r>
+            <a:r>
+              <a:rPr lang="en-US" dirty="0"/>
+              <a:t> man </a:t>
+            </a:r>
+            <a:r>
+              <a:rPr lang="en-US" dirty="0" err="1"/>
+              <a:t>sich</a:t>
+            </a:r>
+            <a:r>
+              <a:rPr lang="en-US" dirty="0"/>
+              <a:t> </a:t>
+            </a:r>
+            <a:r>
+              <a:rPr lang="en-US" dirty="0" err="1"/>
+              <a:t>angemeldet</a:t>
+            </a:r>
+            <a:r>
+              <a:rPr lang="en-US" dirty="0"/>
+              <a:t> hat </a:t>
+            </a:r>
+            <a:r>
+              <a:rPr lang="en-US" dirty="0" err="1"/>
+              <a:t>kann</a:t>
+            </a:r>
+            <a:r>
+              <a:rPr lang="en-US" dirty="0"/>
+              <a:t> man </a:t>
+            </a:r>
+            <a:r>
+              <a:rPr lang="en-US" dirty="0" err="1"/>
+              <a:t>für</a:t>
+            </a:r>
+            <a:r>
+              <a:rPr lang="en-US" dirty="0"/>
+              <a:t> </a:t>
+            </a:r>
+            <a:r>
+              <a:rPr lang="en-US" dirty="0" err="1"/>
+              <a:t>jedes</a:t>
+            </a:r>
+            <a:r>
+              <a:rPr lang="en-US" dirty="0"/>
+              <a:t> Auto </a:t>
+            </a:r>
+            <a:r>
+              <a:rPr lang="en-US" dirty="0" err="1"/>
+              <a:t>Bewertungen</a:t>
+            </a:r>
+            <a:r>
+              <a:rPr lang="en-US" dirty="0"/>
+              <a:t> </a:t>
+            </a:r>
+            <a:r>
+              <a:rPr lang="en-US" dirty="0" err="1"/>
+              <a:t>abgeben</a:t>
+            </a:r>
+            <a:r>
+              <a:rPr lang="en-US" dirty="0"/>
+              <a:t>.</a:t>
+            </a:r>
+          </a:p>
+          <a:p>
+            <a:pPr marL="139700" marR="0" lvl="0" indent="0" algn="l" defTabSz="914400" rtl="0" eaLnBrk="1" fontAlgn="auto" latinLnBrk="0" hangingPunct="1">
+              <a:lnSpc>
+                <a:spcPct val="100000"/>
+              </a:lnSpc>
+              <a:spcBef>
+                <a:spcPts val="0"/>
+              </a:spcBef>
+              <a:spcAft>
+                <a:spcPts val="0"/>
+              </a:spcAft>
+              <a:buClr>
+                <a:srgbClr val="000000"/>
+              </a:buClr>
+              <a:buSzPts val="1400"/>
+              <a:buFont typeface="Arial"/>
+              <a:buNone/>
+              <a:tabLst/>
+              <a:defRPr/>
+            </a:pPr>
+            <a:r>
+              <a:rPr lang="en-US" dirty="0"/>
+              <a:t>3.   Details </a:t>
+            </a:r>
+            <a:r>
+              <a:rPr lang="en-US" dirty="0" err="1"/>
+              <a:t>Seite</a:t>
+            </a:r>
+            <a:r>
+              <a:rPr lang="en-US" dirty="0"/>
+              <a:t> </a:t>
+            </a:r>
+            <a:r>
+              <a:rPr lang="en-US" dirty="0" err="1"/>
+              <a:t>für</a:t>
+            </a:r>
+            <a:r>
+              <a:rPr lang="en-US" dirty="0"/>
+              <a:t> </a:t>
+            </a:r>
+            <a:r>
+              <a:rPr lang="en-US" dirty="0" err="1"/>
+              <a:t>ein</a:t>
+            </a:r>
+            <a:r>
+              <a:rPr lang="en-US" dirty="0"/>
+              <a:t> Auto</a:t>
+            </a:r>
+          </a:p>
+          <a:p>
+            <a:pPr marL="139700" indent="0">
+              <a:buNone/>
+            </a:pPr>
+            <a:r>
+              <a:rPr lang="en-US" dirty="0"/>
+              <a:t> </a:t>
+            </a:r>
+          </a:p>
+        </p:txBody>
+      </p:sp>
+    </p:spTree>
+    <p:extLst>
+      <p:ext uri="{BB962C8B-B14F-4D97-AF65-F5344CB8AC3E}">
+        <p14:creationId xmlns:p14="http://schemas.microsoft.com/office/powerpoint/2010/main" val="3956145306"/>
+      </p:ext>
+    </p:extLst>
+  </p:cSld>
+  <p:clrMapOvr>
+    <a:masterClrMapping/>
+  </p:clrMapOvr>
+</p:notes>
+</file>
+
+<file path=ppt/notesSlides/notesSlide19.xml><?xml version="1.0" encoding="utf-8"?>
 <p:notes xmlns:a="http://schemas.openxmlformats.org/drawingml/2006/main" xmlns:r="http://schemas.openxmlformats.org/officeDocument/2006/relationships" xmlns:p="http://schemas.openxmlformats.org/presentationml/2006/main" showMasterSp="0" showMasterPhAnim="0">
   <p:cSld>
     <p:spTree>
@@ -4328,7 +5001,7 @@
             </a:pPr>
             <a:fld id="{00000000-1234-1234-1234-123412341234}" type="slidenum">
               <a:rPr lang="de-DE" smtClean="0"/>
-              <a:t>‹Nr.›</a:t>
+              <a:t>‹#›</a:t>
             </a:fld>
             <a:endParaRPr lang="de-DE"/>
           </a:p>
@@ -6165,7 +6838,7 @@
             </a:pPr>
             <a:fld id="{00000000-1234-1234-1234-123412341234}" type="slidenum">
               <a:rPr lang="en"/>
-              <a:t>‹Nr.›</a:t>
+              <a:t>‹#›</a:t>
             </a:fld>
             <a:endParaRPr/>
           </a:p>
@@ -6798,7 +7471,7 @@
             </a:pPr>
             <a:fld id="{00000000-1234-1234-1234-123412341234}" type="slidenum">
               <a:rPr lang="en"/>
-              <a:t>‹Nr.›</a:t>
+              <a:t>‹#›</a:t>
             </a:fld>
             <a:endParaRPr/>
           </a:p>
@@ -7160,7 +7833,7 @@
             </a:pPr>
             <a:fld id="{00000000-1234-1234-1234-123412341234}" type="slidenum">
               <a:rPr lang="en"/>
-              <a:t>‹Nr.›</a:t>
+              <a:t>‹#›</a:t>
             </a:fld>
             <a:endParaRPr/>
           </a:p>
@@ -7530,6 +8203,42 @@
           </p:txBody>
         </p:sp>
       </p:grpSp>
+      <p:pic>
+        <p:nvPicPr>
+          <p:cNvPr id="18" name="Picture 17">
+            <a:extLst>
+              <a:ext uri="{FF2B5EF4-FFF2-40B4-BE49-F238E27FC236}">
+                <a16:creationId xmlns:a16="http://schemas.microsoft.com/office/drawing/2014/main" id="{0FF99A09-C8D1-4979-97A0-5E6F7954C42D}"/>
+              </a:ext>
+            </a:extLst>
+          </p:cNvPr>
+          <p:cNvPicPr>
+            <a:picLocks noChangeAspect="1"/>
+          </p:cNvPicPr>
+          <p:nvPr userDrawn="1"/>
+        </p:nvPicPr>
+        <p:blipFill>
+          <a:blip r:embed="rId3">
+            <a:extLst>
+              <a:ext uri="{28A0092B-C50C-407E-A947-70E740481C1C}">
+                <a14:useLocalDpi xmlns:a14="http://schemas.microsoft.com/office/drawing/2010/main" val="0"/>
+              </a:ext>
+            </a:extLst>
+          </a:blip>
+          <a:stretch>
+            <a:fillRect/>
+          </a:stretch>
+        </p:blipFill>
+        <p:spPr>
+          <a:xfrm>
+            <a:off x="8286108" y="128883"/>
+            <a:ext cx="836292" cy="734057"/>
+          </a:xfrm>
+          <a:prstGeom prst="rect">
+            <a:avLst/>
+          </a:prstGeom>
+        </p:spPr>
+      </p:pic>
     </p:spTree>
   </p:cSld>
   <p:clrMapOvr>
@@ -7668,7 +8377,7 @@
             </a:pPr>
             <a:fld id="{00000000-1234-1234-1234-123412341234}" type="slidenum">
               <a:rPr lang="en"/>
-              <a:t>‹Nr.›</a:t>
+              <a:t>‹#›</a:t>
             </a:fld>
             <a:endParaRPr/>
           </a:p>
@@ -8224,7 +8933,7 @@
             </a:pPr>
             <a:fld id="{00000000-1234-1234-1234-123412341234}" type="slidenum">
               <a:rPr lang="en"/>
-              <a:t>‹Nr.›</a:t>
+              <a:t>‹#›</a:t>
             </a:fld>
             <a:endParaRPr dirty="0"/>
           </a:p>
@@ -14301,10 +15010,10 @@
       </p:sp>
       <p:grpSp>
         <p:nvGrpSpPr>
-          <p:cNvPr id="23" name="Group 22">
+          <p:cNvPr id="27" name="Gruppieren 26">
             <a:extLst>
               <a:ext uri="{FF2B5EF4-FFF2-40B4-BE49-F238E27FC236}">
-                <a16:creationId xmlns:a16="http://schemas.microsoft.com/office/drawing/2014/main" id="{2EFBA0F8-5ECF-40C4-AC51-8E89A7ACF702}"/>
+                <a16:creationId xmlns:a16="http://schemas.microsoft.com/office/drawing/2014/main" id="{82FC4F2D-8D0A-43AF-A910-D463243A3C44}"/>
               </a:ext>
             </a:extLst>
           </p:cNvPr>
@@ -14313,120 +15022,12 @@
         </p:nvGrpSpPr>
         <p:grpSpPr>
           <a:xfrm>
-            <a:off x="1216348" y="407601"/>
+            <a:off x="1342063" y="407601"/>
             <a:ext cx="2497473" cy="4328297"/>
             <a:chOff x="1216348" y="407601"/>
             <a:chExt cx="2497473" cy="4328297"/>
           </a:xfrm>
         </p:grpSpPr>
-        <p:grpSp>
-          <p:nvGrpSpPr>
-            <p:cNvPr id="22" name="Group 21">
-              <a:extLst>
-                <a:ext uri="{FF2B5EF4-FFF2-40B4-BE49-F238E27FC236}">
-                  <a16:creationId xmlns:a16="http://schemas.microsoft.com/office/drawing/2014/main" id="{16B5BC36-B1BE-41B0-8093-F5D0F153DADA}"/>
-                </a:ext>
-              </a:extLst>
-            </p:cNvPr>
-            <p:cNvGrpSpPr/>
-            <p:nvPr/>
-          </p:nvGrpSpPr>
-          <p:grpSpPr>
-            <a:xfrm>
-              <a:off x="1517375" y="959561"/>
-              <a:ext cx="1896672" cy="2975516"/>
-              <a:chOff x="1517375" y="959561"/>
-              <a:chExt cx="1896672" cy="2975516"/>
-            </a:xfrm>
-          </p:grpSpPr>
-          <p:pic>
-            <p:nvPicPr>
-              <p:cNvPr id="3" name="Picture 2">
-                <a:extLst>
-                  <a:ext uri="{FF2B5EF4-FFF2-40B4-BE49-F238E27FC236}">
-                    <a16:creationId xmlns:a16="http://schemas.microsoft.com/office/drawing/2014/main" id="{4BC151C0-2389-483B-9DE6-CE8BF36E1502}"/>
-                  </a:ext>
-                </a:extLst>
-              </p:cNvPr>
-              <p:cNvPicPr>
-                <a:picLocks noChangeAspect="1"/>
-              </p:cNvPicPr>
-              <p:nvPr/>
-            </p:nvPicPr>
-            <p:blipFill rotWithShape="1">
-              <a:blip r:embed="rId3"/>
-              <a:srcRect b="40710"/>
-              <a:stretch/>
-            </p:blipFill>
-            <p:spPr>
-              <a:xfrm>
-                <a:off x="1517375" y="959561"/>
-                <a:ext cx="1896672" cy="2009299"/>
-              </a:xfrm>
-              <a:prstGeom prst="rect">
-                <a:avLst/>
-              </a:prstGeom>
-            </p:spPr>
-          </p:pic>
-          <p:pic>
-            <p:nvPicPr>
-              <p:cNvPr id="7" name="Picture 6">
-                <a:extLst>
-                  <a:ext uri="{FF2B5EF4-FFF2-40B4-BE49-F238E27FC236}">
-                    <a16:creationId xmlns:a16="http://schemas.microsoft.com/office/drawing/2014/main" id="{896CAA22-0677-4A02-AE7E-E074619BEC20}"/>
-                  </a:ext>
-                </a:extLst>
-              </p:cNvPr>
-              <p:cNvPicPr>
-                <a:picLocks noChangeAspect="1"/>
-              </p:cNvPicPr>
-              <p:nvPr/>
-            </p:nvPicPr>
-            <p:blipFill rotWithShape="1">
-              <a:blip r:embed="rId3"/>
-              <a:srcRect t="83896"/>
-              <a:stretch/>
-            </p:blipFill>
-            <p:spPr>
-              <a:xfrm>
-                <a:off x="1517375" y="3389331"/>
-                <a:ext cx="1896672" cy="545746"/>
-              </a:xfrm>
-              <a:prstGeom prst="rect">
-                <a:avLst/>
-              </a:prstGeom>
-            </p:spPr>
-          </p:pic>
-          <p:pic>
-            <p:nvPicPr>
-              <p:cNvPr id="8" name="Picture 7">
-                <a:extLst>
-                  <a:ext uri="{FF2B5EF4-FFF2-40B4-BE49-F238E27FC236}">
-                    <a16:creationId xmlns:a16="http://schemas.microsoft.com/office/drawing/2014/main" id="{965994EB-4EE6-462B-9C08-AAC07D56C2F7}"/>
-                  </a:ext>
-                </a:extLst>
-              </p:cNvPr>
-              <p:cNvPicPr>
-                <a:picLocks noChangeAspect="1"/>
-              </p:cNvPicPr>
-              <p:nvPr/>
-            </p:nvPicPr>
-            <p:blipFill rotWithShape="1">
-              <a:blip r:embed="rId3"/>
-              <a:srcRect t="64677" b="22903"/>
-              <a:stretch/>
-            </p:blipFill>
-            <p:spPr>
-              <a:xfrm>
-                <a:off x="1517375" y="2968860"/>
-                <a:ext cx="1896672" cy="420866"/>
-              </a:xfrm>
-              <a:prstGeom prst="rect">
-                <a:avLst/>
-              </a:prstGeom>
-            </p:spPr>
-          </p:pic>
-        </p:grpSp>
         <p:sp>
           <p:nvSpPr>
             <p:cNvPr id="5" name="CustomShape 5">
@@ -14807,13 +15408,422 @@
             <a:fontRef idx="minor"/>
           </p:style>
         </p:sp>
+        <p:pic>
+          <p:nvPicPr>
+            <p:cNvPr id="10" name="Grafik 9">
+              <a:extLst>
+                <a:ext uri="{FF2B5EF4-FFF2-40B4-BE49-F238E27FC236}">
+                  <a16:creationId xmlns:a16="http://schemas.microsoft.com/office/drawing/2014/main" id="{D6F30851-991A-420C-9D3C-9FA04129598E}"/>
+                </a:ext>
+              </a:extLst>
+            </p:cNvPr>
+            <p:cNvPicPr>
+              <a:picLocks noChangeAspect="1"/>
+            </p:cNvPicPr>
+            <p:nvPr/>
+          </p:nvPicPr>
+          <p:blipFill>
+            <a:blip r:embed="rId3"/>
+            <a:stretch>
+              <a:fillRect/>
+            </a:stretch>
+          </p:blipFill>
+          <p:spPr>
+            <a:xfrm>
+              <a:off x="1519952" y="989137"/>
+              <a:ext cx="1889825" cy="2930651"/>
+            </a:xfrm>
+            <a:prstGeom prst="rect">
+              <a:avLst/>
+            </a:prstGeom>
+          </p:spPr>
+        </p:pic>
       </p:grpSp>
+      <p:sp>
+        <p:nvSpPr>
+          <p:cNvPr id="30" name="Textfeld 29">
+            <a:extLst>
+              <a:ext uri="{FF2B5EF4-FFF2-40B4-BE49-F238E27FC236}">
+                <a16:creationId xmlns:a16="http://schemas.microsoft.com/office/drawing/2014/main" id="{6AB04B42-C932-4A5F-968A-FA21A55DA7CE}"/>
+              </a:ext>
+            </a:extLst>
+          </p:cNvPr>
+          <p:cNvSpPr txBox="1"/>
+          <p:nvPr/>
+        </p:nvSpPr>
+        <p:spPr>
+          <a:xfrm>
+            <a:off x="3901442" y="1721621"/>
+            <a:ext cx="3413760" cy="307777"/>
+          </a:xfrm>
+          <a:prstGeom prst="rect">
+            <a:avLst/>
+          </a:prstGeom>
+          <a:noFill/>
+        </p:spPr>
+        <p:txBody>
+          <a:bodyPr wrap="square" rtlCol="0">
+            <a:spAutoFit/>
+          </a:bodyPr>
+          <a:lstStyle/>
+          <a:p>
+            <a:pPr marL="285750" indent="-285750">
+              <a:buFont typeface="Arial" panose="020B0604020202020204" pitchFamily="34" charset="0"/>
+              <a:buChar char="•"/>
+            </a:pPr>
+            <a:r>
+              <a:rPr lang="de-DE" b="1" dirty="0"/>
+              <a:t>Weitere Filter definieren</a:t>
+            </a:r>
+          </a:p>
+        </p:txBody>
+      </p:sp>
+      <p:sp>
+        <p:nvSpPr>
+          <p:cNvPr id="32" name="Textfeld 31">
+            <a:extLst>
+              <a:ext uri="{FF2B5EF4-FFF2-40B4-BE49-F238E27FC236}">
+                <a16:creationId xmlns:a16="http://schemas.microsoft.com/office/drawing/2014/main" id="{AB041E03-F441-4C17-80A1-CFF3675A204A}"/>
+              </a:ext>
+            </a:extLst>
+          </p:cNvPr>
+          <p:cNvSpPr txBox="1"/>
+          <p:nvPr/>
+        </p:nvSpPr>
+        <p:spPr>
+          <a:xfrm>
+            <a:off x="3901442" y="2146685"/>
+            <a:ext cx="3413760" cy="307777"/>
+          </a:xfrm>
+          <a:prstGeom prst="rect">
+            <a:avLst/>
+          </a:prstGeom>
+          <a:noFill/>
+        </p:spPr>
+        <p:txBody>
+          <a:bodyPr wrap="square" rtlCol="0">
+            <a:spAutoFit/>
+          </a:bodyPr>
+          <a:lstStyle/>
+          <a:p>
+            <a:pPr marL="285750" indent="-285750">
+              <a:buFont typeface="Arial" panose="020B0604020202020204" pitchFamily="34" charset="0"/>
+              <a:buChar char="•"/>
+            </a:pPr>
+            <a:r>
+              <a:rPr lang="de-DE" b="1" dirty="0"/>
+              <a:t>Filter ein und ausblenden</a:t>
+            </a:r>
+          </a:p>
+        </p:txBody>
+      </p:sp>
+      <p:sp>
+        <p:nvSpPr>
+          <p:cNvPr id="33" name="Textfeld 32">
+            <a:extLst>
+              <a:ext uri="{FF2B5EF4-FFF2-40B4-BE49-F238E27FC236}">
+                <a16:creationId xmlns:a16="http://schemas.microsoft.com/office/drawing/2014/main" id="{48035B02-461F-4F19-B1E8-17965896B691}"/>
+              </a:ext>
+            </a:extLst>
+          </p:cNvPr>
+          <p:cNvSpPr txBox="1"/>
+          <p:nvPr/>
+        </p:nvSpPr>
+        <p:spPr>
+          <a:xfrm>
+            <a:off x="3901442" y="2571749"/>
+            <a:ext cx="3413760" cy="307777"/>
+          </a:xfrm>
+          <a:prstGeom prst="rect">
+            <a:avLst/>
+          </a:prstGeom>
+          <a:noFill/>
+        </p:spPr>
+        <p:txBody>
+          <a:bodyPr wrap="square" rtlCol="0">
+            <a:spAutoFit/>
+          </a:bodyPr>
+          <a:lstStyle/>
+          <a:p>
+            <a:pPr marL="285750" indent="-285750">
+              <a:buFont typeface="Arial" panose="020B0604020202020204" pitchFamily="34" charset="0"/>
+              <a:buChar char="•"/>
+            </a:pPr>
+            <a:r>
+              <a:rPr lang="de-DE" b="1" dirty="0"/>
+              <a:t>Filter nach Gewichtung anordnen</a:t>
+            </a:r>
+          </a:p>
+        </p:txBody>
+      </p:sp>
+    </p:spTree>
+    <p:extLst>
+      <p:ext uri="{BB962C8B-B14F-4D97-AF65-F5344CB8AC3E}">
+        <p14:creationId xmlns:p14="http://schemas.microsoft.com/office/powerpoint/2010/main" val="255804987"/>
+      </p:ext>
+    </p:extLst>
+  </p:cSld>
+  <p:clrMapOvr>
+    <a:masterClrMapping/>
+  </p:clrMapOvr>
+  <p:timing>
+    <p:tnLst>
+      <p:par>
+        <p:cTn id="1" dur="indefinite" restart="never" nodeType="tmRoot">
+          <p:childTnLst>
+            <p:seq concurrent="1" nextAc="seek">
+              <p:cTn id="2" dur="indefinite" nodeType="mainSeq">
+                <p:childTnLst>
+                  <p:par>
+                    <p:cTn id="3" fill="hold">
+                      <p:stCondLst>
+                        <p:cond delay="indefinite"/>
+                      </p:stCondLst>
+                      <p:childTnLst>
+                        <p:par>
+                          <p:cTn id="4" fill="hold">
+                            <p:stCondLst>
+                              <p:cond delay="0"/>
+                            </p:stCondLst>
+                            <p:childTnLst>
+                              <p:par>
+                                <p:cTn id="5" presetID="10" presetClass="entr" presetSubtype="0" fill="hold" grpId="0" nodeType="clickEffect">
+                                  <p:stCondLst>
+                                    <p:cond delay="0"/>
+                                  </p:stCondLst>
+                                  <p:childTnLst>
+                                    <p:set>
+                                      <p:cBhvr>
+                                        <p:cTn id="6" dur="1" fill="hold">
+                                          <p:stCondLst>
+                                            <p:cond delay="0"/>
+                                          </p:stCondLst>
+                                        </p:cTn>
+                                        <p:tgtEl>
+                                          <p:spTgt spid="30"/>
+                                        </p:tgtEl>
+                                        <p:attrNameLst>
+                                          <p:attrName>style.visibility</p:attrName>
+                                        </p:attrNameLst>
+                                      </p:cBhvr>
+                                      <p:to>
+                                        <p:strVal val="visible"/>
+                                      </p:to>
+                                    </p:set>
+                                    <p:animEffect transition="in" filter="fade">
+                                      <p:cBhvr>
+                                        <p:cTn id="7" dur="500"/>
+                                        <p:tgtEl>
+                                          <p:spTgt spid="30"/>
+                                        </p:tgtEl>
+                                      </p:cBhvr>
+                                    </p:animEffect>
+                                  </p:childTnLst>
+                                </p:cTn>
+                              </p:par>
+                            </p:childTnLst>
+                          </p:cTn>
+                        </p:par>
+                      </p:childTnLst>
+                    </p:cTn>
+                  </p:par>
+                  <p:par>
+                    <p:cTn id="8" fill="hold">
+                      <p:stCondLst>
+                        <p:cond delay="indefinite"/>
+                      </p:stCondLst>
+                      <p:childTnLst>
+                        <p:par>
+                          <p:cTn id="9" fill="hold">
+                            <p:stCondLst>
+                              <p:cond delay="0"/>
+                            </p:stCondLst>
+                            <p:childTnLst>
+                              <p:par>
+                                <p:cTn id="10" presetID="10" presetClass="entr" presetSubtype="0" fill="hold" grpId="0" nodeType="clickEffect">
+                                  <p:stCondLst>
+                                    <p:cond delay="0"/>
+                                  </p:stCondLst>
+                                  <p:childTnLst>
+                                    <p:set>
+                                      <p:cBhvr>
+                                        <p:cTn id="11" dur="1" fill="hold">
+                                          <p:stCondLst>
+                                            <p:cond delay="0"/>
+                                          </p:stCondLst>
+                                        </p:cTn>
+                                        <p:tgtEl>
+                                          <p:spTgt spid="32"/>
+                                        </p:tgtEl>
+                                        <p:attrNameLst>
+                                          <p:attrName>style.visibility</p:attrName>
+                                        </p:attrNameLst>
+                                      </p:cBhvr>
+                                      <p:to>
+                                        <p:strVal val="visible"/>
+                                      </p:to>
+                                    </p:set>
+                                    <p:animEffect transition="in" filter="fade">
+                                      <p:cBhvr>
+                                        <p:cTn id="12" dur="500"/>
+                                        <p:tgtEl>
+                                          <p:spTgt spid="32"/>
+                                        </p:tgtEl>
+                                      </p:cBhvr>
+                                    </p:animEffect>
+                                  </p:childTnLst>
+                                </p:cTn>
+                              </p:par>
+                            </p:childTnLst>
+                          </p:cTn>
+                        </p:par>
+                      </p:childTnLst>
+                    </p:cTn>
+                  </p:par>
+                  <p:par>
+                    <p:cTn id="13" fill="hold">
+                      <p:stCondLst>
+                        <p:cond delay="indefinite"/>
+                      </p:stCondLst>
+                      <p:childTnLst>
+                        <p:par>
+                          <p:cTn id="14" fill="hold">
+                            <p:stCondLst>
+                              <p:cond delay="0"/>
+                            </p:stCondLst>
+                            <p:childTnLst>
+                              <p:par>
+                                <p:cTn id="15" presetID="10" presetClass="entr" presetSubtype="0" fill="hold" grpId="0" nodeType="clickEffect">
+                                  <p:stCondLst>
+                                    <p:cond delay="0"/>
+                                  </p:stCondLst>
+                                  <p:childTnLst>
+                                    <p:set>
+                                      <p:cBhvr>
+                                        <p:cTn id="16" dur="1" fill="hold">
+                                          <p:stCondLst>
+                                            <p:cond delay="0"/>
+                                          </p:stCondLst>
+                                        </p:cTn>
+                                        <p:tgtEl>
+                                          <p:spTgt spid="33"/>
+                                        </p:tgtEl>
+                                        <p:attrNameLst>
+                                          <p:attrName>style.visibility</p:attrName>
+                                        </p:attrNameLst>
+                                      </p:cBhvr>
+                                      <p:to>
+                                        <p:strVal val="visible"/>
+                                      </p:to>
+                                    </p:set>
+                                    <p:animEffect transition="in" filter="fade">
+                                      <p:cBhvr>
+                                        <p:cTn id="17" dur="500"/>
+                                        <p:tgtEl>
+                                          <p:spTgt spid="33"/>
+                                        </p:tgtEl>
+                                      </p:cBhvr>
+                                    </p:animEffect>
+                                  </p:childTnLst>
+                                </p:cTn>
+                              </p:par>
+                            </p:childTnLst>
+                          </p:cTn>
+                        </p:par>
+                      </p:childTnLst>
+                    </p:cTn>
+                  </p:par>
+                </p:childTnLst>
+              </p:cTn>
+              <p:prevCondLst>
+                <p:cond evt="onPrev" delay="0">
+                  <p:tgtEl>
+                    <p:sldTgt/>
+                  </p:tgtEl>
+                </p:cond>
+              </p:prevCondLst>
+              <p:nextCondLst>
+                <p:cond evt="onNext" delay="0">
+                  <p:tgtEl>
+                    <p:sldTgt/>
+                  </p:tgtEl>
+                </p:cond>
+              </p:nextCondLst>
+            </p:seq>
+          </p:childTnLst>
+        </p:cTn>
+      </p:par>
+    </p:tnLst>
+    <p:bldLst>
+      <p:bldP spid="30" grpId="0"/>
+      <p:bldP spid="32" grpId="0"/>
+      <p:bldP spid="33" grpId="0"/>
+    </p:bldLst>
+  </p:timing>
+</p:sld>
+</file>
+
+<file path=ppt/slides/slide17.xml><?xml version="1.0" encoding="utf-8"?>
+<p:sld xmlns:a="http://schemas.openxmlformats.org/drawingml/2006/main" xmlns:r="http://schemas.openxmlformats.org/officeDocument/2006/relationships" xmlns:p="http://schemas.openxmlformats.org/presentationml/2006/main">
+  <p:cSld>
+    <p:spTree>
+      <p:nvGrpSpPr>
+        <p:cNvPr id="1" name=""/>
+        <p:cNvGrpSpPr/>
+        <p:nvPr/>
+      </p:nvGrpSpPr>
+      <p:grpSpPr>
+        <a:xfrm>
+          <a:off x="0" y="0"/>
+          <a:ext cx="0" cy="0"/>
+          <a:chOff x="0" y="0"/>
+          <a:chExt cx="0" cy="0"/>
+        </a:xfrm>
+      </p:grpSpPr>
+      <p:sp>
+        <p:nvSpPr>
+          <p:cNvPr id="2" name="Slide Number Placeholder 1">
+            <a:extLst>
+              <a:ext uri="{FF2B5EF4-FFF2-40B4-BE49-F238E27FC236}">
+                <a16:creationId xmlns:a16="http://schemas.microsoft.com/office/drawing/2014/main" id="{9AAAC144-5B35-4BAC-8CB1-CB3DC61A4171}"/>
+              </a:ext>
+            </a:extLst>
+          </p:cNvPr>
+          <p:cNvSpPr>
+            <a:spLocks noGrp="1"/>
+          </p:cNvSpPr>
+          <p:nvPr>
+            <p:ph type="sldNum" idx="12"/>
+          </p:nvPr>
+        </p:nvSpPr>
+        <p:spPr/>
+        <p:txBody>
+          <a:bodyPr/>
+          <a:lstStyle/>
+          <a:p>
+            <a:pPr marL="0" lvl="0" indent="0" algn="ctr" rtl="0">
+              <a:spcBef>
+                <a:spcPts val="0"/>
+              </a:spcBef>
+              <a:spcAft>
+                <a:spcPts val="0"/>
+              </a:spcAft>
+              <a:buNone/>
+            </a:pPr>
+            <a:fld id="{00000000-1234-1234-1234-123412341234}" type="slidenum">
+              <a:rPr lang="en" smtClean="0"/>
+              <a:t>17</a:t>
+            </a:fld>
+            <a:endParaRPr lang="en"/>
+          </a:p>
+        </p:txBody>
+      </p:sp>
       <p:grpSp>
         <p:nvGrpSpPr>
-          <p:cNvPr id="29" name="Group 28">
+          <p:cNvPr id="12" name="Gruppieren 11">
             <a:extLst>
               <a:ext uri="{FF2B5EF4-FFF2-40B4-BE49-F238E27FC236}">
-                <a16:creationId xmlns:a16="http://schemas.microsoft.com/office/drawing/2014/main" id="{EC4702B5-B261-45FF-ABA1-07DD9300D47A}"/>
+                <a16:creationId xmlns:a16="http://schemas.microsoft.com/office/drawing/2014/main" id="{02577253-7031-43E2-A912-28EB2E304F29}"/>
               </a:ext>
             </a:extLst>
           </p:cNvPr>
@@ -14822,7 +15832,7 @@
         </p:nvGrpSpPr>
         <p:grpSpPr>
           <a:xfrm>
-            <a:off x="5430179" y="407995"/>
+            <a:off x="3323263" y="407995"/>
             <a:ext cx="2497473" cy="4328297"/>
             <a:chOff x="5430179" y="407995"/>
             <a:chExt cx="2497473" cy="4328297"/>
@@ -14830,10 +15840,10 @@
         </p:grpSpPr>
         <p:grpSp>
           <p:nvGrpSpPr>
-            <p:cNvPr id="28" name="Group 27">
+            <p:cNvPr id="13" name="Group 28">
               <a:extLst>
                 <a:ext uri="{FF2B5EF4-FFF2-40B4-BE49-F238E27FC236}">
-                  <a16:creationId xmlns:a16="http://schemas.microsoft.com/office/drawing/2014/main" id="{72EDDF90-D07D-4A7C-9515-625BB93AAC52}"/>
+                  <a16:creationId xmlns:a16="http://schemas.microsoft.com/office/drawing/2014/main" id="{13FDA05C-6A0D-428C-8146-D2BA77A755BF}"/>
                 </a:ext>
               </a:extLst>
             </p:cNvPr>
@@ -14842,97 +15852,18 @@
           </p:nvGrpSpPr>
           <p:grpSpPr>
             <a:xfrm>
-              <a:off x="5729952" y="959955"/>
-              <a:ext cx="1904443" cy="2947677"/>
-              <a:chOff x="5729952" y="959955"/>
-              <a:chExt cx="1904443" cy="2947677"/>
+              <a:off x="5430179" y="407995"/>
+              <a:ext cx="2497473" cy="4328297"/>
+              <a:chOff x="5430179" y="407995"/>
+              <a:chExt cx="2497473" cy="4328297"/>
             </a:xfrm>
           </p:grpSpPr>
-          <p:grpSp>
-            <p:nvGrpSpPr>
-              <p:cNvPr id="25" name="Group 24">
+          <p:pic>
+            <p:nvPicPr>
+              <p:cNvPr id="18" name="Picture 23">
                 <a:extLst>
                   <a:ext uri="{FF2B5EF4-FFF2-40B4-BE49-F238E27FC236}">
-                    <a16:creationId xmlns:a16="http://schemas.microsoft.com/office/drawing/2014/main" id="{6A1FC245-2B5C-442A-8493-DFBE6E2CCED9}"/>
-                  </a:ext>
-                </a:extLst>
-              </p:cNvPr>
-              <p:cNvGrpSpPr/>
-              <p:nvPr/>
-            </p:nvGrpSpPr>
-            <p:grpSpPr>
-              <a:xfrm>
-                <a:off x="5729952" y="959955"/>
-                <a:ext cx="1903255" cy="2947677"/>
-                <a:chOff x="5729952" y="959955"/>
-                <a:chExt cx="1903255" cy="2947677"/>
-              </a:xfrm>
-            </p:grpSpPr>
-            <p:pic>
-              <p:nvPicPr>
-                <p:cNvPr id="24" name="Picture 23">
-                  <a:extLst>
-                    <a:ext uri="{FF2B5EF4-FFF2-40B4-BE49-F238E27FC236}">
-                      <a16:creationId xmlns:a16="http://schemas.microsoft.com/office/drawing/2014/main" id="{04ACFA50-4275-4748-8F93-E4AED21468DF}"/>
-                    </a:ext>
-                  </a:extLst>
-                </p:cNvPr>
-                <p:cNvPicPr>
-                  <a:picLocks noChangeAspect="1"/>
-                </p:cNvPicPr>
-                <p:nvPr/>
-              </p:nvPicPr>
-              <p:blipFill rotWithShape="1">
-                <a:blip r:embed="rId4"/>
-                <a:srcRect t="35502" b="61544"/>
-                <a:stretch/>
-              </p:blipFill>
-              <p:spPr>
-                <a:xfrm>
-                  <a:off x="5729952" y="3389726"/>
-                  <a:ext cx="1896673" cy="517906"/>
-                </a:xfrm>
-                <a:prstGeom prst="rect">
-                  <a:avLst/>
-                </a:prstGeom>
-              </p:spPr>
-            </p:pic>
-            <p:pic>
-              <p:nvPicPr>
-                <p:cNvPr id="18" name="Picture 17">
-                  <a:extLst>
-                    <a:ext uri="{FF2B5EF4-FFF2-40B4-BE49-F238E27FC236}">
-                      <a16:creationId xmlns:a16="http://schemas.microsoft.com/office/drawing/2014/main" id="{1EE3AB1A-2EDD-4AC5-8C57-6F9AD18AA85F}"/>
-                    </a:ext>
-                  </a:extLst>
-                </p:cNvPr>
-                <p:cNvPicPr>
-                  <a:picLocks noChangeAspect="1"/>
-                </p:cNvPicPr>
-                <p:nvPr/>
-              </p:nvPicPr>
-              <p:blipFill rotWithShape="1">
-                <a:blip r:embed="rId4"/>
-                <a:srcRect b="28246"/>
-                <a:stretch/>
-              </p:blipFill>
-              <p:spPr>
-                <a:xfrm>
-                  <a:off x="5736534" y="959955"/>
-                  <a:ext cx="1896673" cy="2429771"/>
-                </a:xfrm>
-                <a:prstGeom prst="rect">
-                  <a:avLst/>
-                </a:prstGeom>
-              </p:spPr>
-            </p:pic>
-          </p:grpSp>
-          <p:pic>
-            <p:nvPicPr>
-              <p:cNvPr id="19" name="Picture 18">
-                <a:extLst>
-                  <a:ext uri="{FF2B5EF4-FFF2-40B4-BE49-F238E27FC236}">
-                    <a16:creationId xmlns:a16="http://schemas.microsoft.com/office/drawing/2014/main" id="{95309C77-524C-4B89-A42F-26A839115CE9}"/>
+                    <a16:creationId xmlns:a16="http://schemas.microsoft.com/office/drawing/2014/main" id="{97027138-975B-4828-8419-68240826B6A3}"/>
                   </a:ext>
                 </a:extLst>
               </p:cNvPr>
@@ -14942,27 +15873,1518 @@
               <p:nvPr/>
             </p:nvPicPr>
             <p:blipFill rotWithShape="1">
-              <a:blip r:embed="rId4"/>
-              <a:srcRect t="96008" b="-6811"/>
+              <a:blip r:embed="rId3"/>
+              <a:srcRect t="35502" b="61544"/>
               <a:stretch/>
             </p:blipFill>
             <p:spPr>
               <a:xfrm>
-                <a:off x="5737722" y="3386545"/>
-                <a:ext cx="1896673" cy="365836"/>
+                <a:off x="5729952" y="3389726"/>
+                <a:ext cx="1896673" cy="517906"/>
               </a:xfrm>
               <a:prstGeom prst="rect">
                 <a:avLst/>
               </a:prstGeom>
             </p:spPr>
           </p:pic>
+          <p:sp>
+            <p:nvSpPr>
+              <p:cNvPr id="19" name="CustomShape 5">
+                <a:extLst>
+                  <a:ext uri="{FF2B5EF4-FFF2-40B4-BE49-F238E27FC236}">
+                    <a16:creationId xmlns:a16="http://schemas.microsoft.com/office/drawing/2014/main" id="{B3034063-4969-4D0B-AE0C-BA25D3ACBC60}"/>
+                  </a:ext>
+                </a:extLst>
+              </p:cNvPr>
+              <p:cNvSpPr/>
+              <p:nvPr/>
+            </p:nvSpPr>
+            <p:spPr>
+              <a:xfrm>
+                <a:off x="5430179" y="407995"/>
+                <a:ext cx="2497473" cy="4328297"/>
+              </a:xfrm>
+              <a:custGeom>
+                <a:avLst/>
+                <a:gdLst/>
+                <a:ahLst/>
+                <a:cxnLst/>
+                <a:rect l="l" t="t" r="r" b="b"/>
+                <a:pathLst>
+                  <a:path w="11838" h="20508">
+                    <a:moveTo>
+                      <a:pt x="10547" y="1"/>
+                    </a:moveTo>
+                    <a:lnTo>
+                      <a:pt x="1292" y="1"/>
+                    </a:lnTo>
+                    <a:lnTo>
+                      <a:pt x="1292" y="1"/>
+                    </a:lnTo>
+                    <a:lnTo>
+                      <a:pt x="1024" y="25"/>
+                    </a:lnTo>
+                    <a:lnTo>
+                      <a:pt x="780" y="98"/>
+                    </a:lnTo>
+                    <a:lnTo>
+                      <a:pt x="561" y="220"/>
+                    </a:lnTo>
+                    <a:lnTo>
+                      <a:pt x="366" y="366"/>
+                    </a:lnTo>
+                    <a:lnTo>
+                      <a:pt x="220" y="561"/>
+                    </a:lnTo>
+                    <a:lnTo>
+                      <a:pt x="98" y="780"/>
+                    </a:lnTo>
+                    <a:lnTo>
+                      <a:pt x="25" y="1024"/>
+                    </a:lnTo>
+                    <a:lnTo>
+                      <a:pt x="1" y="1292"/>
+                    </a:lnTo>
+                    <a:lnTo>
+                      <a:pt x="1" y="19217"/>
+                    </a:lnTo>
+                    <a:lnTo>
+                      <a:pt x="1" y="19217"/>
+                    </a:lnTo>
+                    <a:lnTo>
+                      <a:pt x="25" y="19485"/>
+                    </a:lnTo>
+                    <a:lnTo>
+                      <a:pt x="98" y="19728"/>
+                    </a:lnTo>
+                    <a:lnTo>
+                      <a:pt x="220" y="19948"/>
+                    </a:lnTo>
+                    <a:lnTo>
+                      <a:pt x="366" y="20142"/>
+                    </a:lnTo>
+                    <a:lnTo>
+                      <a:pt x="561" y="20289"/>
+                    </a:lnTo>
+                    <a:lnTo>
+                      <a:pt x="780" y="20410"/>
+                    </a:lnTo>
+                    <a:lnTo>
+                      <a:pt x="1024" y="20483"/>
+                    </a:lnTo>
+                    <a:lnTo>
+                      <a:pt x="1292" y="20508"/>
+                    </a:lnTo>
+                    <a:lnTo>
+                      <a:pt x="10547" y="20508"/>
+                    </a:lnTo>
+                    <a:lnTo>
+                      <a:pt x="10547" y="20508"/>
+                    </a:lnTo>
+                    <a:lnTo>
+                      <a:pt x="10814" y="20483"/>
+                    </a:lnTo>
+                    <a:lnTo>
+                      <a:pt x="11058" y="20410"/>
+                    </a:lnTo>
+                    <a:lnTo>
+                      <a:pt x="11277" y="20289"/>
+                    </a:lnTo>
+                    <a:lnTo>
+                      <a:pt x="11472" y="20142"/>
+                    </a:lnTo>
+                    <a:lnTo>
+                      <a:pt x="11618" y="19948"/>
+                    </a:lnTo>
+                    <a:lnTo>
+                      <a:pt x="11740" y="19728"/>
+                    </a:lnTo>
+                    <a:lnTo>
+                      <a:pt x="11813" y="19485"/>
+                    </a:lnTo>
+                    <a:lnTo>
+                      <a:pt x="11837" y="19217"/>
+                    </a:lnTo>
+                    <a:lnTo>
+                      <a:pt x="11837" y="1292"/>
+                    </a:lnTo>
+                    <a:lnTo>
+                      <a:pt x="11837" y="1292"/>
+                    </a:lnTo>
+                    <a:lnTo>
+                      <a:pt x="11813" y="1024"/>
+                    </a:lnTo>
+                    <a:lnTo>
+                      <a:pt x="11740" y="780"/>
+                    </a:lnTo>
+                    <a:lnTo>
+                      <a:pt x="11618" y="561"/>
+                    </a:lnTo>
+                    <a:lnTo>
+                      <a:pt x="11472" y="366"/>
+                    </a:lnTo>
+                    <a:lnTo>
+                      <a:pt x="11277" y="220"/>
+                    </a:lnTo>
+                    <a:lnTo>
+                      <a:pt x="11058" y="98"/>
+                    </a:lnTo>
+                    <a:lnTo>
+                      <a:pt x="10814" y="25"/>
+                    </a:lnTo>
+                    <a:lnTo>
+                      <a:pt x="10547" y="1"/>
+                    </a:lnTo>
+                    <a:lnTo>
+                      <a:pt x="10547" y="1"/>
+                    </a:lnTo>
+                    <a:close/>
+                    <a:moveTo>
+                      <a:pt x="5554" y="975"/>
+                    </a:moveTo>
+                    <a:lnTo>
+                      <a:pt x="6284" y="975"/>
+                    </a:lnTo>
+                    <a:lnTo>
+                      <a:pt x="6284" y="975"/>
+                    </a:lnTo>
+                    <a:lnTo>
+                      <a:pt x="6406" y="999"/>
+                    </a:lnTo>
+                    <a:lnTo>
+                      <a:pt x="6479" y="1073"/>
+                    </a:lnTo>
+                    <a:lnTo>
+                      <a:pt x="6552" y="1146"/>
+                    </a:lnTo>
+                    <a:lnTo>
+                      <a:pt x="6577" y="1267"/>
+                    </a:lnTo>
+                    <a:lnTo>
+                      <a:pt x="6577" y="1267"/>
+                    </a:lnTo>
+                    <a:lnTo>
+                      <a:pt x="6552" y="1365"/>
+                    </a:lnTo>
+                    <a:lnTo>
+                      <a:pt x="6479" y="1462"/>
+                    </a:lnTo>
+                    <a:lnTo>
+                      <a:pt x="6406" y="1511"/>
+                    </a:lnTo>
+                    <a:lnTo>
+                      <a:pt x="6284" y="1535"/>
+                    </a:lnTo>
+                    <a:lnTo>
+                      <a:pt x="5554" y="1535"/>
+                    </a:lnTo>
+                    <a:lnTo>
+                      <a:pt x="5554" y="1535"/>
+                    </a:lnTo>
+                    <a:lnTo>
+                      <a:pt x="5432" y="1511"/>
+                    </a:lnTo>
+                    <a:lnTo>
+                      <a:pt x="5359" y="1462"/>
+                    </a:lnTo>
+                    <a:lnTo>
+                      <a:pt x="5286" y="1365"/>
+                    </a:lnTo>
+                    <a:lnTo>
+                      <a:pt x="5262" y="1267"/>
+                    </a:lnTo>
+                    <a:lnTo>
+                      <a:pt x="5262" y="1267"/>
+                    </a:lnTo>
+                    <a:lnTo>
+                      <a:pt x="5286" y="1146"/>
+                    </a:lnTo>
+                    <a:lnTo>
+                      <a:pt x="5359" y="1073"/>
+                    </a:lnTo>
+                    <a:lnTo>
+                      <a:pt x="5432" y="999"/>
+                    </a:lnTo>
+                    <a:lnTo>
+                      <a:pt x="5554" y="975"/>
+                    </a:lnTo>
+                    <a:lnTo>
+                      <a:pt x="5554" y="975"/>
+                    </a:lnTo>
+                    <a:close/>
+                    <a:moveTo>
+                      <a:pt x="5919" y="19436"/>
+                    </a:moveTo>
+                    <a:lnTo>
+                      <a:pt x="5919" y="19436"/>
+                    </a:lnTo>
+                    <a:lnTo>
+                      <a:pt x="5749" y="19412"/>
+                    </a:lnTo>
+                    <a:lnTo>
+                      <a:pt x="5578" y="19363"/>
+                    </a:lnTo>
+                    <a:lnTo>
+                      <a:pt x="5432" y="19290"/>
+                    </a:lnTo>
+                    <a:lnTo>
+                      <a:pt x="5310" y="19193"/>
+                    </a:lnTo>
+                    <a:lnTo>
+                      <a:pt x="5213" y="19071"/>
+                    </a:lnTo>
+                    <a:lnTo>
+                      <a:pt x="5140" y="18925"/>
+                    </a:lnTo>
+                    <a:lnTo>
+                      <a:pt x="5091" y="18754"/>
+                    </a:lnTo>
+                    <a:lnTo>
+                      <a:pt x="5067" y="18584"/>
+                    </a:lnTo>
+                    <a:lnTo>
+                      <a:pt x="5067" y="18584"/>
+                    </a:lnTo>
+                    <a:lnTo>
+                      <a:pt x="5091" y="18413"/>
+                    </a:lnTo>
+                    <a:lnTo>
+                      <a:pt x="5140" y="18243"/>
+                    </a:lnTo>
+                    <a:lnTo>
+                      <a:pt x="5213" y="18097"/>
+                    </a:lnTo>
+                    <a:lnTo>
+                      <a:pt x="5310" y="17975"/>
+                    </a:lnTo>
+                    <a:lnTo>
+                      <a:pt x="5432" y="17877"/>
+                    </a:lnTo>
+                    <a:lnTo>
+                      <a:pt x="5578" y="17804"/>
+                    </a:lnTo>
+                    <a:lnTo>
+                      <a:pt x="5749" y="17756"/>
+                    </a:lnTo>
+                    <a:lnTo>
+                      <a:pt x="5919" y="17731"/>
+                    </a:lnTo>
+                    <a:lnTo>
+                      <a:pt x="5919" y="17731"/>
+                    </a:lnTo>
+                    <a:lnTo>
+                      <a:pt x="6090" y="17756"/>
+                    </a:lnTo>
+                    <a:lnTo>
+                      <a:pt x="6260" y="17804"/>
+                    </a:lnTo>
+                    <a:lnTo>
+                      <a:pt x="6406" y="17877"/>
+                    </a:lnTo>
+                    <a:lnTo>
+                      <a:pt x="6528" y="17975"/>
+                    </a:lnTo>
+                    <a:lnTo>
+                      <a:pt x="6625" y="18097"/>
+                    </a:lnTo>
+                    <a:lnTo>
+                      <a:pt x="6699" y="18243"/>
+                    </a:lnTo>
+                    <a:lnTo>
+                      <a:pt x="6747" y="18413"/>
+                    </a:lnTo>
+                    <a:lnTo>
+                      <a:pt x="6772" y="18584"/>
+                    </a:lnTo>
+                    <a:lnTo>
+                      <a:pt x="6772" y="18584"/>
+                    </a:lnTo>
+                    <a:lnTo>
+                      <a:pt x="6747" y="18754"/>
+                    </a:lnTo>
+                    <a:lnTo>
+                      <a:pt x="6699" y="18925"/>
+                    </a:lnTo>
+                    <a:lnTo>
+                      <a:pt x="6625" y="19071"/>
+                    </a:lnTo>
+                    <a:lnTo>
+                      <a:pt x="6528" y="19193"/>
+                    </a:lnTo>
+                    <a:lnTo>
+                      <a:pt x="6406" y="19290"/>
+                    </a:lnTo>
+                    <a:lnTo>
+                      <a:pt x="6260" y="19363"/>
+                    </a:lnTo>
+                    <a:lnTo>
+                      <a:pt x="6090" y="19412"/>
+                    </a:lnTo>
+                    <a:lnTo>
+                      <a:pt x="5919" y="19436"/>
+                    </a:lnTo>
+                    <a:lnTo>
+                      <a:pt x="5919" y="19436"/>
+                    </a:lnTo>
+                    <a:close/>
+                    <a:moveTo>
+                      <a:pt x="10547" y="16660"/>
+                    </a:moveTo>
+                    <a:lnTo>
+                      <a:pt x="1292" y="16660"/>
+                    </a:lnTo>
+                    <a:lnTo>
+                      <a:pt x="1292" y="2558"/>
+                    </a:lnTo>
+                    <a:lnTo>
+                      <a:pt x="10547" y="2558"/>
+                    </a:lnTo>
+                    <a:lnTo>
+                      <a:pt x="10547" y="16660"/>
+                    </a:lnTo>
+                    <a:close/>
+                  </a:path>
+                </a:pathLst>
+              </a:custGeom>
+              <a:noFill/>
+              <a:ln w="12240">
+                <a:solidFill>
+                  <a:srgbClr val="000000"/>
+                </a:solidFill>
+                <a:round/>
+              </a:ln>
+            </p:spPr>
+            <p:style>
+              <a:lnRef idx="0">
+                <a:scrgbClr r="0" g="0" b="0"/>
+              </a:lnRef>
+              <a:fillRef idx="0">
+                <a:scrgbClr r="0" g="0" b="0"/>
+              </a:fillRef>
+              <a:effectRef idx="0">
+                <a:scrgbClr r="0" g="0" b="0"/>
+              </a:effectRef>
+              <a:fontRef idx="minor"/>
+            </p:style>
+          </p:sp>
         </p:grpSp>
+        <p:pic>
+          <p:nvPicPr>
+            <p:cNvPr id="16" name="Grafik 15">
+              <a:extLst>
+                <a:ext uri="{FF2B5EF4-FFF2-40B4-BE49-F238E27FC236}">
+                  <a16:creationId xmlns:a16="http://schemas.microsoft.com/office/drawing/2014/main" id="{FB051962-9A06-4CB5-81A9-8DE12C6293F7}"/>
+                </a:ext>
+              </a:extLst>
+            </p:cNvPr>
+            <p:cNvPicPr>
+              <a:picLocks/>
+            </p:cNvPicPr>
+            <p:nvPr/>
+          </p:nvPicPr>
+          <p:blipFill>
+            <a:blip r:embed="rId4"/>
+            <a:stretch>
+              <a:fillRect/>
+            </a:stretch>
+          </p:blipFill>
+          <p:spPr>
+            <a:xfrm>
+              <a:off x="5729952" y="989137"/>
+              <a:ext cx="1890000" cy="2930400"/>
+            </a:xfrm>
+            <a:prstGeom prst="rect">
+              <a:avLst/>
+            </a:prstGeom>
+          </p:spPr>
+        </p:pic>
+      </p:grpSp>
+    </p:spTree>
+    <p:extLst>
+      <p:ext uri="{BB962C8B-B14F-4D97-AF65-F5344CB8AC3E}">
+        <p14:creationId xmlns:p14="http://schemas.microsoft.com/office/powerpoint/2010/main" val="438264193"/>
+      </p:ext>
+    </p:extLst>
+  </p:cSld>
+  <p:clrMapOvr>
+    <a:masterClrMapping/>
+  </p:clrMapOvr>
+</p:sld>
+</file>
+
+<file path=ppt/slides/slide18.xml><?xml version="1.0" encoding="utf-8"?>
+<p:sld xmlns:a="http://schemas.openxmlformats.org/drawingml/2006/main" xmlns:r="http://schemas.openxmlformats.org/officeDocument/2006/relationships" xmlns:p="http://schemas.openxmlformats.org/presentationml/2006/main">
+  <p:cSld>
+    <p:spTree>
+      <p:nvGrpSpPr>
+        <p:cNvPr id="1" name=""/>
+        <p:cNvGrpSpPr/>
+        <p:nvPr/>
+      </p:nvGrpSpPr>
+      <p:grpSpPr>
+        <a:xfrm>
+          <a:off x="0" y="0"/>
+          <a:ext cx="0" cy="0"/>
+          <a:chOff x="0" y="0"/>
+          <a:chExt cx="0" cy="0"/>
+        </a:xfrm>
+      </p:grpSpPr>
+      <p:sp>
+        <p:nvSpPr>
+          <p:cNvPr id="2" name="Slide Number Placeholder 1">
+            <a:extLst>
+              <a:ext uri="{FF2B5EF4-FFF2-40B4-BE49-F238E27FC236}">
+                <a16:creationId xmlns:a16="http://schemas.microsoft.com/office/drawing/2014/main" id="{9AAAC144-5B35-4BAC-8CB1-CB3DC61A4171}"/>
+              </a:ext>
+            </a:extLst>
+          </p:cNvPr>
+          <p:cNvSpPr>
+            <a:spLocks noGrp="1"/>
+          </p:cNvSpPr>
+          <p:nvPr>
+            <p:ph type="sldNum" idx="12"/>
+          </p:nvPr>
+        </p:nvSpPr>
+        <p:spPr/>
+        <p:txBody>
+          <a:bodyPr/>
+          <a:lstStyle/>
+          <a:p>
+            <a:pPr marL="0" lvl="0" indent="0" algn="ctr" rtl="0">
+              <a:spcBef>
+                <a:spcPts val="0"/>
+              </a:spcBef>
+              <a:spcAft>
+                <a:spcPts val="0"/>
+              </a:spcAft>
+              <a:buNone/>
+            </a:pPr>
+            <a:fld id="{00000000-1234-1234-1234-123412341234}" type="slidenum">
+              <a:rPr lang="en" smtClean="0"/>
+              <a:t>18</a:t>
+            </a:fld>
+            <a:endParaRPr lang="en"/>
+          </a:p>
+        </p:txBody>
+      </p:sp>
+      <p:grpSp>
+        <p:nvGrpSpPr>
+          <p:cNvPr id="8" name="Gruppieren 7">
+            <a:extLst>
+              <a:ext uri="{FF2B5EF4-FFF2-40B4-BE49-F238E27FC236}">
+                <a16:creationId xmlns:a16="http://schemas.microsoft.com/office/drawing/2014/main" id="{DC2BB34C-0F30-4F7E-ADDD-44EC24558192}"/>
+              </a:ext>
+            </a:extLst>
+          </p:cNvPr>
+          <p:cNvGrpSpPr/>
+          <p:nvPr/>
+        </p:nvGrpSpPr>
+        <p:grpSpPr>
+          <a:xfrm>
+            <a:off x="3323263" y="407208"/>
+            <a:ext cx="2497473" cy="4328297"/>
+            <a:chOff x="5430179" y="407995"/>
+            <a:chExt cx="2497473" cy="4328297"/>
+          </a:xfrm>
+        </p:grpSpPr>
+        <p:grpSp>
+          <p:nvGrpSpPr>
+            <p:cNvPr id="9" name="Group 28">
+              <a:extLst>
+                <a:ext uri="{FF2B5EF4-FFF2-40B4-BE49-F238E27FC236}">
+                  <a16:creationId xmlns:a16="http://schemas.microsoft.com/office/drawing/2014/main" id="{47DF2B48-307E-481D-8F88-435BB040B5B9}"/>
+                </a:ext>
+              </a:extLst>
+            </p:cNvPr>
+            <p:cNvGrpSpPr/>
+            <p:nvPr/>
+          </p:nvGrpSpPr>
+          <p:grpSpPr>
+            <a:xfrm>
+              <a:off x="5430179" y="407995"/>
+              <a:ext cx="2497473" cy="4328297"/>
+              <a:chOff x="5430179" y="407995"/>
+              <a:chExt cx="2497473" cy="4328297"/>
+            </a:xfrm>
+          </p:grpSpPr>
+          <p:pic>
+            <p:nvPicPr>
+              <p:cNvPr id="11" name="Picture 23">
+                <a:extLst>
+                  <a:ext uri="{FF2B5EF4-FFF2-40B4-BE49-F238E27FC236}">
+                    <a16:creationId xmlns:a16="http://schemas.microsoft.com/office/drawing/2014/main" id="{66C35D87-7D0E-4480-A8D7-E38FBE4212C5}"/>
+                  </a:ext>
+                </a:extLst>
+              </p:cNvPr>
+              <p:cNvPicPr>
+                <a:picLocks noChangeAspect="1"/>
+              </p:cNvPicPr>
+              <p:nvPr/>
+            </p:nvPicPr>
+            <p:blipFill rotWithShape="1">
+              <a:blip r:embed="rId3"/>
+              <a:srcRect t="35502" b="61544"/>
+              <a:stretch/>
+            </p:blipFill>
+            <p:spPr>
+              <a:xfrm>
+                <a:off x="5729952" y="3389726"/>
+                <a:ext cx="1896673" cy="517906"/>
+              </a:xfrm>
+              <a:prstGeom prst="rect">
+                <a:avLst/>
+              </a:prstGeom>
+            </p:spPr>
+          </p:pic>
+          <p:sp>
+            <p:nvSpPr>
+              <p:cNvPr id="14" name="CustomShape 5">
+                <a:extLst>
+                  <a:ext uri="{FF2B5EF4-FFF2-40B4-BE49-F238E27FC236}">
+                    <a16:creationId xmlns:a16="http://schemas.microsoft.com/office/drawing/2014/main" id="{88233086-A368-42EC-8DD9-E8D3FA428317}"/>
+                  </a:ext>
+                </a:extLst>
+              </p:cNvPr>
+              <p:cNvSpPr/>
+              <p:nvPr/>
+            </p:nvSpPr>
+            <p:spPr>
+              <a:xfrm>
+                <a:off x="5430179" y="407995"/>
+                <a:ext cx="2497473" cy="4328297"/>
+              </a:xfrm>
+              <a:custGeom>
+                <a:avLst/>
+                <a:gdLst/>
+                <a:ahLst/>
+                <a:cxnLst/>
+                <a:rect l="l" t="t" r="r" b="b"/>
+                <a:pathLst>
+                  <a:path w="11838" h="20508">
+                    <a:moveTo>
+                      <a:pt x="10547" y="1"/>
+                    </a:moveTo>
+                    <a:lnTo>
+                      <a:pt x="1292" y="1"/>
+                    </a:lnTo>
+                    <a:lnTo>
+                      <a:pt x="1292" y="1"/>
+                    </a:lnTo>
+                    <a:lnTo>
+                      <a:pt x="1024" y="25"/>
+                    </a:lnTo>
+                    <a:lnTo>
+                      <a:pt x="780" y="98"/>
+                    </a:lnTo>
+                    <a:lnTo>
+                      <a:pt x="561" y="220"/>
+                    </a:lnTo>
+                    <a:lnTo>
+                      <a:pt x="366" y="366"/>
+                    </a:lnTo>
+                    <a:lnTo>
+                      <a:pt x="220" y="561"/>
+                    </a:lnTo>
+                    <a:lnTo>
+                      <a:pt x="98" y="780"/>
+                    </a:lnTo>
+                    <a:lnTo>
+                      <a:pt x="25" y="1024"/>
+                    </a:lnTo>
+                    <a:lnTo>
+                      <a:pt x="1" y="1292"/>
+                    </a:lnTo>
+                    <a:lnTo>
+                      <a:pt x="1" y="19217"/>
+                    </a:lnTo>
+                    <a:lnTo>
+                      <a:pt x="1" y="19217"/>
+                    </a:lnTo>
+                    <a:lnTo>
+                      <a:pt x="25" y="19485"/>
+                    </a:lnTo>
+                    <a:lnTo>
+                      <a:pt x="98" y="19728"/>
+                    </a:lnTo>
+                    <a:lnTo>
+                      <a:pt x="220" y="19948"/>
+                    </a:lnTo>
+                    <a:lnTo>
+                      <a:pt x="366" y="20142"/>
+                    </a:lnTo>
+                    <a:lnTo>
+                      <a:pt x="561" y="20289"/>
+                    </a:lnTo>
+                    <a:lnTo>
+                      <a:pt x="780" y="20410"/>
+                    </a:lnTo>
+                    <a:lnTo>
+                      <a:pt x="1024" y="20483"/>
+                    </a:lnTo>
+                    <a:lnTo>
+                      <a:pt x="1292" y="20508"/>
+                    </a:lnTo>
+                    <a:lnTo>
+                      <a:pt x="10547" y="20508"/>
+                    </a:lnTo>
+                    <a:lnTo>
+                      <a:pt x="10547" y="20508"/>
+                    </a:lnTo>
+                    <a:lnTo>
+                      <a:pt x="10814" y="20483"/>
+                    </a:lnTo>
+                    <a:lnTo>
+                      <a:pt x="11058" y="20410"/>
+                    </a:lnTo>
+                    <a:lnTo>
+                      <a:pt x="11277" y="20289"/>
+                    </a:lnTo>
+                    <a:lnTo>
+                      <a:pt x="11472" y="20142"/>
+                    </a:lnTo>
+                    <a:lnTo>
+                      <a:pt x="11618" y="19948"/>
+                    </a:lnTo>
+                    <a:lnTo>
+                      <a:pt x="11740" y="19728"/>
+                    </a:lnTo>
+                    <a:lnTo>
+                      <a:pt x="11813" y="19485"/>
+                    </a:lnTo>
+                    <a:lnTo>
+                      <a:pt x="11837" y="19217"/>
+                    </a:lnTo>
+                    <a:lnTo>
+                      <a:pt x="11837" y="1292"/>
+                    </a:lnTo>
+                    <a:lnTo>
+                      <a:pt x="11837" y="1292"/>
+                    </a:lnTo>
+                    <a:lnTo>
+                      <a:pt x="11813" y="1024"/>
+                    </a:lnTo>
+                    <a:lnTo>
+                      <a:pt x="11740" y="780"/>
+                    </a:lnTo>
+                    <a:lnTo>
+                      <a:pt x="11618" y="561"/>
+                    </a:lnTo>
+                    <a:lnTo>
+                      <a:pt x="11472" y="366"/>
+                    </a:lnTo>
+                    <a:lnTo>
+                      <a:pt x="11277" y="220"/>
+                    </a:lnTo>
+                    <a:lnTo>
+                      <a:pt x="11058" y="98"/>
+                    </a:lnTo>
+                    <a:lnTo>
+                      <a:pt x="10814" y="25"/>
+                    </a:lnTo>
+                    <a:lnTo>
+                      <a:pt x="10547" y="1"/>
+                    </a:lnTo>
+                    <a:lnTo>
+                      <a:pt x="10547" y="1"/>
+                    </a:lnTo>
+                    <a:close/>
+                    <a:moveTo>
+                      <a:pt x="5554" y="975"/>
+                    </a:moveTo>
+                    <a:lnTo>
+                      <a:pt x="6284" y="975"/>
+                    </a:lnTo>
+                    <a:lnTo>
+                      <a:pt x="6284" y="975"/>
+                    </a:lnTo>
+                    <a:lnTo>
+                      <a:pt x="6406" y="999"/>
+                    </a:lnTo>
+                    <a:lnTo>
+                      <a:pt x="6479" y="1073"/>
+                    </a:lnTo>
+                    <a:lnTo>
+                      <a:pt x="6552" y="1146"/>
+                    </a:lnTo>
+                    <a:lnTo>
+                      <a:pt x="6577" y="1267"/>
+                    </a:lnTo>
+                    <a:lnTo>
+                      <a:pt x="6577" y="1267"/>
+                    </a:lnTo>
+                    <a:lnTo>
+                      <a:pt x="6552" y="1365"/>
+                    </a:lnTo>
+                    <a:lnTo>
+                      <a:pt x="6479" y="1462"/>
+                    </a:lnTo>
+                    <a:lnTo>
+                      <a:pt x="6406" y="1511"/>
+                    </a:lnTo>
+                    <a:lnTo>
+                      <a:pt x="6284" y="1535"/>
+                    </a:lnTo>
+                    <a:lnTo>
+                      <a:pt x="5554" y="1535"/>
+                    </a:lnTo>
+                    <a:lnTo>
+                      <a:pt x="5554" y="1535"/>
+                    </a:lnTo>
+                    <a:lnTo>
+                      <a:pt x="5432" y="1511"/>
+                    </a:lnTo>
+                    <a:lnTo>
+                      <a:pt x="5359" y="1462"/>
+                    </a:lnTo>
+                    <a:lnTo>
+                      <a:pt x="5286" y="1365"/>
+                    </a:lnTo>
+                    <a:lnTo>
+                      <a:pt x="5262" y="1267"/>
+                    </a:lnTo>
+                    <a:lnTo>
+                      <a:pt x="5262" y="1267"/>
+                    </a:lnTo>
+                    <a:lnTo>
+                      <a:pt x="5286" y="1146"/>
+                    </a:lnTo>
+                    <a:lnTo>
+                      <a:pt x="5359" y="1073"/>
+                    </a:lnTo>
+                    <a:lnTo>
+                      <a:pt x="5432" y="999"/>
+                    </a:lnTo>
+                    <a:lnTo>
+                      <a:pt x="5554" y="975"/>
+                    </a:lnTo>
+                    <a:lnTo>
+                      <a:pt x="5554" y="975"/>
+                    </a:lnTo>
+                    <a:close/>
+                    <a:moveTo>
+                      <a:pt x="5919" y="19436"/>
+                    </a:moveTo>
+                    <a:lnTo>
+                      <a:pt x="5919" y="19436"/>
+                    </a:lnTo>
+                    <a:lnTo>
+                      <a:pt x="5749" y="19412"/>
+                    </a:lnTo>
+                    <a:lnTo>
+                      <a:pt x="5578" y="19363"/>
+                    </a:lnTo>
+                    <a:lnTo>
+                      <a:pt x="5432" y="19290"/>
+                    </a:lnTo>
+                    <a:lnTo>
+                      <a:pt x="5310" y="19193"/>
+                    </a:lnTo>
+                    <a:lnTo>
+                      <a:pt x="5213" y="19071"/>
+                    </a:lnTo>
+                    <a:lnTo>
+                      <a:pt x="5140" y="18925"/>
+                    </a:lnTo>
+                    <a:lnTo>
+                      <a:pt x="5091" y="18754"/>
+                    </a:lnTo>
+                    <a:lnTo>
+                      <a:pt x="5067" y="18584"/>
+                    </a:lnTo>
+                    <a:lnTo>
+                      <a:pt x="5067" y="18584"/>
+                    </a:lnTo>
+                    <a:lnTo>
+                      <a:pt x="5091" y="18413"/>
+                    </a:lnTo>
+                    <a:lnTo>
+                      <a:pt x="5140" y="18243"/>
+                    </a:lnTo>
+                    <a:lnTo>
+                      <a:pt x="5213" y="18097"/>
+                    </a:lnTo>
+                    <a:lnTo>
+                      <a:pt x="5310" y="17975"/>
+                    </a:lnTo>
+                    <a:lnTo>
+                      <a:pt x="5432" y="17877"/>
+                    </a:lnTo>
+                    <a:lnTo>
+                      <a:pt x="5578" y="17804"/>
+                    </a:lnTo>
+                    <a:lnTo>
+                      <a:pt x="5749" y="17756"/>
+                    </a:lnTo>
+                    <a:lnTo>
+                      <a:pt x="5919" y="17731"/>
+                    </a:lnTo>
+                    <a:lnTo>
+                      <a:pt x="5919" y="17731"/>
+                    </a:lnTo>
+                    <a:lnTo>
+                      <a:pt x="6090" y="17756"/>
+                    </a:lnTo>
+                    <a:lnTo>
+                      <a:pt x="6260" y="17804"/>
+                    </a:lnTo>
+                    <a:lnTo>
+                      <a:pt x="6406" y="17877"/>
+                    </a:lnTo>
+                    <a:lnTo>
+                      <a:pt x="6528" y="17975"/>
+                    </a:lnTo>
+                    <a:lnTo>
+                      <a:pt x="6625" y="18097"/>
+                    </a:lnTo>
+                    <a:lnTo>
+                      <a:pt x="6699" y="18243"/>
+                    </a:lnTo>
+                    <a:lnTo>
+                      <a:pt x="6747" y="18413"/>
+                    </a:lnTo>
+                    <a:lnTo>
+                      <a:pt x="6772" y="18584"/>
+                    </a:lnTo>
+                    <a:lnTo>
+                      <a:pt x="6772" y="18584"/>
+                    </a:lnTo>
+                    <a:lnTo>
+                      <a:pt x="6747" y="18754"/>
+                    </a:lnTo>
+                    <a:lnTo>
+                      <a:pt x="6699" y="18925"/>
+                    </a:lnTo>
+                    <a:lnTo>
+                      <a:pt x="6625" y="19071"/>
+                    </a:lnTo>
+                    <a:lnTo>
+                      <a:pt x="6528" y="19193"/>
+                    </a:lnTo>
+                    <a:lnTo>
+                      <a:pt x="6406" y="19290"/>
+                    </a:lnTo>
+                    <a:lnTo>
+                      <a:pt x="6260" y="19363"/>
+                    </a:lnTo>
+                    <a:lnTo>
+                      <a:pt x="6090" y="19412"/>
+                    </a:lnTo>
+                    <a:lnTo>
+                      <a:pt x="5919" y="19436"/>
+                    </a:lnTo>
+                    <a:lnTo>
+                      <a:pt x="5919" y="19436"/>
+                    </a:lnTo>
+                    <a:close/>
+                    <a:moveTo>
+                      <a:pt x="10547" y="16660"/>
+                    </a:moveTo>
+                    <a:lnTo>
+                      <a:pt x="1292" y="16660"/>
+                    </a:lnTo>
+                    <a:lnTo>
+                      <a:pt x="1292" y="2558"/>
+                    </a:lnTo>
+                    <a:lnTo>
+                      <a:pt x="10547" y="2558"/>
+                    </a:lnTo>
+                    <a:lnTo>
+                      <a:pt x="10547" y="16660"/>
+                    </a:lnTo>
+                    <a:close/>
+                  </a:path>
+                </a:pathLst>
+              </a:custGeom>
+              <a:noFill/>
+              <a:ln w="12240">
+                <a:solidFill>
+                  <a:srgbClr val="000000"/>
+                </a:solidFill>
+                <a:round/>
+              </a:ln>
+            </p:spPr>
+            <p:style>
+              <a:lnRef idx="0">
+                <a:scrgbClr r="0" g="0" b="0"/>
+              </a:lnRef>
+              <a:fillRef idx="0">
+                <a:scrgbClr r="0" g="0" b="0"/>
+              </a:fillRef>
+              <a:effectRef idx="0">
+                <a:scrgbClr r="0" g="0" b="0"/>
+              </a:effectRef>
+              <a:fontRef idx="minor"/>
+            </p:style>
+          </p:sp>
+        </p:grpSp>
+        <p:pic>
+          <p:nvPicPr>
+            <p:cNvPr id="10" name="Grafik 9">
+              <a:extLst>
+                <a:ext uri="{FF2B5EF4-FFF2-40B4-BE49-F238E27FC236}">
+                  <a16:creationId xmlns:a16="http://schemas.microsoft.com/office/drawing/2014/main" id="{4DEF360A-EA72-4A5F-8B35-1380EC15E1C8}"/>
+                </a:ext>
+              </a:extLst>
+            </p:cNvPr>
+            <p:cNvPicPr>
+              <a:picLocks/>
+            </p:cNvPicPr>
+            <p:nvPr/>
+          </p:nvPicPr>
+          <p:blipFill>
+            <a:blip r:embed="rId4"/>
+            <a:stretch>
+              <a:fillRect/>
+            </a:stretch>
+          </p:blipFill>
+          <p:spPr>
+            <a:xfrm>
+              <a:off x="5727407" y="992472"/>
+              <a:ext cx="1890000" cy="2926645"/>
+            </a:xfrm>
+            <a:prstGeom prst="rect">
+              <a:avLst/>
+            </a:prstGeom>
+          </p:spPr>
+        </p:pic>
+      </p:grpSp>
+    </p:spTree>
+    <p:extLst>
+      <p:ext uri="{BB962C8B-B14F-4D97-AF65-F5344CB8AC3E}">
+        <p14:creationId xmlns:p14="http://schemas.microsoft.com/office/powerpoint/2010/main" val="4263590833"/>
+      </p:ext>
+    </p:extLst>
+  </p:cSld>
+  <p:clrMapOvr>
+    <a:masterClrMapping/>
+  </p:clrMapOvr>
+</p:sld>
+</file>
+
+<file path=ppt/slides/slide19.xml><?xml version="1.0" encoding="utf-8"?>
+<p:sld xmlns:a="http://schemas.openxmlformats.org/drawingml/2006/main" xmlns:r="http://schemas.openxmlformats.org/officeDocument/2006/relationships" xmlns:p="http://schemas.openxmlformats.org/presentationml/2006/main">
+  <p:cSld>
+    <p:spTree>
+      <p:nvGrpSpPr>
+        <p:cNvPr id="1" name=""/>
+        <p:cNvGrpSpPr/>
+        <p:nvPr/>
+      </p:nvGrpSpPr>
+      <p:grpSpPr>
+        <a:xfrm>
+          <a:off x="0" y="0"/>
+          <a:ext cx="0" cy="0"/>
+          <a:chOff x="0" y="0"/>
+          <a:chExt cx="0" cy="0"/>
+        </a:xfrm>
+      </p:grpSpPr>
+      <p:grpSp>
+        <p:nvGrpSpPr>
+          <p:cNvPr id="3" name="Gruppieren 2">
+            <a:extLst>
+              <a:ext uri="{FF2B5EF4-FFF2-40B4-BE49-F238E27FC236}">
+                <a16:creationId xmlns:a16="http://schemas.microsoft.com/office/drawing/2014/main" id="{A4C0757B-C271-4817-A640-3B15198614BE}"/>
+              </a:ext>
+            </a:extLst>
+          </p:cNvPr>
+          <p:cNvGrpSpPr/>
+          <p:nvPr/>
+        </p:nvGrpSpPr>
+        <p:grpSpPr>
+          <a:xfrm>
+            <a:off x="5344397" y="407208"/>
+            <a:ext cx="2497473" cy="4328297"/>
+            <a:chOff x="5430179" y="407995"/>
+            <a:chExt cx="2497473" cy="4328297"/>
+          </a:xfrm>
+        </p:grpSpPr>
+        <p:grpSp>
+          <p:nvGrpSpPr>
+            <p:cNvPr id="29" name="Group 28">
+              <a:extLst>
+                <a:ext uri="{FF2B5EF4-FFF2-40B4-BE49-F238E27FC236}">
+                  <a16:creationId xmlns:a16="http://schemas.microsoft.com/office/drawing/2014/main" id="{EC4702B5-B261-45FF-ABA1-07DD9300D47A}"/>
+                </a:ext>
+              </a:extLst>
+            </p:cNvPr>
+            <p:cNvGrpSpPr/>
+            <p:nvPr/>
+          </p:nvGrpSpPr>
+          <p:grpSpPr>
+            <a:xfrm>
+              <a:off x="5430179" y="407995"/>
+              <a:ext cx="2497473" cy="4328297"/>
+              <a:chOff x="5430179" y="407995"/>
+              <a:chExt cx="2497473" cy="4328297"/>
+            </a:xfrm>
+          </p:grpSpPr>
+          <p:pic>
+            <p:nvPicPr>
+              <p:cNvPr id="24" name="Picture 23">
+                <a:extLst>
+                  <a:ext uri="{FF2B5EF4-FFF2-40B4-BE49-F238E27FC236}">
+                    <a16:creationId xmlns:a16="http://schemas.microsoft.com/office/drawing/2014/main" id="{04ACFA50-4275-4748-8F93-E4AED21468DF}"/>
+                  </a:ext>
+                </a:extLst>
+              </p:cNvPr>
+              <p:cNvPicPr>
+                <a:picLocks noChangeAspect="1"/>
+              </p:cNvPicPr>
+              <p:nvPr/>
+            </p:nvPicPr>
+            <p:blipFill rotWithShape="1">
+              <a:blip r:embed="rId3"/>
+              <a:srcRect t="35502" b="61544"/>
+              <a:stretch/>
+            </p:blipFill>
+            <p:spPr>
+              <a:xfrm>
+                <a:off x="5729952" y="3389726"/>
+                <a:ext cx="1896673" cy="517906"/>
+              </a:xfrm>
+              <a:prstGeom prst="rect">
+                <a:avLst/>
+              </a:prstGeom>
+            </p:spPr>
+          </p:pic>
+          <p:sp>
+            <p:nvSpPr>
+              <p:cNvPr id="14" name="CustomShape 5">
+                <a:extLst>
+                  <a:ext uri="{FF2B5EF4-FFF2-40B4-BE49-F238E27FC236}">
+                    <a16:creationId xmlns:a16="http://schemas.microsoft.com/office/drawing/2014/main" id="{B71A8171-D6E1-49C3-B693-D42377CEBC52}"/>
+                  </a:ext>
+                </a:extLst>
+              </p:cNvPr>
+              <p:cNvSpPr/>
+              <p:nvPr/>
+            </p:nvSpPr>
+            <p:spPr>
+              <a:xfrm>
+                <a:off x="5430179" y="407995"/>
+                <a:ext cx="2497473" cy="4328297"/>
+              </a:xfrm>
+              <a:custGeom>
+                <a:avLst/>
+                <a:gdLst/>
+                <a:ahLst/>
+                <a:cxnLst/>
+                <a:rect l="l" t="t" r="r" b="b"/>
+                <a:pathLst>
+                  <a:path w="11838" h="20508">
+                    <a:moveTo>
+                      <a:pt x="10547" y="1"/>
+                    </a:moveTo>
+                    <a:lnTo>
+                      <a:pt x="1292" y="1"/>
+                    </a:lnTo>
+                    <a:lnTo>
+                      <a:pt x="1292" y="1"/>
+                    </a:lnTo>
+                    <a:lnTo>
+                      <a:pt x="1024" y="25"/>
+                    </a:lnTo>
+                    <a:lnTo>
+                      <a:pt x="780" y="98"/>
+                    </a:lnTo>
+                    <a:lnTo>
+                      <a:pt x="561" y="220"/>
+                    </a:lnTo>
+                    <a:lnTo>
+                      <a:pt x="366" y="366"/>
+                    </a:lnTo>
+                    <a:lnTo>
+                      <a:pt x="220" y="561"/>
+                    </a:lnTo>
+                    <a:lnTo>
+                      <a:pt x="98" y="780"/>
+                    </a:lnTo>
+                    <a:lnTo>
+                      <a:pt x="25" y="1024"/>
+                    </a:lnTo>
+                    <a:lnTo>
+                      <a:pt x="1" y="1292"/>
+                    </a:lnTo>
+                    <a:lnTo>
+                      <a:pt x="1" y="19217"/>
+                    </a:lnTo>
+                    <a:lnTo>
+                      <a:pt x="1" y="19217"/>
+                    </a:lnTo>
+                    <a:lnTo>
+                      <a:pt x="25" y="19485"/>
+                    </a:lnTo>
+                    <a:lnTo>
+                      <a:pt x="98" y="19728"/>
+                    </a:lnTo>
+                    <a:lnTo>
+                      <a:pt x="220" y="19948"/>
+                    </a:lnTo>
+                    <a:lnTo>
+                      <a:pt x="366" y="20142"/>
+                    </a:lnTo>
+                    <a:lnTo>
+                      <a:pt x="561" y="20289"/>
+                    </a:lnTo>
+                    <a:lnTo>
+                      <a:pt x="780" y="20410"/>
+                    </a:lnTo>
+                    <a:lnTo>
+                      <a:pt x="1024" y="20483"/>
+                    </a:lnTo>
+                    <a:lnTo>
+                      <a:pt x="1292" y="20508"/>
+                    </a:lnTo>
+                    <a:lnTo>
+                      <a:pt x="10547" y="20508"/>
+                    </a:lnTo>
+                    <a:lnTo>
+                      <a:pt x="10547" y="20508"/>
+                    </a:lnTo>
+                    <a:lnTo>
+                      <a:pt x="10814" y="20483"/>
+                    </a:lnTo>
+                    <a:lnTo>
+                      <a:pt x="11058" y="20410"/>
+                    </a:lnTo>
+                    <a:lnTo>
+                      <a:pt x="11277" y="20289"/>
+                    </a:lnTo>
+                    <a:lnTo>
+                      <a:pt x="11472" y="20142"/>
+                    </a:lnTo>
+                    <a:lnTo>
+                      <a:pt x="11618" y="19948"/>
+                    </a:lnTo>
+                    <a:lnTo>
+                      <a:pt x="11740" y="19728"/>
+                    </a:lnTo>
+                    <a:lnTo>
+                      <a:pt x="11813" y="19485"/>
+                    </a:lnTo>
+                    <a:lnTo>
+                      <a:pt x="11837" y="19217"/>
+                    </a:lnTo>
+                    <a:lnTo>
+                      <a:pt x="11837" y="1292"/>
+                    </a:lnTo>
+                    <a:lnTo>
+                      <a:pt x="11837" y="1292"/>
+                    </a:lnTo>
+                    <a:lnTo>
+                      <a:pt x="11813" y="1024"/>
+                    </a:lnTo>
+                    <a:lnTo>
+                      <a:pt x="11740" y="780"/>
+                    </a:lnTo>
+                    <a:lnTo>
+                      <a:pt x="11618" y="561"/>
+                    </a:lnTo>
+                    <a:lnTo>
+                      <a:pt x="11472" y="366"/>
+                    </a:lnTo>
+                    <a:lnTo>
+                      <a:pt x="11277" y="220"/>
+                    </a:lnTo>
+                    <a:lnTo>
+                      <a:pt x="11058" y="98"/>
+                    </a:lnTo>
+                    <a:lnTo>
+                      <a:pt x="10814" y="25"/>
+                    </a:lnTo>
+                    <a:lnTo>
+                      <a:pt x="10547" y="1"/>
+                    </a:lnTo>
+                    <a:lnTo>
+                      <a:pt x="10547" y="1"/>
+                    </a:lnTo>
+                    <a:close/>
+                    <a:moveTo>
+                      <a:pt x="5554" y="975"/>
+                    </a:moveTo>
+                    <a:lnTo>
+                      <a:pt x="6284" y="975"/>
+                    </a:lnTo>
+                    <a:lnTo>
+                      <a:pt x="6284" y="975"/>
+                    </a:lnTo>
+                    <a:lnTo>
+                      <a:pt x="6406" y="999"/>
+                    </a:lnTo>
+                    <a:lnTo>
+                      <a:pt x="6479" y="1073"/>
+                    </a:lnTo>
+                    <a:lnTo>
+                      <a:pt x="6552" y="1146"/>
+                    </a:lnTo>
+                    <a:lnTo>
+                      <a:pt x="6577" y="1267"/>
+                    </a:lnTo>
+                    <a:lnTo>
+                      <a:pt x="6577" y="1267"/>
+                    </a:lnTo>
+                    <a:lnTo>
+                      <a:pt x="6552" y="1365"/>
+                    </a:lnTo>
+                    <a:lnTo>
+                      <a:pt x="6479" y="1462"/>
+                    </a:lnTo>
+                    <a:lnTo>
+                      <a:pt x="6406" y="1511"/>
+                    </a:lnTo>
+                    <a:lnTo>
+                      <a:pt x="6284" y="1535"/>
+                    </a:lnTo>
+                    <a:lnTo>
+                      <a:pt x="5554" y="1535"/>
+                    </a:lnTo>
+                    <a:lnTo>
+                      <a:pt x="5554" y="1535"/>
+                    </a:lnTo>
+                    <a:lnTo>
+                      <a:pt x="5432" y="1511"/>
+                    </a:lnTo>
+                    <a:lnTo>
+                      <a:pt x="5359" y="1462"/>
+                    </a:lnTo>
+                    <a:lnTo>
+                      <a:pt x="5286" y="1365"/>
+                    </a:lnTo>
+                    <a:lnTo>
+                      <a:pt x="5262" y="1267"/>
+                    </a:lnTo>
+                    <a:lnTo>
+                      <a:pt x="5262" y="1267"/>
+                    </a:lnTo>
+                    <a:lnTo>
+                      <a:pt x="5286" y="1146"/>
+                    </a:lnTo>
+                    <a:lnTo>
+                      <a:pt x="5359" y="1073"/>
+                    </a:lnTo>
+                    <a:lnTo>
+                      <a:pt x="5432" y="999"/>
+                    </a:lnTo>
+                    <a:lnTo>
+                      <a:pt x="5554" y="975"/>
+                    </a:lnTo>
+                    <a:lnTo>
+                      <a:pt x="5554" y="975"/>
+                    </a:lnTo>
+                    <a:close/>
+                    <a:moveTo>
+                      <a:pt x="5919" y="19436"/>
+                    </a:moveTo>
+                    <a:lnTo>
+                      <a:pt x="5919" y="19436"/>
+                    </a:lnTo>
+                    <a:lnTo>
+                      <a:pt x="5749" y="19412"/>
+                    </a:lnTo>
+                    <a:lnTo>
+                      <a:pt x="5578" y="19363"/>
+                    </a:lnTo>
+                    <a:lnTo>
+                      <a:pt x="5432" y="19290"/>
+                    </a:lnTo>
+                    <a:lnTo>
+                      <a:pt x="5310" y="19193"/>
+                    </a:lnTo>
+                    <a:lnTo>
+                      <a:pt x="5213" y="19071"/>
+                    </a:lnTo>
+                    <a:lnTo>
+                      <a:pt x="5140" y="18925"/>
+                    </a:lnTo>
+                    <a:lnTo>
+                      <a:pt x="5091" y="18754"/>
+                    </a:lnTo>
+                    <a:lnTo>
+                      <a:pt x="5067" y="18584"/>
+                    </a:lnTo>
+                    <a:lnTo>
+                      <a:pt x="5067" y="18584"/>
+                    </a:lnTo>
+                    <a:lnTo>
+                      <a:pt x="5091" y="18413"/>
+                    </a:lnTo>
+                    <a:lnTo>
+                      <a:pt x="5140" y="18243"/>
+                    </a:lnTo>
+                    <a:lnTo>
+                      <a:pt x="5213" y="18097"/>
+                    </a:lnTo>
+                    <a:lnTo>
+                      <a:pt x="5310" y="17975"/>
+                    </a:lnTo>
+                    <a:lnTo>
+                      <a:pt x="5432" y="17877"/>
+                    </a:lnTo>
+                    <a:lnTo>
+                      <a:pt x="5578" y="17804"/>
+                    </a:lnTo>
+                    <a:lnTo>
+                      <a:pt x="5749" y="17756"/>
+                    </a:lnTo>
+                    <a:lnTo>
+                      <a:pt x="5919" y="17731"/>
+                    </a:lnTo>
+                    <a:lnTo>
+                      <a:pt x="5919" y="17731"/>
+                    </a:lnTo>
+                    <a:lnTo>
+                      <a:pt x="6090" y="17756"/>
+                    </a:lnTo>
+                    <a:lnTo>
+                      <a:pt x="6260" y="17804"/>
+                    </a:lnTo>
+                    <a:lnTo>
+                      <a:pt x="6406" y="17877"/>
+                    </a:lnTo>
+                    <a:lnTo>
+                      <a:pt x="6528" y="17975"/>
+                    </a:lnTo>
+                    <a:lnTo>
+                      <a:pt x="6625" y="18097"/>
+                    </a:lnTo>
+                    <a:lnTo>
+                      <a:pt x="6699" y="18243"/>
+                    </a:lnTo>
+                    <a:lnTo>
+                      <a:pt x="6747" y="18413"/>
+                    </a:lnTo>
+                    <a:lnTo>
+                      <a:pt x="6772" y="18584"/>
+                    </a:lnTo>
+                    <a:lnTo>
+                      <a:pt x="6772" y="18584"/>
+                    </a:lnTo>
+                    <a:lnTo>
+                      <a:pt x="6747" y="18754"/>
+                    </a:lnTo>
+                    <a:lnTo>
+                      <a:pt x="6699" y="18925"/>
+                    </a:lnTo>
+                    <a:lnTo>
+                      <a:pt x="6625" y="19071"/>
+                    </a:lnTo>
+                    <a:lnTo>
+                      <a:pt x="6528" y="19193"/>
+                    </a:lnTo>
+                    <a:lnTo>
+                      <a:pt x="6406" y="19290"/>
+                    </a:lnTo>
+                    <a:lnTo>
+                      <a:pt x="6260" y="19363"/>
+                    </a:lnTo>
+                    <a:lnTo>
+                      <a:pt x="6090" y="19412"/>
+                    </a:lnTo>
+                    <a:lnTo>
+                      <a:pt x="5919" y="19436"/>
+                    </a:lnTo>
+                    <a:lnTo>
+                      <a:pt x="5919" y="19436"/>
+                    </a:lnTo>
+                    <a:close/>
+                    <a:moveTo>
+                      <a:pt x="10547" y="16660"/>
+                    </a:moveTo>
+                    <a:lnTo>
+                      <a:pt x="1292" y="16660"/>
+                    </a:lnTo>
+                    <a:lnTo>
+                      <a:pt x="1292" y="2558"/>
+                    </a:lnTo>
+                    <a:lnTo>
+                      <a:pt x="10547" y="2558"/>
+                    </a:lnTo>
+                    <a:lnTo>
+                      <a:pt x="10547" y="16660"/>
+                    </a:lnTo>
+                    <a:close/>
+                  </a:path>
+                </a:pathLst>
+              </a:custGeom>
+              <a:noFill/>
+              <a:ln w="12240">
+                <a:solidFill>
+                  <a:srgbClr val="000000"/>
+                </a:solidFill>
+                <a:round/>
+              </a:ln>
+            </p:spPr>
+            <p:style>
+              <a:lnRef idx="0">
+                <a:scrgbClr r="0" g="0" b="0"/>
+              </a:lnRef>
+              <a:fillRef idx="0">
+                <a:scrgbClr r="0" g="0" b="0"/>
+              </a:fillRef>
+              <a:effectRef idx="0">
+                <a:scrgbClr r="0" g="0" b="0"/>
+              </a:effectRef>
+              <a:fontRef idx="minor"/>
+            </p:style>
+          </p:sp>
+        </p:grpSp>
+        <p:pic>
+          <p:nvPicPr>
+            <p:cNvPr id="21" name="Grafik 20">
+              <a:extLst>
+                <a:ext uri="{FF2B5EF4-FFF2-40B4-BE49-F238E27FC236}">
+                  <a16:creationId xmlns:a16="http://schemas.microsoft.com/office/drawing/2014/main" id="{A4E803A2-3B2F-4858-A0E8-2CB72597653D}"/>
+                </a:ext>
+              </a:extLst>
+            </p:cNvPr>
+            <p:cNvPicPr>
+              <a:picLocks/>
+            </p:cNvPicPr>
+            <p:nvPr/>
+          </p:nvPicPr>
+          <p:blipFill>
+            <a:blip r:embed="rId4"/>
+            <a:stretch>
+              <a:fillRect/>
+            </a:stretch>
+          </p:blipFill>
+          <p:spPr>
+            <a:xfrm>
+              <a:off x="5727407" y="992472"/>
+              <a:ext cx="1890000" cy="2926645"/>
+            </a:xfrm>
+            <a:prstGeom prst="rect">
+              <a:avLst/>
+            </a:prstGeom>
+          </p:spPr>
+        </p:pic>
+      </p:grpSp>
+      <p:grpSp>
+        <p:nvGrpSpPr>
+          <p:cNvPr id="7" name="Gruppieren 6">
+            <a:extLst>
+              <a:ext uri="{FF2B5EF4-FFF2-40B4-BE49-F238E27FC236}">
+                <a16:creationId xmlns:a16="http://schemas.microsoft.com/office/drawing/2014/main" id="{7CFDD195-9797-4A94-BB3E-69004770FC7D}"/>
+              </a:ext>
+            </a:extLst>
+          </p:cNvPr>
+          <p:cNvGrpSpPr/>
+          <p:nvPr/>
+        </p:nvGrpSpPr>
+        <p:grpSpPr>
+          <a:xfrm>
+            <a:off x="1294916" y="465953"/>
+            <a:ext cx="2497473" cy="4328297"/>
+            <a:chOff x="1216348" y="407601"/>
+            <a:chExt cx="2497473" cy="4328297"/>
+          </a:xfrm>
+        </p:grpSpPr>
         <p:sp>
           <p:nvSpPr>
-            <p:cNvPr id="14" name="CustomShape 5">
+            <p:cNvPr id="5" name="CustomShape 5">
               <a:extLst>
                 <a:ext uri="{FF2B5EF4-FFF2-40B4-BE49-F238E27FC236}">
-                  <a16:creationId xmlns:a16="http://schemas.microsoft.com/office/drawing/2014/main" id="{B71A8171-D6E1-49C3-B693-D42377CEBC52}"/>
+                  <a16:creationId xmlns:a16="http://schemas.microsoft.com/office/drawing/2014/main" id="{9B8F6E41-1EEA-4172-A514-E9F17451C55A}"/>
                 </a:ext>
               </a:extLst>
             </p:cNvPr>
@@ -14971,7 +17393,7 @@
           </p:nvSpPr>
           <p:spPr>
             <a:xfrm>
-              <a:off x="5430179" y="407995"/>
+              <a:off x="1216348" y="407601"/>
               <a:ext cx="2497473" cy="4328297"/>
             </a:xfrm>
             <a:custGeom>
@@ -15337,11 +17759,79 @@
             <a:fontRef idx="minor"/>
           </p:style>
         </p:sp>
+        <p:pic>
+          <p:nvPicPr>
+            <p:cNvPr id="15" name="Grafik 14">
+              <a:extLst>
+                <a:ext uri="{FF2B5EF4-FFF2-40B4-BE49-F238E27FC236}">
+                  <a16:creationId xmlns:a16="http://schemas.microsoft.com/office/drawing/2014/main" id="{96016D00-6CBA-4101-88EA-2BE1D4B6196F}"/>
+                </a:ext>
+              </a:extLst>
+            </p:cNvPr>
+            <p:cNvPicPr>
+              <a:picLocks/>
+            </p:cNvPicPr>
+            <p:nvPr/>
+          </p:nvPicPr>
+          <p:blipFill>
+            <a:blip r:embed="rId5"/>
+            <a:stretch>
+              <a:fillRect/>
+            </a:stretch>
+          </p:blipFill>
+          <p:spPr>
+            <a:xfrm>
+              <a:off x="1514236" y="988717"/>
+              <a:ext cx="1890000" cy="2930400"/>
+            </a:xfrm>
+            <a:prstGeom prst="rect">
+              <a:avLst/>
+            </a:prstGeom>
+          </p:spPr>
+        </p:pic>
       </p:grpSp>
+      <p:sp>
+        <p:nvSpPr>
+          <p:cNvPr id="2" name="Slide Number Placeholder 1">
+            <a:extLst>
+              <a:ext uri="{FF2B5EF4-FFF2-40B4-BE49-F238E27FC236}">
+                <a16:creationId xmlns:a16="http://schemas.microsoft.com/office/drawing/2014/main" id="{9AAAC144-5B35-4BAC-8CB1-CB3DC61A4171}"/>
+              </a:ext>
+            </a:extLst>
+          </p:cNvPr>
+          <p:cNvSpPr>
+            <a:spLocks noGrp="1"/>
+          </p:cNvSpPr>
+          <p:nvPr>
+            <p:ph type="sldNum" idx="12"/>
+          </p:nvPr>
+        </p:nvSpPr>
+        <p:spPr/>
+        <p:txBody>
+          <a:bodyPr/>
+          <a:lstStyle/>
+          <a:p>
+            <a:pPr marL="0" lvl="0" indent="0" algn="ctr" rtl="0">
+              <a:spcBef>
+                <a:spcPts val="0"/>
+              </a:spcBef>
+              <a:spcAft>
+                <a:spcPts val="0"/>
+              </a:spcAft>
+              <a:buNone/>
+            </a:pPr>
+            <a:fld id="{00000000-1234-1234-1234-123412341234}" type="slidenum">
+              <a:rPr lang="en" smtClean="0"/>
+              <a:t>19</a:t>
+            </a:fld>
+            <a:endParaRPr lang="en"/>
+          </a:p>
+        </p:txBody>
+      </p:sp>
     </p:spTree>
     <p:extLst>
       <p:ext uri="{BB962C8B-B14F-4D97-AF65-F5344CB8AC3E}">
-        <p14:creationId xmlns:p14="http://schemas.microsoft.com/office/powerpoint/2010/main" val="1514451131"/>
+        <p14:creationId xmlns:p14="http://schemas.microsoft.com/office/powerpoint/2010/main" val="2193205297"/>
       </p:ext>
     </p:extLst>
   </p:cSld>
@@ -15382,7 +17872,7 @@
                                           </p:stCondLst>
                                         </p:cTn>
                                         <p:tgtEl>
-                                          <p:spTgt spid="23"/>
+                                          <p:spTgt spid="3"/>
                                         </p:tgtEl>
                                         <p:attrNameLst>
                                           <p:attrName>style.visibility</p:attrName>
@@ -15396,60 +17886,7 @@
                                       <p:cBhvr>
                                         <p:cTn id="7" dur="500"/>
                                         <p:tgtEl>
-                                          <p:spTgt spid="23"/>
-                                        </p:tgtEl>
-                                      </p:cBhvr>
-                                    </p:animEffect>
-                                  </p:childTnLst>
-                                </p:cTn>
-                              </p:par>
-                            </p:childTnLst>
-                          </p:cTn>
-                        </p:par>
-                      </p:childTnLst>
-                    </p:cTn>
-                  </p:par>
-                  <p:par>
-                    <p:cTn id="8" fill="hold">
-                      <p:stCondLst>
-                        <p:cond delay="indefinite"/>
-                      </p:stCondLst>
-                      <p:childTnLst>
-                        <p:par>
-                          <p:cTn id="9" fill="hold">
-                            <p:stCondLst>
-                              <p:cond delay="0"/>
-                            </p:stCondLst>
-                            <p:childTnLst>
-                              <p:par>
-                                <p:cTn id="10" presetID="10" presetClass="entr" presetSubtype="0" fill="hold" nodeType="clickEffect">
-                                  <p:stCondLst>
-                                    <p:cond delay="0"/>
-                                  </p:stCondLst>
-                                  <p:childTnLst>
-                                    <p:set>
-                                      <p:cBhvr>
-                                        <p:cTn id="11" dur="1" fill="hold">
-                                          <p:stCondLst>
-                                            <p:cond delay="0"/>
-                                          </p:stCondLst>
-                                        </p:cTn>
-                                        <p:tgtEl>
-                                          <p:spTgt spid="29"/>
-                                        </p:tgtEl>
-                                        <p:attrNameLst>
-                                          <p:attrName>style.visibility</p:attrName>
-                                        </p:attrNameLst>
-                                      </p:cBhvr>
-                                      <p:to>
-                                        <p:strVal val="visible"/>
-                                      </p:to>
-                                    </p:set>
-                                    <p:animEffect transition="in" filter="fade">
-                                      <p:cBhvr>
-                                        <p:cTn id="12" dur="500"/>
-                                        <p:tgtEl>
-                                          <p:spTgt spid="29"/>
+                                          <p:spTgt spid="3"/>
                                         </p:tgtEl>
                                       </p:cBhvr>
                                     </p:animEffect>
@@ -15487,324 +17924,6 @@
 </p:sld>
 </file>
 
-<file path=ppt/slides/slide17.xml><?xml version="1.0" encoding="utf-8"?>
-<p:sld xmlns:a="http://schemas.openxmlformats.org/drawingml/2006/main" xmlns:r="http://schemas.openxmlformats.org/officeDocument/2006/relationships" xmlns:p="http://schemas.openxmlformats.org/presentationml/2006/main">
-  <p:cSld>
-    <p:spTree>
-      <p:nvGrpSpPr>
-        <p:cNvPr id="1" name="Shape 906"/>
-        <p:cNvGrpSpPr/>
-        <p:nvPr/>
-      </p:nvGrpSpPr>
-      <p:grpSpPr>
-        <a:xfrm>
-          <a:off x="0" y="0"/>
-          <a:ext cx="0" cy="0"/>
-          <a:chOff x="0" y="0"/>
-          <a:chExt cx="0" cy="0"/>
-        </a:xfrm>
-      </p:grpSpPr>
-      <p:sp>
-        <p:nvSpPr>
-          <p:cNvPr id="907" name="Google Shape;907;p40"/>
-          <p:cNvSpPr txBox="1"/>
-          <p:nvPr/>
-        </p:nvSpPr>
-        <p:spPr>
-          <a:xfrm>
-            <a:off x="2773450" y="1150500"/>
-            <a:ext cx="5782500" cy="1380900"/>
-          </a:xfrm>
-          <a:prstGeom prst="rect">
-            <a:avLst/>
-          </a:prstGeom>
-          <a:noFill/>
-          <a:ln>
-            <a:noFill/>
-          </a:ln>
-        </p:spPr>
-        <p:txBody>
-          <a:bodyPr spcFirstLastPara="1" wrap="square" lIns="91425" tIns="91425" rIns="91425" bIns="91425" anchor="t" anchorCtr="0">
-            <a:noAutofit/>
-          </a:bodyPr>
-          <a:lstStyle/>
-          <a:p>
-            <a:pPr marL="0" lvl="0" indent="0" algn="l" rtl="0">
-              <a:spcBef>
-                <a:spcPts val="0"/>
-              </a:spcBef>
-              <a:spcAft>
-                <a:spcPts val="0"/>
-              </a:spcAft>
-              <a:buClr>
-                <a:schemeClr val="dk1"/>
-              </a:buClr>
-              <a:buSzPts val="1100"/>
-              <a:buFont typeface="Arial"/>
-              <a:buNone/>
-            </a:pPr>
-            <a:r>
-              <a:rPr lang="en-US" sz="5200" b="1" dirty="0" err="1">
-                <a:latin typeface="Poppins"/>
-                <a:cs typeface="Poppins"/>
-                <a:sym typeface="Poppins Light"/>
-              </a:rPr>
-              <a:t>Vielen</a:t>
-            </a:r>
-            <a:r>
-              <a:rPr lang="en-US" sz="5200" b="1" dirty="0">
-                <a:latin typeface="Poppins"/>
-                <a:cs typeface="Poppins"/>
-                <a:sym typeface="Poppins Light"/>
-              </a:rPr>
-              <a:t> Dank</a:t>
-            </a:r>
-          </a:p>
-          <a:p>
-            <a:pPr marL="0" lvl="0" indent="0" algn="l" rtl="0">
-              <a:spcBef>
-                <a:spcPts val="0"/>
-              </a:spcBef>
-              <a:spcAft>
-                <a:spcPts val="0"/>
-              </a:spcAft>
-              <a:buClr>
-                <a:schemeClr val="dk1"/>
-              </a:buClr>
-              <a:buSzPts val="1100"/>
-              <a:buFont typeface="Arial"/>
-              <a:buNone/>
-            </a:pPr>
-            <a:r>
-              <a:rPr lang="en-US" sz="2800" b="1" dirty="0" err="1">
-                <a:latin typeface="Poppins"/>
-                <a:cs typeface="Poppins"/>
-                <a:sym typeface="Poppins Light"/>
-              </a:rPr>
-              <a:t>für</a:t>
-            </a:r>
-            <a:r>
-              <a:rPr lang="en-US" sz="2800" b="1" dirty="0">
-                <a:latin typeface="Poppins"/>
-                <a:cs typeface="Poppins"/>
-                <a:sym typeface="Poppins Light"/>
-              </a:rPr>
-              <a:t> </a:t>
-            </a:r>
-            <a:r>
-              <a:rPr lang="en-US" sz="2800" b="1" dirty="0" err="1">
-                <a:latin typeface="Poppins"/>
-                <a:cs typeface="Poppins"/>
-                <a:sym typeface="Poppins Light"/>
-              </a:rPr>
-              <a:t>Ihre</a:t>
-            </a:r>
-            <a:r>
-              <a:rPr lang="en-US" sz="2800" b="1" dirty="0">
-                <a:latin typeface="Poppins"/>
-                <a:cs typeface="Poppins"/>
-                <a:sym typeface="Poppins Light"/>
-              </a:rPr>
-              <a:t> </a:t>
-            </a:r>
-            <a:r>
-              <a:rPr lang="en-US" sz="2800" b="1" dirty="0" err="1">
-                <a:latin typeface="Poppins"/>
-                <a:cs typeface="Poppins"/>
-                <a:sym typeface="Poppins Light"/>
-              </a:rPr>
-              <a:t>Aufmerksamkeit</a:t>
-            </a:r>
-            <a:endParaRPr sz="2800" b="1" dirty="0">
-              <a:latin typeface="Poppins"/>
-              <a:cs typeface="Poppins"/>
-              <a:sym typeface="Poppins Light"/>
-            </a:endParaRPr>
-          </a:p>
-          <a:p>
-            <a:pPr marL="0" lvl="0" indent="0" algn="l" rtl="0">
-              <a:spcBef>
-                <a:spcPts val="0"/>
-              </a:spcBef>
-              <a:spcAft>
-                <a:spcPts val="0"/>
-              </a:spcAft>
-              <a:buNone/>
-            </a:pPr>
-            <a:endParaRPr sz="1200" dirty="0">
-              <a:latin typeface="Poppins Light"/>
-              <a:ea typeface="Poppins Light"/>
-              <a:cs typeface="Poppins Light"/>
-              <a:sym typeface="Poppins Light"/>
-            </a:endParaRPr>
-          </a:p>
-          <a:p>
-            <a:pPr marL="0" lvl="0" indent="0" algn="l" rtl="0">
-              <a:spcBef>
-                <a:spcPts val="0"/>
-              </a:spcBef>
-              <a:spcAft>
-                <a:spcPts val="0"/>
-              </a:spcAft>
-              <a:buNone/>
-            </a:pPr>
-            <a:endParaRPr sz="1200" dirty="0">
-              <a:latin typeface="Poppins Light"/>
-              <a:ea typeface="Poppins Light"/>
-              <a:cs typeface="Poppins Light"/>
-              <a:sym typeface="Poppins Light"/>
-            </a:endParaRPr>
-          </a:p>
-          <a:p>
-            <a:pPr marL="0" lvl="0" indent="0" algn="l" rtl="0">
-              <a:spcBef>
-                <a:spcPts val="0"/>
-              </a:spcBef>
-              <a:spcAft>
-                <a:spcPts val="0"/>
-              </a:spcAft>
-              <a:buClr>
-                <a:schemeClr val="dk1"/>
-              </a:buClr>
-              <a:buSzPts val="1100"/>
-              <a:buFont typeface="Arial"/>
-              <a:buNone/>
-            </a:pPr>
-            <a:endParaRPr sz="1200" dirty="0">
-              <a:latin typeface="Poppins Light"/>
-              <a:ea typeface="Poppins Light"/>
-              <a:cs typeface="Poppins Light"/>
-              <a:sym typeface="Poppins Light"/>
-            </a:endParaRPr>
-          </a:p>
-          <a:p>
-            <a:pPr marL="0" lvl="0" indent="0" algn="l" rtl="0">
-              <a:spcBef>
-                <a:spcPts val="0"/>
-              </a:spcBef>
-              <a:spcAft>
-                <a:spcPts val="0"/>
-              </a:spcAft>
-              <a:buNone/>
-            </a:pPr>
-            <a:endParaRPr sz="1200" dirty="0">
-              <a:latin typeface="Poppins Light"/>
-              <a:ea typeface="Poppins Light"/>
-              <a:cs typeface="Poppins Light"/>
-              <a:sym typeface="Poppins Light"/>
-            </a:endParaRPr>
-          </a:p>
-        </p:txBody>
-      </p:sp>
-      <p:sp>
-        <p:nvSpPr>
-          <p:cNvPr id="909" name="Google Shape;909;p40"/>
-          <p:cNvSpPr txBox="1"/>
-          <p:nvPr/>
-        </p:nvSpPr>
-        <p:spPr>
-          <a:xfrm>
-            <a:off x="1258575" y="1092646"/>
-            <a:ext cx="1440600" cy="1296000"/>
-          </a:xfrm>
-          <a:prstGeom prst="rect">
-            <a:avLst/>
-          </a:prstGeom>
-          <a:noFill/>
-          <a:ln>
-            <a:noFill/>
-          </a:ln>
-        </p:spPr>
-        <p:txBody>
-          <a:bodyPr spcFirstLastPara="1" wrap="square" lIns="91425" tIns="91425" rIns="91425" bIns="91425" anchor="ctr" anchorCtr="0">
-            <a:noAutofit/>
-          </a:bodyPr>
-          <a:lstStyle/>
-          <a:p>
-            <a:pPr marL="0" lvl="0" indent="0" algn="ctr" rtl="0">
-              <a:spcBef>
-                <a:spcPts val="0"/>
-              </a:spcBef>
-              <a:spcAft>
-                <a:spcPts val="0"/>
-              </a:spcAft>
-              <a:buClr>
-                <a:schemeClr val="dk1"/>
-              </a:buClr>
-              <a:buSzPts val="1100"/>
-              <a:buFont typeface="Arial"/>
-              <a:buNone/>
-            </a:pPr>
-            <a:r>
-              <a:rPr lang="en" sz="9600">
-                <a:solidFill>
-                  <a:srgbClr val="F1C232"/>
-                </a:solidFill>
-                <a:latin typeface="Poppins Light"/>
-                <a:ea typeface="Poppins Light"/>
-                <a:cs typeface="Poppins Light"/>
-                <a:sym typeface="Poppins Light"/>
-              </a:rPr>
-              <a:t>😉</a:t>
-            </a:r>
-            <a:endParaRPr sz="9600">
-              <a:solidFill>
-                <a:srgbClr val="F1C232"/>
-              </a:solidFill>
-              <a:latin typeface="Poppins Light"/>
-              <a:ea typeface="Poppins Light"/>
-              <a:cs typeface="Poppins Light"/>
-              <a:sym typeface="Poppins Light"/>
-            </a:endParaRPr>
-          </a:p>
-        </p:txBody>
-      </p:sp>
-      <p:sp>
-        <p:nvSpPr>
-          <p:cNvPr id="2" name="Foliennummernplatzhalter 1">
-            <a:extLst>
-              <a:ext uri="{FF2B5EF4-FFF2-40B4-BE49-F238E27FC236}">
-                <a16:creationId xmlns:a16="http://schemas.microsoft.com/office/drawing/2014/main" id="{EFB328C7-FCBF-A645-A47C-5AC64030C757}"/>
-              </a:ext>
-            </a:extLst>
-          </p:cNvPr>
-          <p:cNvSpPr>
-            <a:spLocks noGrp="1"/>
-          </p:cNvSpPr>
-          <p:nvPr>
-            <p:ph type="sldNum" idx="12"/>
-          </p:nvPr>
-        </p:nvSpPr>
-        <p:spPr/>
-        <p:txBody>
-          <a:bodyPr/>
-          <a:lstStyle/>
-          <a:p>
-            <a:pPr marL="0" lvl="0" indent="0" algn="ctr" rtl="0">
-              <a:spcBef>
-                <a:spcPts val="0"/>
-              </a:spcBef>
-              <a:spcAft>
-                <a:spcPts val="0"/>
-              </a:spcAft>
-              <a:buNone/>
-            </a:pPr>
-            <a:fld id="{00000000-1234-1234-1234-123412341234}" type="slidenum">
-              <a:rPr lang="de-DE" smtClean="0"/>
-              <a:t>17</a:t>
-            </a:fld>
-            <a:endParaRPr lang="de-DE"/>
-          </a:p>
-        </p:txBody>
-      </p:sp>
-    </p:spTree>
-  </p:cSld>
-  <p:clrMapOvr>
-    <a:masterClrMapping/>
-  </p:clrMapOvr>
-</p:sld>
-</file>
-
 <file path=ppt/slides/slide2.xml><?xml version="1.0" encoding="utf-8"?>
 <p:sld xmlns:a="http://schemas.openxmlformats.org/drawingml/2006/main" xmlns:r="http://schemas.openxmlformats.org/officeDocument/2006/relationships" xmlns:p="http://schemas.openxmlformats.org/presentationml/2006/main">
   <p:cSld>
@@ -15834,8 +17953,8 @@
         </p:nvSpPr>
         <p:spPr>
           <a:xfrm>
-            <a:off x="2351788" y="1180487"/>
-            <a:ext cx="4608000" cy="1159800"/>
+            <a:off x="2304162" y="485387"/>
+            <a:ext cx="5315837" cy="1778700"/>
           </a:xfrm>
           <a:prstGeom prst="rect">
             <a:avLst/>
@@ -15857,22 +17976,14 @@
               <a:buNone/>
             </a:pPr>
             <a:r>
-              <a:rPr lang="en" sz="9600" dirty="0"/>
-              <a:t>H</a:t>
-            </a:r>
-            <a:r>
-              <a:rPr lang="en-US" sz="9600"/>
-              <a:t>a</a:t>
-            </a:r>
-            <a:r>
-              <a:rPr lang="en" sz="9600"/>
-              <a:t>llo</a:t>
-            </a:r>
-            <a:r>
-              <a:rPr lang="en" sz="9600" dirty="0"/>
-              <a:t>!</a:t>
-            </a:r>
-            <a:endParaRPr sz="9600" dirty="0"/>
+              <a:rPr lang="en-US" sz="6000" dirty="0" err="1"/>
+              <a:t>Guten</a:t>
+            </a:r>
+            <a:r>
+              <a:rPr lang="en-US" sz="6000" dirty="0"/>
+              <a:t> Abend</a:t>
+            </a:r>
+            <a:endParaRPr sz="6000" dirty="0"/>
           </a:p>
         </p:txBody>
       </p:sp>
@@ -16697,12 +18808,913 @@
           </a:p>
         </p:txBody>
       </p:sp>
+    </p:spTree>
+  </p:cSld>
+  <p:clrMapOvr>
+    <a:masterClrMapping/>
+  </p:clrMapOvr>
+  <p:transition>
+    <p:fade thruBlk="1"/>
+  </p:transition>
+</p:sld>
+</file>
+
+<file path=ppt/slides/slide20.xml><?xml version="1.0" encoding="utf-8"?>
+<p:sld xmlns:a="http://schemas.openxmlformats.org/drawingml/2006/main" xmlns:r="http://schemas.openxmlformats.org/officeDocument/2006/relationships" xmlns:p="http://schemas.openxmlformats.org/presentationml/2006/main">
+  <p:cSld>
+    <p:spTree>
+      <p:nvGrpSpPr>
+        <p:cNvPr id="1" name=""/>
+        <p:cNvGrpSpPr/>
+        <p:nvPr/>
+      </p:nvGrpSpPr>
+      <p:grpSpPr>
+        <a:xfrm>
+          <a:off x="0" y="0"/>
+          <a:ext cx="0" cy="0"/>
+          <a:chOff x="0" y="0"/>
+          <a:chExt cx="0" cy="0"/>
+        </a:xfrm>
+      </p:grpSpPr>
+      <p:sp>
+        <p:nvSpPr>
+          <p:cNvPr id="2" name="Foliennummernplatzhalter 1">
+            <a:extLst>
+              <a:ext uri="{FF2B5EF4-FFF2-40B4-BE49-F238E27FC236}">
+                <a16:creationId xmlns:a16="http://schemas.microsoft.com/office/drawing/2014/main" id="{29F10EBE-92C0-4A93-A107-9BC7F9AC34F6}"/>
+              </a:ext>
+            </a:extLst>
+          </p:cNvPr>
+          <p:cNvSpPr>
+            <a:spLocks noGrp="1"/>
+          </p:cNvSpPr>
+          <p:nvPr>
+            <p:ph type="sldNum" idx="12"/>
+          </p:nvPr>
+        </p:nvSpPr>
+        <p:spPr/>
+        <p:txBody>
+          <a:bodyPr/>
+          <a:lstStyle/>
+          <a:p>
+            <a:pPr marL="0" lvl="0" indent="0" algn="ctr" rtl="0">
+              <a:spcBef>
+                <a:spcPts val="0"/>
+              </a:spcBef>
+              <a:spcAft>
+                <a:spcPts val="0"/>
+              </a:spcAft>
+              <a:buNone/>
+            </a:pPr>
+            <a:fld id="{00000000-1234-1234-1234-123412341234}" type="slidenum">
+              <a:rPr lang="de-DE" smtClean="0"/>
+              <a:t>20</a:t>
+            </a:fld>
+            <a:endParaRPr lang="de-DE"/>
+          </a:p>
+        </p:txBody>
+      </p:sp>
+      <p:sp>
+        <p:nvSpPr>
+          <p:cNvPr id="6" name="Ellipse 5">
+            <a:extLst>
+              <a:ext uri="{FF2B5EF4-FFF2-40B4-BE49-F238E27FC236}">
+                <a16:creationId xmlns:a16="http://schemas.microsoft.com/office/drawing/2014/main" id="{AB6E73B8-92A1-487F-828F-E14511BDA105}"/>
+              </a:ext>
+            </a:extLst>
+          </p:cNvPr>
+          <p:cNvSpPr/>
+          <p:nvPr/>
+        </p:nvSpPr>
+        <p:spPr>
+          <a:xfrm>
+            <a:off x="1494064" y="171450"/>
+            <a:ext cx="6172200" cy="4514850"/>
+          </a:xfrm>
+          <a:prstGeom prst="ellipse">
+            <a:avLst/>
+          </a:prstGeom>
+          <a:ln>
+            <a:solidFill>
+              <a:schemeClr val="bg1"/>
+            </a:solidFill>
+          </a:ln>
+        </p:spPr>
+        <p:style>
+          <a:lnRef idx="2">
+            <a:schemeClr val="accent6"/>
+          </a:lnRef>
+          <a:fillRef idx="1">
+            <a:schemeClr val="lt1"/>
+          </a:fillRef>
+          <a:effectRef idx="0">
+            <a:schemeClr val="accent6"/>
+          </a:effectRef>
+          <a:fontRef idx="minor">
+            <a:schemeClr val="dk1"/>
+          </a:fontRef>
+        </p:style>
+        <p:txBody>
+          <a:bodyPr rtlCol="0" anchor="ctr"/>
+          <a:lstStyle/>
+          <a:p>
+            <a:pPr algn="ctr"/>
+            <a:endParaRPr lang="de-DE">
+              <a:ln>
+                <a:solidFill>
+                  <a:schemeClr val="bg1"/>
+                </a:solidFill>
+              </a:ln>
+            </a:endParaRPr>
+          </a:p>
+        </p:txBody>
+      </p:sp>
+      <p:sp>
+        <p:nvSpPr>
+          <p:cNvPr id="8" name="Rechteck 7">
+            <a:extLst>
+              <a:ext uri="{FF2B5EF4-FFF2-40B4-BE49-F238E27FC236}">
+                <a16:creationId xmlns:a16="http://schemas.microsoft.com/office/drawing/2014/main" id="{87ABC1D6-E6C0-4DE2-9C7B-126717671C24}"/>
+              </a:ext>
+            </a:extLst>
+          </p:cNvPr>
+          <p:cNvSpPr/>
+          <p:nvPr/>
+        </p:nvSpPr>
+        <p:spPr>
+          <a:xfrm>
+            <a:off x="1110343" y="244929"/>
+            <a:ext cx="6849836" cy="4514850"/>
+          </a:xfrm>
+          <a:prstGeom prst="rect">
+            <a:avLst/>
+          </a:prstGeom>
+          <a:ln>
+            <a:solidFill>
+              <a:schemeClr val="bg1"/>
+            </a:solidFill>
+          </a:ln>
+        </p:spPr>
+        <p:style>
+          <a:lnRef idx="2">
+            <a:schemeClr val="accent6"/>
+          </a:lnRef>
+          <a:fillRef idx="1">
+            <a:schemeClr val="lt1"/>
+          </a:fillRef>
+          <a:effectRef idx="0">
+            <a:schemeClr val="accent6"/>
+          </a:effectRef>
+          <a:fontRef idx="minor">
+            <a:schemeClr val="dk1"/>
+          </a:fontRef>
+        </p:style>
+        <p:txBody>
+          <a:bodyPr rtlCol="0" anchor="ctr"/>
+          <a:lstStyle/>
+          <a:p>
+            <a:pPr algn="ctr"/>
+            <a:endParaRPr lang="de-DE"/>
+          </a:p>
+        </p:txBody>
+      </p:sp>
+      <p:sp>
+        <p:nvSpPr>
+          <p:cNvPr id="9" name="Rechteck 8">
+            <a:extLst>
+              <a:ext uri="{FF2B5EF4-FFF2-40B4-BE49-F238E27FC236}">
+                <a16:creationId xmlns:a16="http://schemas.microsoft.com/office/drawing/2014/main" id="{419E0D09-4733-4070-AA11-E245E861D1EF}"/>
+              </a:ext>
+            </a:extLst>
+          </p:cNvPr>
+          <p:cNvSpPr/>
+          <p:nvPr/>
+        </p:nvSpPr>
+        <p:spPr>
+          <a:xfrm>
+            <a:off x="947057" y="653143"/>
+            <a:ext cx="7249886" cy="832757"/>
+          </a:xfrm>
+          <a:prstGeom prst="rect">
+            <a:avLst/>
+          </a:prstGeom>
+          <a:ln>
+            <a:solidFill>
+              <a:schemeClr val="bg1"/>
+            </a:solidFill>
+          </a:ln>
+        </p:spPr>
+        <p:style>
+          <a:lnRef idx="2">
+            <a:schemeClr val="accent6"/>
+          </a:lnRef>
+          <a:fillRef idx="1">
+            <a:schemeClr val="lt1"/>
+          </a:fillRef>
+          <a:effectRef idx="0">
+            <a:schemeClr val="accent6"/>
+          </a:effectRef>
+          <a:fontRef idx="minor">
+            <a:schemeClr val="dk1"/>
+          </a:fontRef>
+        </p:style>
+        <p:txBody>
+          <a:bodyPr rtlCol="0" anchor="ctr"/>
+          <a:lstStyle/>
+          <a:p>
+            <a:pPr algn="ctr"/>
+            <a:endParaRPr lang="de-DE"/>
+          </a:p>
+        </p:txBody>
+      </p:sp>
+      <p:sp>
+        <p:nvSpPr>
+          <p:cNvPr id="10" name="Rechteck 9">
+            <a:extLst>
+              <a:ext uri="{FF2B5EF4-FFF2-40B4-BE49-F238E27FC236}">
+                <a16:creationId xmlns:a16="http://schemas.microsoft.com/office/drawing/2014/main" id="{3F88C16A-828F-40D5-BED2-4EF5A6000EFC}"/>
+              </a:ext>
+            </a:extLst>
+          </p:cNvPr>
+          <p:cNvSpPr/>
+          <p:nvPr/>
+        </p:nvSpPr>
+        <p:spPr>
+          <a:xfrm>
+            <a:off x="7388679" y="1208314"/>
+            <a:ext cx="1036864" cy="2735036"/>
+          </a:xfrm>
+          <a:prstGeom prst="rect">
+            <a:avLst/>
+          </a:prstGeom>
+          <a:ln>
+            <a:solidFill>
+              <a:schemeClr val="bg1"/>
+            </a:solidFill>
+          </a:ln>
+        </p:spPr>
+        <p:style>
+          <a:lnRef idx="2">
+            <a:schemeClr val="accent6"/>
+          </a:lnRef>
+          <a:fillRef idx="1">
+            <a:schemeClr val="lt1"/>
+          </a:fillRef>
+          <a:effectRef idx="0">
+            <a:schemeClr val="accent6"/>
+          </a:effectRef>
+          <a:fontRef idx="minor">
+            <a:schemeClr val="dk1"/>
+          </a:fontRef>
+        </p:style>
+        <p:txBody>
+          <a:bodyPr rtlCol="0" anchor="ctr"/>
+          <a:lstStyle/>
+          <a:p>
+            <a:pPr algn="ctr"/>
+            <a:endParaRPr lang="de-DE"/>
+          </a:p>
+        </p:txBody>
+      </p:sp>
+      <p:sp>
+        <p:nvSpPr>
+          <p:cNvPr id="11" name="Rechteck 10">
+            <a:extLst>
+              <a:ext uri="{FF2B5EF4-FFF2-40B4-BE49-F238E27FC236}">
+                <a16:creationId xmlns:a16="http://schemas.microsoft.com/office/drawing/2014/main" id="{EEB542A1-C3D1-4D5F-A1CB-EBCC6E652D86}"/>
+              </a:ext>
+            </a:extLst>
+          </p:cNvPr>
+          <p:cNvSpPr/>
+          <p:nvPr/>
+        </p:nvSpPr>
+        <p:spPr>
+          <a:xfrm>
+            <a:off x="747032" y="1347107"/>
+            <a:ext cx="1036864" cy="2735036"/>
+          </a:xfrm>
+          <a:prstGeom prst="rect">
+            <a:avLst/>
+          </a:prstGeom>
+          <a:ln>
+            <a:solidFill>
+              <a:schemeClr val="bg1"/>
+            </a:solidFill>
+          </a:ln>
+        </p:spPr>
+        <p:style>
+          <a:lnRef idx="2">
+            <a:schemeClr val="accent6"/>
+          </a:lnRef>
+          <a:fillRef idx="1">
+            <a:schemeClr val="lt1"/>
+          </a:fillRef>
+          <a:effectRef idx="0">
+            <a:schemeClr val="accent6"/>
+          </a:effectRef>
+          <a:fontRef idx="minor">
+            <a:schemeClr val="dk1"/>
+          </a:fontRef>
+        </p:style>
+        <p:txBody>
+          <a:bodyPr rtlCol="0" anchor="ctr"/>
+          <a:lstStyle/>
+          <a:p>
+            <a:pPr algn="ctr"/>
+            <a:endParaRPr lang="de-DE"/>
+          </a:p>
+        </p:txBody>
+      </p:sp>
+      <p:sp>
+        <p:nvSpPr>
+          <p:cNvPr id="12" name="Rechteck 11">
+            <a:extLst>
+              <a:ext uri="{FF2B5EF4-FFF2-40B4-BE49-F238E27FC236}">
+                <a16:creationId xmlns:a16="http://schemas.microsoft.com/office/drawing/2014/main" id="{70FC5DD2-9FC6-4302-9268-4ACB6A3B54DD}"/>
+              </a:ext>
+            </a:extLst>
+          </p:cNvPr>
+          <p:cNvSpPr/>
+          <p:nvPr/>
+        </p:nvSpPr>
+        <p:spPr>
+          <a:xfrm rot="5400000">
+            <a:off x="4206648" y="3094264"/>
+            <a:ext cx="1036864" cy="2735036"/>
+          </a:xfrm>
+          <a:prstGeom prst="rect">
+            <a:avLst/>
+          </a:prstGeom>
+          <a:ln>
+            <a:solidFill>
+              <a:schemeClr val="bg1"/>
+            </a:solidFill>
+          </a:ln>
+        </p:spPr>
+        <p:style>
+          <a:lnRef idx="2">
+            <a:schemeClr val="accent6"/>
+          </a:lnRef>
+          <a:fillRef idx="1">
+            <a:schemeClr val="lt1"/>
+          </a:fillRef>
+          <a:effectRef idx="0">
+            <a:schemeClr val="accent6"/>
+          </a:effectRef>
+          <a:fontRef idx="minor">
+            <a:schemeClr val="dk1"/>
+          </a:fontRef>
+        </p:style>
+        <p:txBody>
+          <a:bodyPr rtlCol="0" anchor="ctr"/>
+          <a:lstStyle/>
+          <a:p>
+            <a:pPr algn="ctr"/>
+            <a:endParaRPr lang="de-DE"/>
+          </a:p>
+        </p:txBody>
+      </p:sp>
+      <p:sp>
+        <p:nvSpPr>
+          <p:cNvPr id="13" name="Rechteck 12">
+            <a:extLst>
+              <a:ext uri="{FF2B5EF4-FFF2-40B4-BE49-F238E27FC236}">
+                <a16:creationId xmlns:a16="http://schemas.microsoft.com/office/drawing/2014/main" id="{F57FF77F-DA31-4A36-9A23-52C61AD95D6A}"/>
+              </a:ext>
+            </a:extLst>
+          </p:cNvPr>
+          <p:cNvSpPr/>
+          <p:nvPr/>
+        </p:nvSpPr>
+        <p:spPr>
+          <a:xfrm rot="16200000">
+            <a:off x="2209800" y="-714375"/>
+            <a:ext cx="1036864" cy="2735036"/>
+          </a:xfrm>
+          <a:prstGeom prst="rect">
+            <a:avLst/>
+          </a:prstGeom>
+          <a:ln>
+            <a:solidFill>
+              <a:schemeClr val="bg1"/>
+            </a:solidFill>
+          </a:ln>
+        </p:spPr>
+        <p:style>
+          <a:lnRef idx="2">
+            <a:schemeClr val="accent6"/>
+          </a:lnRef>
+          <a:fillRef idx="1">
+            <a:schemeClr val="lt1"/>
+          </a:fillRef>
+          <a:effectRef idx="0">
+            <a:schemeClr val="accent6"/>
+          </a:effectRef>
+          <a:fontRef idx="minor">
+            <a:schemeClr val="dk1"/>
+          </a:fontRef>
+        </p:style>
+        <p:txBody>
+          <a:bodyPr rtlCol="0" anchor="ctr"/>
+          <a:lstStyle/>
+          <a:p>
+            <a:pPr algn="ctr"/>
+            <a:endParaRPr lang="de-DE"/>
+          </a:p>
+        </p:txBody>
+      </p:sp>
+      <p:sp>
+        <p:nvSpPr>
+          <p:cNvPr id="14" name="Rechteck 13">
+            <a:extLst>
+              <a:ext uri="{FF2B5EF4-FFF2-40B4-BE49-F238E27FC236}">
+                <a16:creationId xmlns:a16="http://schemas.microsoft.com/office/drawing/2014/main" id="{E8B1876C-8DA4-4C95-8681-2465FFE73B1F}"/>
+              </a:ext>
+            </a:extLst>
+          </p:cNvPr>
+          <p:cNvSpPr/>
+          <p:nvPr/>
+        </p:nvSpPr>
+        <p:spPr>
+          <a:xfrm rot="16200000">
+            <a:off x="5780314" y="-714375"/>
+            <a:ext cx="1036864" cy="2735036"/>
+          </a:xfrm>
+          <a:prstGeom prst="rect">
+            <a:avLst/>
+          </a:prstGeom>
+          <a:ln>
+            <a:solidFill>
+              <a:schemeClr val="bg1"/>
+            </a:solidFill>
+          </a:ln>
+        </p:spPr>
+        <p:style>
+          <a:lnRef idx="2">
+            <a:schemeClr val="accent6"/>
+          </a:lnRef>
+          <a:fillRef idx="1">
+            <a:schemeClr val="lt1"/>
+          </a:fillRef>
+          <a:effectRef idx="0">
+            <a:schemeClr val="accent6"/>
+          </a:effectRef>
+          <a:fontRef idx="minor">
+            <a:schemeClr val="dk1"/>
+          </a:fontRef>
+        </p:style>
+        <p:txBody>
+          <a:bodyPr rtlCol="0" anchor="ctr"/>
+          <a:lstStyle/>
+          <a:p>
+            <a:pPr algn="ctr"/>
+            <a:endParaRPr lang="de-DE"/>
+          </a:p>
+        </p:txBody>
+      </p:sp>
+      <p:sp>
+        <p:nvSpPr>
+          <p:cNvPr id="15" name="Rechteck 14">
+            <a:extLst>
+              <a:ext uri="{FF2B5EF4-FFF2-40B4-BE49-F238E27FC236}">
+                <a16:creationId xmlns:a16="http://schemas.microsoft.com/office/drawing/2014/main" id="{2ED82C1B-48CF-4FAB-9E74-B6BB349C5C53}"/>
+              </a:ext>
+            </a:extLst>
+          </p:cNvPr>
+          <p:cNvSpPr/>
+          <p:nvPr/>
+        </p:nvSpPr>
+        <p:spPr>
+          <a:xfrm rot="16200000">
+            <a:off x="5806848" y="3122839"/>
+            <a:ext cx="1036864" cy="2735036"/>
+          </a:xfrm>
+          <a:prstGeom prst="rect">
+            <a:avLst/>
+          </a:prstGeom>
+          <a:ln>
+            <a:solidFill>
+              <a:schemeClr val="bg1"/>
+            </a:solidFill>
+          </a:ln>
+        </p:spPr>
+        <p:style>
+          <a:lnRef idx="2">
+            <a:schemeClr val="accent6"/>
+          </a:lnRef>
+          <a:fillRef idx="1">
+            <a:schemeClr val="lt1"/>
+          </a:fillRef>
+          <a:effectRef idx="0">
+            <a:schemeClr val="accent6"/>
+          </a:effectRef>
+          <a:fontRef idx="minor">
+            <a:schemeClr val="dk1"/>
+          </a:fontRef>
+        </p:style>
+        <p:txBody>
+          <a:bodyPr rtlCol="0" anchor="ctr"/>
+          <a:lstStyle/>
+          <a:p>
+            <a:pPr algn="ctr"/>
+            <a:endParaRPr lang="de-DE"/>
+          </a:p>
+        </p:txBody>
+      </p:sp>
+      <p:sp>
+        <p:nvSpPr>
+          <p:cNvPr id="16" name="Rechteck 15">
+            <a:extLst>
+              <a:ext uri="{FF2B5EF4-FFF2-40B4-BE49-F238E27FC236}">
+                <a16:creationId xmlns:a16="http://schemas.microsoft.com/office/drawing/2014/main" id="{B14ACE08-59A3-4D85-90BC-CA40C78A176E}"/>
+              </a:ext>
+            </a:extLst>
+          </p:cNvPr>
+          <p:cNvSpPr/>
+          <p:nvPr/>
+        </p:nvSpPr>
+        <p:spPr>
+          <a:xfrm rot="16200000">
+            <a:off x="2068285" y="3102429"/>
+            <a:ext cx="1036864" cy="2735036"/>
+          </a:xfrm>
+          <a:prstGeom prst="rect">
+            <a:avLst/>
+          </a:prstGeom>
+          <a:ln>
+            <a:solidFill>
+              <a:schemeClr val="bg1"/>
+            </a:solidFill>
+          </a:ln>
+        </p:spPr>
+        <p:style>
+          <a:lnRef idx="2">
+            <a:schemeClr val="accent6"/>
+          </a:lnRef>
+          <a:fillRef idx="1">
+            <a:schemeClr val="lt1"/>
+          </a:fillRef>
+          <a:effectRef idx="0">
+            <a:schemeClr val="accent6"/>
+          </a:effectRef>
+          <a:fontRef idx="minor">
+            <a:schemeClr val="dk1"/>
+          </a:fontRef>
+        </p:style>
+        <p:txBody>
+          <a:bodyPr rtlCol="0" anchor="ctr"/>
+          <a:lstStyle/>
+          <a:p>
+            <a:pPr algn="ctr"/>
+            <a:endParaRPr lang="de-DE"/>
+          </a:p>
+        </p:txBody>
+      </p:sp>
+      <p:sp>
+        <p:nvSpPr>
+          <p:cNvPr id="17" name="Rechteck 16">
+            <a:extLst>
+              <a:ext uri="{FF2B5EF4-FFF2-40B4-BE49-F238E27FC236}">
+                <a16:creationId xmlns:a16="http://schemas.microsoft.com/office/drawing/2014/main" id="{545260A5-88E9-4B37-B58C-91FBBF218530}"/>
+              </a:ext>
+            </a:extLst>
+          </p:cNvPr>
+          <p:cNvSpPr/>
+          <p:nvPr/>
+        </p:nvSpPr>
+        <p:spPr>
+          <a:xfrm>
+            <a:off x="7161099" y="1614855"/>
+            <a:ext cx="1036864" cy="2735036"/>
+          </a:xfrm>
+          <a:prstGeom prst="rect">
+            <a:avLst/>
+          </a:prstGeom>
+          <a:ln>
+            <a:solidFill>
+              <a:schemeClr val="bg1"/>
+            </a:solidFill>
+          </a:ln>
+        </p:spPr>
+        <p:style>
+          <a:lnRef idx="2">
+            <a:schemeClr val="accent6"/>
+          </a:lnRef>
+          <a:fillRef idx="1">
+            <a:schemeClr val="lt1"/>
+          </a:fillRef>
+          <a:effectRef idx="0">
+            <a:schemeClr val="accent6"/>
+          </a:effectRef>
+          <a:fontRef idx="minor">
+            <a:schemeClr val="dk1"/>
+          </a:fontRef>
+        </p:style>
+        <p:txBody>
+          <a:bodyPr rtlCol="0" anchor="ctr"/>
+          <a:lstStyle/>
+          <a:p>
+            <a:pPr algn="ctr"/>
+            <a:endParaRPr lang="de-DE"/>
+          </a:p>
+        </p:txBody>
+      </p:sp>
       <p:pic>
         <p:nvPicPr>
-          <p:cNvPr id="3" name="Grafik 2">
+          <p:cNvPr id="19" name="Grafik 18">
             <a:extLst>
               <a:ext uri="{FF2B5EF4-FFF2-40B4-BE49-F238E27FC236}">
-                <a16:creationId xmlns:a16="http://schemas.microsoft.com/office/drawing/2014/main" id="{80648D35-D647-7147-95C1-19ED5769027B}"/>
+                <a16:creationId xmlns:a16="http://schemas.microsoft.com/office/drawing/2014/main" id="{59FC82BF-CB0D-4CB5-A6CA-4CF467E6EF34}"/>
+              </a:ext>
+            </a:extLst>
+          </p:cNvPr>
+          <p:cNvPicPr>
+            <a:picLocks noChangeAspect="1"/>
+          </p:cNvPicPr>
+          <p:nvPr/>
+        </p:nvPicPr>
+        <p:blipFill>
+          <a:blip r:embed="rId2"/>
+          <a:stretch>
+            <a:fillRect/>
+          </a:stretch>
+        </p:blipFill>
+        <p:spPr>
+          <a:xfrm>
+            <a:off x="1101747" y="742213"/>
+            <a:ext cx="6922425" cy="3834237"/>
+          </a:xfrm>
+          <a:prstGeom prst="rect">
+            <a:avLst/>
+          </a:prstGeom>
+        </p:spPr>
+      </p:pic>
+    </p:spTree>
+    <p:extLst>
+      <p:ext uri="{BB962C8B-B14F-4D97-AF65-F5344CB8AC3E}">
+        <p14:creationId xmlns:p14="http://schemas.microsoft.com/office/powerpoint/2010/main" val="1071229919"/>
+      </p:ext>
+    </p:extLst>
+  </p:cSld>
+  <p:clrMapOvr>
+    <a:masterClrMapping/>
+  </p:clrMapOvr>
+</p:sld>
+</file>
+
+<file path=ppt/slides/slide21.xml><?xml version="1.0" encoding="utf-8"?>
+<p:sld xmlns:a="http://schemas.openxmlformats.org/drawingml/2006/main" xmlns:r="http://schemas.openxmlformats.org/officeDocument/2006/relationships" xmlns:p="http://schemas.openxmlformats.org/presentationml/2006/main">
+  <p:cSld>
+    <p:spTree>
+      <p:nvGrpSpPr>
+        <p:cNvPr id="1" name="Shape 906"/>
+        <p:cNvGrpSpPr/>
+        <p:nvPr/>
+      </p:nvGrpSpPr>
+      <p:grpSpPr>
+        <a:xfrm>
+          <a:off x="0" y="0"/>
+          <a:ext cx="0" cy="0"/>
+          <a:chOff x="0" y="0"/>
+          <a:chExt cx="0" cy="0"/>
+        </a:xfrm>
+      </p:grpSpPr>
+      <p:sp>
+        <p:nvSpPr>
+          <p:cNvPr id="907" name="Google Shape;907;p40"/>
+          <p:cNvSpPr txBox="1"/>
+          <p:nvPr/>
+        </p:nvSpPr>
+        <p:spPr>
+          <a:xfrm>
+            <a:off x="2773450" y="1150500"/>
+            <a:ext cx="5782500" cy="1380900"/>
+          </a:xfrm>
+          <a:prstGeom prst="rect">
+            <a:avLst/>
+          </a:prstGeom>
+          <a:noFill/>
+          <a:ln>
+            <a:noFill/>
+          </a:ln>
+        </p:spPr>
+        <p:txBody>
+          <a:bodyPr spcFirstLastPara="1" wrap="square" lIns="91425" tIns="91425" rIns="91425" bIns="91425" anchor="t" anchorCtr="0">
+            <a:noAutofit/>
+          </a:bodyPr>
+          <a:lstStyle/>
+          <a:p>
+            <a:pPr marL="0" lvl="0" indent="0" algn="l" rtl="0">
+              <a:spcBef>
+                <a:spcPts val="0"/>
+              </a:spcBef>
+              <a:spcAft>
+                <a:spcPts val="0"/>
+              </a:spcAft>
+              <a:buClr>
+                <a:schemeClr val="dk1"/>
+              </a:buClr>
+              <a:buSzPts val="1100"/>
+              <a:buFont typeface="Arial"/>
+              <a:buNone/>
+            </a:pPr>
+            <a:r>
+              <a:rPr lang="en-US" sz="5200" b="1" dirty="0" err="1">
+                <a:latin typeface="Poppins"/>
+                <a:cs typeface="Poppins"/>
+                <a:sym typeface="Poppins Light"/>
+              </a:rPr>
+              <a:t>Vielen</a:t>
+            </a:r>
+            <a:r>
+              <a:rPr lang="en-US" sz="5200" b="1" dirty="0">
+                <a:latin typeface="Poppins"/>
+                <a:cs typeface="Poppins"/>
+                <a:sym typeface="Poppins Light"/>
+              </a:rPr>
+              <a:t> Dank</a:t>
+            </a:r>
+          </a:p>
+          <a:p>
+            <a:pPr marL="0" lvl="0" indent="0" algn="l" rtl="0">
+              <a:spcBef>
+                <a:spcPts val="0"/>
+              </a:spcBef>
+              <a:spcAft>
+                <a:spcPts val="0"/>
+              </a:spcAft>
+              <a:buClr>
+                <a:schemeClr val="dk1"/>
+              </a:buClr>
+              <a:buSzPts val="1100"/>
+              <a:buFont typeface="Arial"/>
+              <a:buNone/>
+            </a:pPr>
+            <a:r>
+              <a:rPr lang="en-US" sz="2800" b="1" dirty="0" err="1">
+                <a:latin typeface="Poppins"/>
+                <a:cs typeface="Poppins"/>
+                <a:sym typeface="Poppins Light"/>
+              </a:rPr>
+              <a:t>für</a:t>
+            </a:r>
+            <a:r>
+              <a:rPr lang="en-US" sz="2800" b="1" dirty="0">
+                <a:latin typeface="Poppins"/>
+                <a:cs typeface="Poppins"/>
+                <a:sym typeface="Poppins Light"/>
+              </a:rPr>
+              <a:t> </a:t>
+            </a:r>
+            <a:r>
+              <a:rPr lang="en-US" sz="2800" b="1" dirty="0" err="1">
+                <a:latin typeface="Poppins"/>
+                <a:cs typeface="Poppins"/>
+                <a:sym typeface="Poppins Light"/>
+              </a:rPr>
+              <a:t>Ihre</a:t>
+            </a:r>
+            <a:r>
+              <a:rPr lang="en-US" sz="2800" b="1" dirty="0">
+                <a:latin typeface="Poppins"/>
+                <a:cs typeface="Poppins"/>
+                <a:sym typeface="Poppins Light"/>
+              </a:rPr>
+              <a:t> </a:t>
+            </a:r>
+            <a:r>
+              <a:rPr lang="en-US" sz="2800" b="1" dirty="0" err="1">
+                <a:latin typeface="Poppins"/>
+                <a:cs typeface="Poppins"/>
+                <a:sym typeface="Poppins Light"/>
+              </a:rPr>
+              <a:t>Aufmerksamkeit</a:t>
+            </a:r>
+            <a:endParaRPr sz="2800" b="1" dirty="0">
+              <a:latin typeface="Poppins"/>
+              <a:cs typeface="Poppins"/>
+              <a:sym typeface="Poppins Light"/>
+            </a:endParaRPr>
+          </a:p>
+          <a:p>
+            <a:pPr marL="0" lvl="0" indent="0" algn="l" rtl="0">
+              <a:spcBef>
+                <a:spcPts val="0"/>
+              </a:spcBef>
+              <a:spcAft>
+                <a:spcPts val="0"/>
+              </a:spcAft>
+              <a:buNone/>
+            </a:pPr>
+            <a:endParaRPr sz="1200" dirty="0">
+              <a:latin typeface="Poppins Light"/>
+              <a:ea typeface="Poppins Light"/>
+              <a:cs typeface="Poppins Light"/>
+              <a:sym typeface="Poppins Light"/>
+            </a:endParaRPr>
+          </a:p>
+          <a:p>
+            <a:pPr marL="0" lvl="0" indent="0" algn="l" rtl="0">
+              <a:spcBef>
+                <a:spcPts val="0"/>
+              </a:spcBef>
+              <a:spcAft>
+                <a:spcPts val="0"/>
+              </a:spcAft>
+              <a:buNone/>
+            </a:pPr>
+            <a:endParaRPr sz="1200" dirty="0">
+              <a:latin typeface="Poppins Light"/>
+              <a:ea typeface="Poppins Light"/>
+              <a:cs typeface="Poppins Light"/>
+              <a:sym typeface="Poppins Light"/>
+            </a:endParaRPr>
+          </a:p>
+          <a:p>
+            <a:pPr marL="0" lvl="0" indent="0" algn="l" rtl="0">
+              <a:spcBef>
+                <a:spcPts val="0"/>
+              </a:spcBef>
+              <a:spcAft>
+                <a:spcPts val="0"/>
+              </a:spcAft>
+              <a:buClr>
+                <a:schemeClr val="dk1"/>
+              </a:buClr>
+              <a:buSzPts val="1100"/>
+              <a:buFont typeface="Arial"/>
+              <a:buNone/>
+            </a:pPr>
+            <a:endParaRPr sz="1200" dirty="0">
+              <a:latin typeface="Poppins Light"/>
+              <a:ea typeface="Poppins Light"/>
+              <a:cs typeface="Poppins Light"/>
+              <a:sym typeface="Poppins Light"/>
+            </a:endParaRPr>
+          </a:p>
+          <a:p>
+            <a:pPr marL="0" lvl="0" indent="0" algn="l" rtl="0">
+              <a:spcBef>
+                <a:spcPts val="0"/>
+              </a:spcBef>
+              <a:spcAft>
+                <a:spcPts val="0"/>
+              </a:spcAft>
+              <a:buNone/>
+            </a:pPr>
+            <a:endParaRPr sz="1200" dirty="0">
+              <a:latin typeface="Poppins Light"/>
+              <a:ea typeface="Poppins Light"/>
+              <a:cs typeface="Poppins Light"/>
+              <a:sym typeface="Poppins Light"/>
+            </a:endParaRPr>
+          </a:p>
+        </p:txBody>
+      </p:sp>
+      <p:sp>
+        <p:nvSpPr>
+          <p:cNvPr id="2" name="Foliennummernplatzhalter 1">
+            <a:extLst>
+              <a:ext uri="{FF2B5EF4-FFF2-40B4-BE49-F238E27FC236}">
+                <a16:creationId xmlns:a16="http://schemas.microsoft.com/office/drawing/2014/main" id="{EFB328C7-FCBF-A645-A47C-5AC64030C757}"/>
+              </a:ext>
+            </a:extLst>
+          </p:cNvPr>
+          <p:cNvSpPr>
+            <a:spLocks noGrp="1"/>
+          </p:cNvSpPr>
+          <p:nvPr>
+            <p:ph type="sldNum" idx="12"/>
+          </p:nvPr>
+        </p:nvSpPr>
+        <p:spPr/>
+        <p:txBody>
+          <a:bodyPr/>
+          <a:lstStyle/>
+          <a:p>
+            <a:pPr marL="0" lvl="0" indent="0" algn="ctr" rtl="0">
+              <a:spcBef>
+                <a:spcPts val="0"/>
+              </a:spcBef>
+              <a:spcAft>
+                <a:spcPts val="0"/>
+              </a:spcAft>
+              <a:buNone/>
+            </a:pPr>
+            <a:fld id="{00000000-1234-1234-1234-123412341234}" type="slidenum">
+              <a:rPr lang="de-DE" smtClean="0"/>
+              <a:t>21</a:t>
+            </a:fld>
+            <a:endParaRPr lang="de-DE"/>
+          </a:p>
+        </p:txBody>
+      </p:sp>
+      <p:pic>
+        <p:nvPicPr>
+          <p:cNvPr id="7" name="Grafik 6">
+            <a:extLst>
+              <a:ext uri="{FF2B5EF4-FFF2-40B4-BE49-F238E27FC236}">
+                <a16:creationId xmlns:a16="http://schemas.microsoft.com/office/drawing/2014/main" id="{5373A055-D2F8-4A09-A2AD-BF5176E2C9FA}"/>
               </a:ext>
             </a:extLst>
           </p:cNvPr>
@@ -16719,8 +19731,8 @@
         </p:blipFill>
         <p:spPr>
           <a:xfrm>
-            <a:off x="0" y="0"/>
-            <a:ext cx="9144000" cy="5143500"/>
+            <a:off x="1574800" y="1181100"/>
+            <a:ext cx="876300" cy="876300"/>
           </a:xfrm>
           <a:prstGeom prst="rect">
             <a:avLst/>
@@ -16732,9 +19744,6 @@
   <p:clrMapOvr>
     <a:masterClrMapping/>
   </p:clrMapOvr>
-  <p:transition>
-    <p:fade thruBlk="1"/>
-  </p:transition>
 </p:sld>
 </file>
 
@@ -19733,6 +22742,54 @@
               <a:t>8</a:t>
             </a:fld>
             <a:endParaRPr lang="de-DE"/>
+          </a:p>
+        </p:txBody>
+      </p:sp>
+      <p:sp>
+        <p:nvSpPr>
+          <p:cNvPr id="3" name="TextBox 2">
+            <a:extLst>
+              <a:ext uri="{FF2B5EF4-FFF2-40B4-BE49-F238E27FC236}">
+                <a16:creationId xmlns:a16="http://schemas.microsoft.com/office/drawing/2014/main" id="{C850F263-3F92-46F9-A817-7E359B190D2D}"/>
+              </a:ext>
+            </a:extLst>
+          </p:cNvPr>
+          <p:cNvSpPr txBox="1"/>
+          <p:nvPr/>
+        </p:nvSpPr>
+        <p:spPr>
+          <a:xfrm>
+            <a:off x="4467225" y="2809875"/>
+            <a:ext cx="3171825" cy="261610"/>
+          </a:xfrm>
+          <a:prstGeom prst="rect">
+            <a:avLst/>
+          </a:prstGeom>
+          <a:noFill/>
+        </p:spPr>
+        <p:txBody>
+          <a:bodyPr wrap="square" rtlCol="0">
+            <a:spAutoFit/>
+          </a:bodyPr>
+          <a:lstStyle/>
+          <a:p>
+            <a:r>
+              <a:rPr lang="en-US" sz="1100" dirty="0"/>
+              <a:t>Prof. Dr. Klaus </a:t>
+            </a:r>
+            <a:r>
+              <a:rPr lang="en-US" sz="1100" dirty="0" err="1"/>
+              <a:t>Rüdiger</a:t>
+            </a:r>
+            <a:r>
+              <a:rPr lang="en-US" sz="1100" dirty="0"/>
+              <a:t> </a:t>
+            </a:r>
+            <a:r>
+              <a:rPr lang="en-US" sz="1100" dirty="0" err="1"/>
+              <a:t>Jarzina</a:t>
+            </a:r>
+            <a:endParaRPr lang="en-US" sz="1100" dirty="0"/>
           </a:p>
         </p:txBody>
       </p:sp>
